--- a/Project 1 .pptx
+++ b/Project 1 .pptx
@@ -1,42 +1,42 @@
 
 <file path=ppt/presentation.xml><?xml version="1.0" encoding="utf-8"?>
-<p:presentation xmlns:a="http://schemas.openxmlformats.org/drawingml/2006/main" xmlns:r="http://schemas.openxmlformats.org/officeDocument/2006/relationships" xmlns:mc="http://schemas.openxmlformats.org/markup-compatibility/2006" xmlns:mv="urn:schemas-microsoft-com:mac:vml" xmlns:p="http://schemas.openxmlformats.org/presentationml/2006/main" xmlns:c="http://schemas.openxmlformats.org/drawingml/2006/chart" xmlns:dgm="http://schemas.openxmlformats.org/drawingml/2006/diagram" xmlns:o="urn:schemas-microsoft-com:office:office" xmlns:v="urn:schemas-microsoft-com:vml" xmlns:pvml="urn:schemas-microsoft-com:office:powerpoint" xmlns:com="http://schemas.openxmlformats.org/drawingml/2006/compatibility" xmlns:p14="http://schemas.microsoft.com/office/powerpoint/2010/main" xmlns:p15="http://schemas.microsoft.com/office/powerpoint/2012/main" xmlns:ahyp="http://schemas.microsoft.com/office/drawing/2018/hyperlinkcolor" autoCompressPictures="0" embedTrueTypeFonts="1" strictFirstAndLastChars="0" saveSubsetFonts="1">
+<p:presentation xmlns:a="http://schemas.openxmlformats.org/drawingml/2006/main" xmlns:r="http://schemas.openxmlformats.org/officeDocument/2006/relationships" xmlns:p="http://schemas.openxmlformats.org/presentationml/2006/main" strictFirstAndLastChars="0" embedTrueTypeFonts="1" saveSubsetFonts="1" autoCompressPictures="0">
   <p:sldMasterIdLst>
-    <p:sldMasterId id="2147483659" r:id="rId4"/>
+    <p:sldMasterId id="2147483659" r:id="rId1"/>
   </p:sldMasterIdLst>
   <p:notesMasterIdLst>
-    <p:notesMasterId r:id="rId5"/>
+    <p:notesMasterId r:id="rId10"/>
   </p:notesMasterIdLst>
   <p:sldIdLst>
-    <p:sldId id="256" r:id="rId6"/>
-    <p:sldId id="257" r:id="rId7"/>
-    <p:sldId id="258" r:id="rId8"/>
-    <p:sldId id="259" r:id="rId9"/>
-    <p:sldId id="260" r:id="rId10"/>
-    <p:sldId id="261" r:id="rId11"/>
-    <p:sldId id="262" r:id="rId12"/>
-    <p:sldId id="263" r:id="rId13"/>
+    <p:sldId id="256" r:id="rId2"/>
+    <p:sldId id="257" r:id="rId3"/>
+    <p:sldId id="258" r:id="rId4"/>
+    <p:sldId id="259" r:id="rId5"/>
+    <p:sldId id="260" r:id="rId6"/>
+    <p:sldId id="261" r:id="rId7"/>
+    <p:sldId id="262" r:id="rId8"/>
+    <p:sldId id="263" r:id="rId9"/>
   </p:sldIdLst>
-  <p:sldSz cy="5143500" cx="9144000"/>
+  <p:sldSz cx="9144000" cy="5143500" type="screen16x9"/>
   <p:notesSz cx="6858000" cy="9144000"/>
   <p:embeddedFontLst>
     <p:embeddedFont>
-      <p:font typeface="Montserrat"/>
-      <p:regular r:id="rId14"/>
-      <p:bold r:id="rId15"/>
-      <p:italic r:id="rId16"/>
-      <p:boldItalic r:id="rId17"/>
+      <p:font typeface="Lato" panose="020B0604020202020204" charset="0"/>
+      <p:regular r:id="rId11"/>
+      <p:bold r:id="rId12"/>
+      <p:italic r:id="rId13"/>
+      <p:boldItalic r:id="rId14"/>
     </p:embeddedFont>
     <p:embeddedFont>
-      <p:font typeface="Lato"/>
-      <p:regular r:id="rId18"/>
-      <p:bold r:id="rId19"/>
-      <p:italic r:id="rId20"/>
-      <p:boldItalic r:id="rId21"/>
+      <p:font typeface="Montserrat" panose="00000500000000000000" pitchFamily="2" charset="0"/>
+      <p:regular r:id="rId15"/>
+      <p:bold r:id="rId16"/>
+      <p:italic r:id="rId17"/>
+      <p:boldItalic r:id="rId18"/>
     </p:embeddedFont>
   </p:embeddedFontLst>
   <p:defaultTextStyle>
-    <a:defPPr lvl="0" marR="0" rtl="0" algn="l">
+    <a:defPPr marR="0" lvl="0" algn="l" rtl="0">
       <a:lnSpc>
         <a:spcPct val="100000"/>
       </a:lnSpc>
@@ -47,7 +47,7 @@
         <a:spcPts val="0"/>
       </a:spcAft>
     </a:defPPr>
-    <a:lvl1pPr lvl="0" marR="0" rtl="0" algn="l">
+    <a:lvl1pPr marR="0" lvl="0" algn="l" rtl="0">
       <a:lnSpc>
         <a:spcPct val="100000"/>
       </a:lnSpc>
@@ -61,7 +61,7 @@
         <a:srgbClr val="000000"/>
       </a:buClr>
       <a:buFont typeface="Arial"/>
-      <a:defRPr b="0" i="0" sz="1400" u="none" cap="none" strike="noStrike">
+      <a:defRPr sz="1400" b="0" i="0" u="none" strike="noStrike" cap="none">
         <a:solidFill>
           <a:srgbClr val="000000"/>
         </a:solidFill>
@@ -71,7 +71,7 @@
         <a:sym typeface="Arial"/>
       </a:defRPr>
     </a:lvl1pPr>
-    <a:lvl2pPr lvl="1" marR="0" rtl="0" algn="l">
+    <a:lvl2pPr marR="0" lvl="1" algn="l" rtl="0">
       <a:lnSpc>
         <a:spcPct val="100000"/>
       </a:lnSpc>
@@ -85,7 +85,7 @@
         <a:srgbClr val="000000"/>
       </a:buClr>
       <a:buFont typeface="Arial"/>
-      <a:defRPr b="0" i="0" sz="1400" u="none" cap="none" strike="noStrike">
+      <a:defRPr sz="1400" b="0" i="0" u="none" strike="noStrike" cap="none">
         <a:solidFill>
           <a:srgbClr val="000000"/>
         </a:solidFill>
@@ -95,7 +95,7 @@
         <a:sym typeface="Arial"/>
       </a:defRPr>
     </a:lvl2pPr>
-    <a:lvl3pPr lvl="2" marR="0" rtl="0" algn="l">
+    <a:lvl3pPr marR="0" lvl="2" algn="l" rtl="0">
       <a:lnSpc>
         <a:spcPct val="100000"/>
       </a:lnSpc>
@@ -109,7 +109,7 @@
         <a:srgbClr val="000000"/>
       </a:buClr>
       <a:buFont typeface="Arial"/>
-      <a:defRPr b="0" i="0" sz="1400" u="none" cap="none" strike="noStrike">
+      <a:defRPr sz="1400" b="0" i="0" u="none" strike="noStrike" cap="none">
         <a:solidFill>
           <a:srgbClr val="000000"/>
         </a:solidFill>
@@ -119,7 +119,7 @@
         <a:sym typeface="Arial"/>
       </a:defRPr>
     </a:lvl3pPr>
-    <a:lvl4pPr lvl="3" marR="0" rtl="0" algn="l">
+    <a:lvl4pPr marR="0" lvl="3" algn="l" rtl="0">
       <a:lnSpc>
         <a:spcPct val="100000"/>
       </a:lnSpc>
@@ -133,7 +133,7 @@
         <a:srgbClr val="000000"/>
       </a:buClr>
       <a:buFont typeface="Arial"/>
-      <a:defRPr b="0" i="0" sz="1400" u="none" cap="none" strike="noStrike">
+      <a:defRPr sz="1400" b="0" i="0" u="none" strike="noStrike" cap="none">
         <a:solidFill>
           <a:srgbClr val="000000"/>
         </a:solidFill>
@@ -143,7 +143,7 @@
         <a:sym typeface="Arial"/>
       </a:defRPr>
     </a:lvl4pPr>
-    <a:lvl5pPr lvl="4" marR="0" rtl="0" algn="l">
+    <a:lvl5pPr marR="0" lvl="4" algn="l" rtl="0">
       <a:lnSpc>
         <a:spcPct val="100000"/>
       </a:lnSpc>
@@ -157,7 +157,7 @@
         <a:srgbClr val="000000"/>
       </a:buClr>
       <a:buFont typeface="Arial"/>
-      <a:defRPr b="0" i="0" sz="1400" u="none" cap="none" strike="noStrike">
+      <a:defRPr sz="1400" b="0" i="0" u="none" strike="noStrike" cap="none">
         <a:solidFill>
           <a:srgbClr val="000000"/>
         </a:solidFill>
@@ -167,7 +167,7 @@
         <a:sym typeface="Arial"/>
       </a:defRPr>
     </a:lvl5pPr>
-    <a:lvl6pPr lvl="5" marR="0" rtl="0" algn="l">
+    <a:lvl6pPr marR="0" lvl="5" algn="l" rtl="0">
       <a:lnSpc>
         <a:spcPct val="100000"/>
       </a:lnSpc>
@@ -181,7 +181,7 @@
         <a:srgbClr val="000000"/>
       </a:buClr>
       <a:buFont typeface="Arial"/>
-      <a:defRPr b="0" i="0" sz="1400" u="none" cap="none" strike="noStrike">
+      <a:defRPr sz="1400" b="0" i="0" u="none" strike="noStrike" cap="none">
         <a:solidFill>
           <a:srgbClr val="000000"/>
         </a:solidFill>
@@ -191,7 +191,7 @@
         <a:sym typeface="Arial"/>
       </a:defRPr>
     </a:lvl6pPr>
-    <a:lvl7pPr lvl="6" marR="0" rtl="0" algn="l">
+    <a:lvl7pPr marR="0" lvl="6" algn="l" rtl="0">
       <a:lnSpc>
         <a:spcPct val="100000"/>
       </a:lnSpc>
@@ -205,7 +205,7 @@
         <a:srgbClr val="000000"/>
       </a:buClr>
       <a:buFont typeface="Arial"/>
-      <a:defRPr b="0" i="0" sz="1400" u="none" cap="none" strike="noStrike">
+      <a:defRPr sz="1400" b="0" i="0" u="none" strike="noStrike" cap="none">
         <a:solidFill>
           <a:srgbClr val="000000"/>
         </a:solidFill>
@@ -215,7 +215,7 @@
         <a:sym typeface="Arial"/>
       </a:defRPr>
     </a:lvl7pPr>
-    <a:lvl8pPr lvl="7" marR="0" rtl="0" algn="l">
+    <a:lvl8pPr marR="0" lvl="7" algn="l" rtl="0">
       <a:lnSpc>
         <a:spcPct val="100000"/>
       </a:lnSpc>
@@ -229,7 +229,7 @@
         <a:srgbClr val="000000"/>
       </a:buClr>
       <a:buFont typeface="Arial"/>
-      <a:defRPr b="0" i="0" sz="1400" u="none" cap="none" strike="noStrike">
+      <a:defRPr sz="1400" b="0" i="0" u="none" strike="noStrike" cap="none">
         <a:solidFill>
           <a:srgbClr val="000000"/>
         </a:solidFill>
@@ -239,7 +239,7 @@
         <a:sym typeface="Arial"/>
       </a:defRPr>
     </a:lvl8pPr>
-    <a:lvl9pPr lvl="8" marR="0" rtl="0" algn="l">
+    <a:lvl9pPr marR="0" lvl="8" algn="l" rtl="0">
       <a:lnSpc>
         <a:spcPct val="100000"/>
       </a:lnSpc>
@@ -253,7 +253,7 @@
         <a:srgbClr val="000000"/>
       </a:buClr>
       <a:buFont typeface="Arial"/>
-      <a:defRPr b="0" i="0" sz="1400" u="none" cap="none" strike="noStrike">
+      <a:defRPr sz="1400" b="0" i="0" u="none" strike="noStrike" cap="none">
         <a:solidFill>
           <a:srgbClr val="000000"/>
         </a:solidFill>
@@ -266,7 +266,7 @@
   </p:defaultTextStyle>
   <p:extLst>
     <p:ext uri="{EFAFB233-063F-42B5-8137-9DF3F51BA10A}">
-      <p15:sldGuideLst>
+      <p15:sldGuideLst xmlns:p15="http://schemas.microsoft.com/office/powerpoint/2012/main">
         <p15:guide id="1" orient="horz" pos="1620">
           <p15:clr>
             <a:srgbClr val="A4A3A4"/>
@@ -284,11 +284,16 @@
 </file>
 
 <file path=ppt/notesMasters/notesMaster1.xml><?xml version="1.0" encoding="utf-8"?>
-<p:notesMaster xmlns:a="http://schemas.openxmlformats.org/drawingml/2006/main" xmlns:r="http://schemas.openxmlformats.org/officeDocument/2006/relationships" xmlns:mc="http://schemas.openxmlformats.org/markup-compatibility/2006" xmlns:mv="urn:schemas-microsoft-com:mac:vml" xmlns:p="http://schemas.openxmlformats.org/presentationml/2006/main" xmlns:c="http://schemas.openxmlformats.org/drawingml/2006/chart" xmlns:dgm="http://schemas.openxmlformats.org/drawingml/2006/diagram" xmlns:o="urn:schemas-microsoft-com:office:office" xmlns:v="urn:schemas-microsoft-com:vml" xmlns:pvml="urn:schemas-microsoft-com:office:powerpoint" xmlns:com="http://schemas.openxmlformats.org/drawingml/2006/compatibility" xmlns:p14="http://schemas.microsoft.com/office/powerpoint/2010/main" xmlns:p15="http://schemas.microsoft.com/office/powerpoint/2012/main" xmlns:ahyp="http://schemas.microsoft.com/office/drawing/2018/hyperlinkcolor">
+<p:notesMaster xmlns:a="http://schemas.openxmlformats.org/drawingml/2006/main" xmlns:r="http://schemas.openxmlformats.org/officeDocument/2006/relationships" xmlns:p="http://schemas.openxmlformats.org/presentationml/2006/main">
   <p:cSld>
+    <p:bg>
+      <p:bgRef idx="1001">
+        <a:schemeClr val="bg1"/>
+      </p:bgRef>
+    </p:bg>
     <p:spTree>
       <p:nvGrpSpPr>
-        <p:cNvPr id="2" name="Shape 2"/>
+        <p:cNvPr id="1" name="Shape 2"/>
         <p:cNvGrpSpPr/>
         <p:nvPr/>
       </p:nvGrpSpPr>
@@ -303,9 +308,11 @@
       <p:sp>
         <p:nvSpPr>
           <p:cNvPr id="3" name="Google Shape;3;n"/>
-          <p:cNvSpPr/>
+          <p:cNvSpPr>
+            <a:spLocks noGrp="1" noRot="1" noChangeAspect="1"/>
+          </p:cNvSpPr>
           <p:nvPr>
-            <p:ph idx="2" type="sldImg"/>
+            <p:ph type="sldImg" idx="2"/>
           </p:nvPr>
         </p:nvSpPr>
         <p:spPr>
@@ -314,9 +321,13 @@
             <a:ext cx="6096075" cy="3429000"/>
           </a:xfrm>
           <a:custGeom>
-            <a:rect b="b" l="l" r="r" t="t"/>
+            <a:avLst/>
+            <a:gdLst/>
+            <a:ahLst/>
+            <a:cxnLst/>
+            <a:rect l="l" t="t" r="r" b="b"/>
             <a:pathLst>
-              <a:path extrusionOk="0" h="120000" w="120000">
+              <a:path w="120000" h="120000" extrusionOk="0">
                 <a:moveTo>
                   <a:pt x="0" y="0"/>
                 </a:moveTo>
@@ -334,23 +345,25 @@
             </a:pathLst>
           </a:custGeom>
           <a:noFill/>
-          <a:ln cap="flat" cmpd="sng" w="9525">
+          <a:ln w="9525" cap="flat" cmpd="sng">
             <a:solidFill>
               <a:srgbClr val="000000"/>
             </a:solidFill>
             <a:prstDash val="solid"/>
             <a:round/>
-            <a:headEnd len="sm" w="sm" type="none"/>
-            <a:tailEnd len="sm" w="sm" type="none"/>
+            <a:headEnd type="none" w="sm" len="sm"/>
+            <a:tailEnd type="none" w="sm" len="sm"/>
           </a:ln>
         </p:spPr>
       </p:sp>
       <p:sp>
         <p:nvSpPr>
           <p:cNvPr id="4" name="Google Shape;4;n"/>
-          <p:cNvSpPr txBox="1"/>
+          <p:cNvSpPr txBox="1">
+            <a:spLocks noGrp="1"/>
+          </p:cNvSpPr>
           <p:nvPr>
-            <p:ph idx="1" type="body"/>
+            <p:ph type="body" idx="1"/>
           </p:nvPr>
         </p:nvSpPr>
         <p:spPr>
@@ -367,11 +380,11 @@
           </a:ln>
         </p:spPr>
         <p:txBody>
-          <a:bodyPr anchorCtr="0" anchor="t" bIns="91425" lIns="91425" spcFirstLastPara="1" rIns="91425" wrap="square" tIns="91425">
+          <a:bodyPr spcFirstLastPara="1" wrap="square" lIns="91425" tIns="91425" rIns="91425" bIns="91425" anchor="t" anchorCtr="0">
             <a:noAutofit/>
           </a:bodyPr>
           <a:lstStyle>
-            <a:lvl1pPr indent="-298450" lvl="0" marL="457200">
+            <a:lvl1pPr marL="457200" lvl="0" indent="-298450">
               <a:spcBef>
                 <a:spcPts val="0"/>
               </a:spcBef>
@@ -382,7 +395,7 @@
               <a:buChar char="●"/>
               <a:defRPr sz="1100"/>
             </a:lvl1pPr>
-            <a:lvl2pPr indent="-298450" lvl="1" marL="914400">
+            <a:lvl2pPr marL="914400" lvl="1" indent="-298450">
               <a:spcBef>
                 <a:spcPts val="0"/>
               </a:spcBef>
@@ -393,7 +406,7 @@
               <a:buChar char="○"/>
               <a:defRPr sz="1100"/>
             </a:lvl2pPr>
-            <a:lvl3pPr indent="-298450" lvl="2" marL="1371600">
+            <a:lvl3pPr marL="1371600" lvl="2" indent="-298450">
               <a:spcBef>
                 <a:spcPts val="0"/>
               </a:spcBef>
@@ -404,7 +417,7 @@
               <a:buChar char="■"/>
               <a:defRPr sz="1100"/>
             </a:lvl3pPr>
-            <a:lvl4pPr indent="-298450" lvl="3" marL="1828800">
+            <a:lvl4pPr marL="1828800" lvl="3" indent="-298450">
               <a:spcBef>
                 <a:spcPts val="0"/>
               </a:spcBef>
@@ -415,7 +428,7 @@
               <a:buChar char="●"/>
               <a:defRPr sz="1100"/>
             </a:lvl4pPr>
-            <a:lvl5pPr indent="-298450" lvl="4" marL="2286000">
+            <a:lvl5pPr marL="2286000" lvl="4" indent="-298450">
               <a:spcBef>
                 <a:spcPts val="0"/>
               </a:spcBef>
@@ -426,7 +439,7 @@
               <a:buChar char="○"/>
               <a:defRPr sz="1100"/>
             </a:lvl5pPr>
-            <a:lvl6pPr indent="-298450" lvl="5" marL="2743200">
+            <a:lvl6pPr marL="2743200" lvl="5" indent="-298450">
               <a:spcBef>
                 <a:spcPts val="0"/>
               </a:spcBef>
@@ -437,7 +450,7 @@
               <a:buChar char="■"/>
               <a:defRPr sz="1100"/>
             </a:lvl6pPr>
-            <a:lvl7pPr indent="-298450" lvl="6" marL="3200400">
+            <a:lvl7pPr marL="3200400" lvl="6" indent="-298450">
               <a:spcBef>
                 <a:spcPts val="0"/>
               </a:spcBef>
@@ -448,7 +461,7 @@
               <a:buChar char="●"/>
               <a:defRPr sz="1100"/>
             </a:lvl7pPr>
-            <a:lvl8pPr indent="-298450" lvl="7" marL="3657600">
+            <a:lvl8pPr marL="3657600" lvl="7" indent="-298450">
               <a:spcBef>
                 <a:spcPts val="0"/>
               </a:spcBef>
@@ -459,7 +472,7 @@
               <a:buChar char="○"/>
               <a:defRPr sz="1100"/>
             </a:lvl8pPr>
-            <a:lvl9pPr indent="-298450" lvl="8" marL="4114800">
+            <a:lvl9pPr marL="4114800" lvl="8" indent="-298450">
               <a:spcBef>
                 <a:spcPts val="0"/>
               </a:spcBef>
@@ -471,14 +484,16 @@
               <a:defRPr sz="1100"/>
             </a:lvl9pPr>
           </a:lstStyle>
-          <a:p/>
+          <a:p>
+            <a:endParaRPr/>
+          </a:p>
         </p:txBody>
       </p:sp>
     </p:spTree>
   </p:cSld>
-  <p:clrMap accent1="accent1" accent2="accent2" accent3="accent3" accent4="accent4" accent5="accent5" accent6="accent6" bg1="lt1" bg2="dk2" tx1="dk1" tx2="lt2" folHlink="folHlink" hlink="hlink"/>
+  <p:clrMap bg1="lt1" tx1="dk1" bg2="dk2" tx2="lt2" accent1="accent1" accent2="accent2" accent3="accent3" accent4="accent4" accent5="accent5" accent6="accent6" hlink="hlink" folHlink="folHlink"/>
   <p:notesStyle>
-    <a:defPPr lvl="0" marR="0" rtl="0" algn="l">
+    <a:defPPr marR="0" lvl="0" algn="l" rtl="0">
       <a:lnSpc>
         <a:spcPct val="100000"/>
       </a:lnSpc>
@@ -489,7 +504,7 @@
         <a:spcPts val="0"/>
       </a:spcAft>
     </a:defPPr>
-    <a:lvl1pPr lvl="0" marR="0" rtl="0" algn="l">
+    <a:lvl1pPr marR="0" lvl="0" algn="l" rtl="0">
       <a:lnSpc>
         <a:spcPct val="100000"/>
       </a:lnSpc>
@@ -503,7 +518,7 @@
         <a:srgbClr val="000000"/>
       </a:buClr>
       <a:buFont typeface="Arial"/>
-      <a:defRPr b="0" i="0" sz="1400" u="none" cap="none" strike="noStrike">
+      <a:defRPr sz="1400" b="0" i="0" u="none" strike="noStrike" cap="none">
         <a:solidFill>
           <a:srgbClr val="000000"/>
         </a:solidFill>
@@ -513,7 +528,7 @@
         <a:sym typeface="Arial"/>
       </a:defRPr>
     </a:lvl1pPr>
-    <a:lvl2pPr lvl="1" marR="0" rtl="0" algn="l">
+    <a:lvl2pPr marR="0" lvl="1" algn="l" rtl="0">
       <a:lnSpc>
         <a:spcPct val="100000"/>
       </a:lnSpc>
@@ -527,7 +542,7 @@
         <a:srgbClr val="000000"/>
       </a:buClr>
       <a:buFont typeface="Arial"/>
-      <a:defRPr b="0" i="0" sz="1400" u="none" cap="none" strike="noStrike">
+      <a:defRPr sz="1400" b="0" i="0" u="none" strike="noStrike" cap="none">
         <a:solidFill>
           <a:srgbClr val="000000"/>
         </a:solidFill>
@@ -537,7 +552,7 @@
         <a:sym typeface="Arial"/>
       </a:defRPr>
     </a:lvl2pPr>
-    <a:lvl3pPr lvl="2" marR="0" rtl="0" algn="l">
+    <a:lvl3pPr marR="0" lvl="2" algn="l" rtl="0">
       <a:lnSpc>
         <a:spcPct val="100000"/>
       </a:lnSpc>
@@ -551,7 +566,7 @@
         <a:srgbClr val="000000"/>
       </a:buClr>
       <a:buFont typeface="Arial"/>
-      <a:defRPr b="0" i="0" sz="1400" u="none" cap="none" strike="noStrike">
+      <a:defRPr sz="1400" b="0" i="0" u="none" strike="noStrike" cap="none">
         <a:solidFill>
           <a:srgbClr val="000000"/>
         </a:solidFill>
@@ -561,7 +576,7 @@
         <a:sym typeface="Arial"/>
       </a:defRPr>
     </a:lvl3pPr>
-    <a:lvl4pPr lvl="3" marR="0" rtl="0" algn="l">
+    <a:lvl4pPr marR="0" lvl="3" algn="l" rtl="0">
       <a:lnSpc>
         <a:spcPct val="100000"/>
       </a:lnSpc>
@@ -575,7 +590,7 @@
         <a:srgbClr val="000000"/>
       </a:buClr>
       <a:buFont typeface="Arial"/>
-      <a:defRPr b="0" i="0" sz="1400" u="none" cap="none" strike="noStrike">
+      <a:defRPr sz="1400" b="0" i="0" u="none" strike="noStrike" cap="none">
         <a:solidFill>
           <a:srgbClr val="000000"/>
         </a:solidFill>
@@ -585,7 +600,7 @@
         <a:sym typeface="Arial"/>
       </a:defRPr>
     </a:lvl4pPr>
-    <a:lvl5pPr lvl="4" marR="0" rtl="0" algn="l">
+    <a:lvl5pPr marR="0" lvl="4" algn="l" rtl="0">
       <a:lnSpc>
         <a:spcPct val="100000"/>
       </a:lnSpc>
@@ -599,7 +614,7 @@
         <a:srgbClr val="000000"/>
       </a:buClr>
       <a:buFont typeface="Arial"/>
-      <a:defRPr b="0" i="0" sz="1400" u="none" cap="none" strike="noStrike">
+      <a:defRPr sz="1400" b="0" i="0" u="none" strike="noStrike" cap="none">
         <a:solidFill>
           <a:srgbClr val="000000"/>
         </a:solidFill>
@@ -609,7 +624,7 @@
         <a:sym typeface="Arial"/>
       </a:defRPr>
     </a:lvl5pPr>
-    <a:lvl6pPr lvl="5" marR="0" rtl="0" algn="l">
+    <a:lvl6pPr marR="0" lvl="5" algn="l" rtl="0">
       <a:lnSpc>
         <a:spcPct val="100000"/>
       </a:lnSpc>
@@ -623,7 +638,7 @@
         <a:srgbClr val="000000"/>
       </a:buClr>
       <a:buFont typeface="Arial"/>
-      <a:defRPr b="0" i="0" sz="1400" u="none" cap="none" strike="noStrike">
+      <a:defRPr sz="1400" b="0" i="0" u="none" strike="noStrike" cap="none">
         <a:solidFill>
           <a:srgbClr val="000000"/>
         </a:solidFill>
@@ -633,7 +648,7 @@
         <a:sym typeface="Arial"/>
       </a:defRPr>
     </a:lvl6pPr>
-    <a:lvl7pPr lvl="6" marR="0" rtl="0" algn="l">
+    <a:lvl7pPr marR="0" lvl="6" algn="l" rtl="0">
       <a:lnSpc>
         <a:spcPct val="100000"/>
       </a:lnSpc>
@@ -647,7 +662,7 @@
         <a:srgbClr val="000000"/>
       </a:buClr>
       <a:buFont typeface="Arial"/>
-      <a:defRPr b="0" i="0" sz="1400" u="none" cap="none" strike="noStrike">
+      <a:defRPr sz="1400" b="0" i="0" u="none" strike="noStrike" cap="none">
         <a:solidFill>
           <a:srgbClr val="000000"/>
         </a:solidFill>
@@ -657,7 +672,7 @@
         <a:sym typeface="Arial"/>
       </a:defRPr>
     </a:lvl7pPr>
-    <a:lvl8pPr lvl="7" marR="0" rtl="0" algn="l">
+    <a:lvl8pPr marR="0" lvl="7" algn="l" rtl="0">
       <a:lnSpc>
         <a:spcPct val="100000"/>
       </a:lnSpc>
@@ -671,7 +686,7 @@
         <a:srgbClr val="000000"/>
       </a:buClr>
       <a:buFont typeface="Arial"/>
-      <a:defRPr b="0" i="0" sz="1400" u="none" cap="none" strike="noStrike">
+      <a:defRPr sz="1400" b="0" i="0" u="none" strike="noStrike" cap="none">
         <a:solidFill>
           <a:srgbClr val="000000"/>
         </a:solidFill>
@@ -681,7 +696,7 @@
         <a:sym typeface="Arial"/>
       </a:defRPr>
     </a:lvl8pPr>
-    <a:lvl9pPr lvl="8" marR="0" rtl="0" algn="l">
+    <a:lvl9pPr marR="0" lvl="8" algn="l" rtl="0">
       <a:lnSpc>
         <a:spcPct val="100000"/>
       </a:lnSpc>
@@ -695,7 +710,7 @@
         <a:srgbClr val="000000"/>
       </a:buClr>
       <a:buFont typeface="Arial"/>
-      <a:defRPr b="0" i="0" sz="1400" u="none" cap="none" strike="noStrike">
+      <a:defRPr sz="1400" b="0" i="0" u="none" strike="noStrike" cap="none">
         <a:solidFill>
           <a:srgbClr val="000000"/>
         </a:solidFill>
@@ -710,11 +725,11 @@
 </file>
 
 <file path=ppt/notesSlides/notesSlide1.xml><?xml version="1.0" encoding="utf-8"?>
-<p:notes xmlns:a="http://schemas.openxmlformats.org/drawingml/2006/main" xmlns:r="http://schemas.openxmlformats.org/officeDocument/2006/relationships" xmlns:mc="http://schemas.openxmlformats.org/markup-compatibility/2006" xmlns:mv="urn:schemas-microsoft-com:mac:vml" xmlns:p="http://schemas.openxmlformats.org/presentationml/2006/main" xmlns:c="http://schemas.openxmlformats.org/drawingml/2006/chart" xmlns:dgm="http://schemas.openxmlformats.org/drawingml/2006/diagram" xmlns:o="urn:schemas-microsoft-com:office:office" xmlns:v="urn:schemas-microsoft-com:vml" xmlns:pvml="urn:schemas-microsoft-com:office:powerpoint" xmlns:com="http://schemas.openxmlformats.org/drawingml/2006/compatibility" xmlns:p14="http://schemas.microsoft.com/office/powerpoint/2010/main" xmlns:p15="http://schemas.microsoft.com/office/powerpoint/2012/main" xmlns:ahyp="http://schemas.microsoft.com/office/drawing/2018/hyperlinkcolor" showMasterPhAnim="0" showMasterSp="0">
+<p:notes xmlns:a="http://schemas.openxmlformats.org/drawingml/2006/main" xmlns:r="http://schemas.openxmlformats.org/officeDocument/2006/relationships" xmlns:p="http://schemas.openxmlformats.org/presentationml/2006/main" showMasterSp="0" showMasterPhAnim="0">
   <p:cSld>
     <p:spTree>
       <p:nvGrpSpPr>
-        <p:cNvPr id="130" name="Shape 130"/>
+        <p:cNvPr id="1" name="Shape 130"/>
         <p:cNvGrpSpPr/>
         <p:nvPr/>
       </p:nvGrpSpPr>
@@ -729,9 +744,11 @@
       <p:sp>
         <p:nvSpPr>
           <p:cNvPr id="131" name="Google Shape;131;p:notes"/>
-          <p:cNvSpPr/>
+          <p:cNvSpPr>
+            <a:spLocks noGrp="1" noRot="1" noChangeAspect="1"/>
+          </p:cNvSpPr>
           <p:nvPr>
-            <p:ph idx="2" type="sldImg"/>
+            <p:ph type="sldImg" idx="2"/>
           </p:nvPr>
         </p:nvSpPr>
         <p:spPr>
@@ -740,9 +757,13 @@
             <a:ext cx="6096075" cy="3429000"/>
           </a:xfrm>
           <a:custGeom>
-            <a:rect b="b" l="l" r="r" t="t"/>
+            <a:avLst/>
+            <a:gdLst/>
+            <a:ahLst/>
+            <a:cxnLst/>
+            <a:rect l="l" t="t" r="r" b="b"/>
             <a:pathLst>
-              <a:path extrusionOk="0" h="120000" w="120000">
+              <a:path w="120000" h="120000" extrusionOk="0">
                 <a:moveTo>
                   <a:pt x="0" y="0"/>
                 </a:moveTo>
@@ -764,9 +785,11 @@
       <p:sp>
         <p:nvSpPr>
           <p:cNvPr id="132" name="Google Shape;132;p:notes"/>
-          <p:cNvSpPr txBox="1"/>
+          <p:cNvSpPr txBox="1">
+            <a:spLocks noGrp="1"/>
+          </p:cNvSpPr>
           <p:nvPr>
-            <p:ph idx="1" type="body"/>
+            <p:ph type="body" idx="1"/>
           </p:nvPr>
         </p:nvSpPr>
         <p:spPr>
@@ -779,12 +802,12 @@
           </a:prstGeom>
         </p:spPr>
         <p:txBody>
-          <a:bodyPr anchorCtr="0" anchor="t" bIns="91425" lIns="91425" spcFirstLastPara="1" rIns="91425" wrap="square" tIns="91425">
+          <a:bodyPr spcFirstLastPara="1" wrap="square" lIns="91425" tIns="91425" rIns="91425" bIns="91425" anchor="t" anchorCtr="0">
             <a:noAutofit/>
           </a:bodyPr>
           <a:lstStyle/>
           <a:p>
-            <a:pPr indent="0" lvl="0" marL="0" rtl="0" algn="l">
+            <a:pPr marL="0" lvl="0" indent="0" algn="l" rtl="0">
               <a:spcBef>
                 <a:spcPts val="0"/>
               </a:spcBef>
@@ -793,9 +816,6 @@
               </a:spcAft>
               <a:buNone/>
             </a:pPr>
-            <a:r>
-              <a:t/>
-            </a:r>
             <a:endParaRPr/>
           </a:p>
         </p:txBody>
@@ -809,11 +829,11 @@
 </file>
 
 <file path=ppt/notesSlides/notesSlide2.xml><?xml version="1.0" encoding="utf-8"?>
-<p:notes xmlns:a="http://schemas.openxmlformats.org/drawingml/2006/main" xmlns:r="http://schemas.openxmlformats.org/officeDocument/2006/relationships" xmlns:mc="http://schemas.openxmlformats.org/markup-compatibility/2006" xmlns:mv="urn:schemas-microsoft-com:mac:vml" xmlns:p="http://schemas.openxmlformats.org/presentationml/2006/main" xmlns:c="http://schemas.openxmlformats.org/drawingml/2006/chart" xmlns:dgm="http://schemas.openxmlformats.org/drawingml/2006/diagram" xmlns:o="urn:schemas-microsoft-com:office:office" xmlns:v="urn:schemas-microsoft-com:vml" xmlns:pvml="urn:schemas-microsoft-com:office:powerpoint" xmlns:com="http://schemas.openxmlformats.org/drawingml/2006/compatibility" xmlns:p14="http://schemas.microsoft.com/office/powerpoint/2010/main" xmlns:p15="http://schemas.microsoft.com/office/powerpoint/2012/main" xmlns:ahyp="http://schemas.microsoft.com/office/drawing/2018/hyperlinkcolor" showMasterPhAnim="0" showMasterSp="0">
+<p:notes xmlns:a="http://schemas.openxmlformats.org/drawingml/2006/main" xmlns:r="http://schemas.openxmlformats.org/officeDocument/2006/relationships" xmlns:p="http://schemas.openxmlformats.org/presentationml/2006/main" showMasterSp="0" showMasterPhAnim="0">
   <p:cSld>
     <p:spTree>
       <p:nvGrpSpPr>
-        <p:cNvPr id="136" name="Shape 136"/>
+        <p:cNvPr id="1" name="Shape 136"/>
         <p:cNvGrpSpPr/>
         <p:nvPr/>
       </p:nvGrpSpPr>
@@ -828,9 +848,11 @@
       <p:sp>
         <p:nvSpPr>
           <p:cNvPr id="137" name="Google Shape;137;gc9edc56d98_0_0:notes"/>
-          <p:cNvSpPr/>
+          <p:cNvSpPr>
+            <a:spLocks noGrp="1" noRot="1" noChangeAspect="1"/>
+          </p:cNvSpPr>
           <p:nvPr>
-            <p:ph idx="2" type="sldImg"/>
+            <p:ph type="sldImg" idx="2"/>
           </p:nvPr>
         </p:nvSpPr>
         <p:spPr>
@@ -839,9 +861,13 @@
             <a:ext cx="6096000" cy="3429000"/>
           </a:xfrm>
           <a:custGeom>
-            <a:rect b="b" l="l" r="r" t="t"/>
+            <a:avLst/>
+            <a:gdLst/>
+            <a:ahLst/>
+            <a:cxnLst/>
+            <a:rect l="l" t="t" r="r" b="b"/>
             <a:pathLst>
-              <a:path extrusionOk="0" h="120000" w="120000">
+              <a:path w="120000" h="120000" extrusionOk="0">
                 <a:moveTo>
                   <a:pt x="0" y="0"/>
                 </a:moveTo>
@@ -863,9 +889,11 @@
       <p:sp>
         <p:nvSpPr>
           <p:cNvPr id="138" name="Google Shape;138;gc9edc56d98_0_0:notes"/>
-          <p:cNvSpPr txBox="1"/>
+          <p:cNvSpPr txBox="1">
+            <a:spLocks noGrp="1"/>
+          </p:cNvSpPr>
           <p:nvPr>
-            <p:ph idx="1" type="body"/>
+            <p:ph type="body" idx="1"/>
           </p:nvPr>
         </p:nvSpPr>
         <p:spPr>
@@ -878,12 +906,12 @@
           </a:prstGeom>
         </p:spPr>
         <p:txBody>
-          <a:bodyPr anchorCtr="0" anchor="t" bIns="91425" lIns="91425" spcFirstLastPara="1" rIns="91425" wrap="square" tIns="91425">
+          <a:bodyPr spcFirstLastPara="1" wrap="square" lIns="91425" tIns="91425" rIns="91425" bIns="91425" anchor="t" anchorCtr="0">
             <a:noAutofit/>
           </a:bodyPr>
           <a:lstStyle/>
           <a:p>
-            <a:pPr indent="-298450" lvl="0" marL="457200" rtl="0" algn="l">
+            <a:pPr marL="457200" lvl="0" indent="-298450" algn="l" rtl="0">
               <a:lnSpc>
                 <a:spcPct val="115000"/>
               </a:lnSpc>
@@ -911,7 +939,7 @@
             </a:endParaRPr>
           </a:p>
           <a:p>
-            <a:pPr indent="-298450" lvl="0" marL="457200" rtl="0" algn="l">
+            <a:pPr marL="457200" lvl="0" indent="-298450" algn="l" rtl="0">
               <a:lnSpc>
                 <a:spcPct val="115000"/>
               </a:lnSpc>
@@ -933,7 +961,7 @@
               <a:t>Describe the questions you asked, and </a:t>
             </a:r>
             <a:r>
-              <a:rPr i="1" lang="en">
+              <a:rPr lang="en" i="1">
                 <a:solidFill>
                   <a:schemeClr val="dk1"/>
                 </a:solidFill>
@@ -955,7 +983,7 @@
             </a:endParaRPr>
           </a:p>
           <a:p>
-            <a:pPr indent="-298450" lvl="0" marL="457200" rtl="0" algn="l">
+            <a:pPr marL="457200" lvl="0" indent="-298450" algn="l" rtl="0">
               <a:lnSpc>
                 <a:spcPct val="115000"/>
               </a:lnSpc>
@@ -979,7 +1007,7 @@
             <a:endParaRPr/>
           </a:p>
           <a:p>
-            <a:pPr indent="-298450" lvl="0" marL="457200" rtl="0" algn="l">
+            <a:pPr marL="457200" lvl="0" indent="-298450" algn="l" rtl="0">
               <a:lnSpc>
                 <a:spcPct val="115000"/>
               </a:lnSpc>
@@ -995,13 +1023,10 @@
               <a:buSzPts val="1100"/>
               <a:buChar char="●"/>
             </a:pPr>
-            <a:r>
-              <a:t/>
-            </a:r>
             <a:endParaRPr/>
           </a:p>
           <a:p>
-            <a:pPr indent="-298450" lvl="0" marL="457200" rtl="0" algn="l">
+            <a:pPr marL="457200" lvl="0" indent="-298450" algn="l" rtl="0">
               <a:lnSpc>
                 <a:spcPct val="115000"/>
               </a:lnSpc>
@@ -1038,11 +1063,11 @@
 </file>
 
 <file path=ppt/notesSlides/notesSlide3.xml><?xml version="1.0" encoding="utf-8"?>
-<p:notes xmlns:a="http://schemas.openxmlformats.org/drawingml/2006/main" xmlns:r="http://schemas.openxmlformats.org/officeDocument/2006/relationships" xmlns:mc="http://schemas.openxmlformats.org/markup-compatibility/2006" xmlns:mv="urn:schemas-microsoft-com:mac:vml" xmlns:p="http://schemas.openxmlformats.org/presentationml/2006/main" xmlns:c="http://schemas.openxmlformats.org/drawingml/2006/chart" xmlns:dgm="http://schemas.openxmlformats.org/drawingml/2006/diagram" xmlns:o="urn:schemas-microsoft-com:office:office" xmlns:v="urn:schemas-microsoft-com:vml" xmlns:pvml="urn:schemas-microsoft-com:office:powerpoint" xmlns:com="http://schemas.openxmlformats.org/drawingml/2006/compatibility" xmlns:p14="http://schemas.microsoft.com/office/powerpoint/2010/main" xmlns:p15="http://schemas.microsoft.com/office/powerpoint/2012/main" xmlns:ahyp="http://schemas.microsoft.com/office/drawing/2018/hyperlinkcolor" showMasterPhAnim="0" showMasterSp="0">
+<p:notes xmlns:a="http://schemas.openxmlformats.org/drawingml/2006/main" xmlns:r="http://schemas.openxmlformats.org/officeDocument/2006/relationships" xmlns:p="http://schemas.openxmlformats.org/presentationml/2006/main" showMasterSp="0" showMasterPhAnim="0">
   <p:cSld>
     <p:spTree>
       <p:nvGrpSpPr>
-        <p:cNvPr id="142" name="Shape 142"/>
+        <p:cNvPr id="1" name="Shape 142"/>
         <p:cNvGrpSpPr/>
         <p:nvPr/>
       </p:nvGrpSpPr>
@@ -1057,9 +1082,11 @@
       <p:sp>
         <p:nvSpPr>
           <p:cNvPr id="143" name="Google Shape;143;gc9edc56d98_0_5:notes"/>
-          <p:cNvSpPr/>
+          <p:cNvSpPr>
+            <a:spLocks noGrp="1" noRot="1" noChangeAspect="1"/>
+          </p:cNvSpPr>
           <p:nvPr>
-            <p:ph idx="2" type="sldImg"/>
+            <p:ph type="sldImg" idx="2"/>
           </p:nvPr>
         </p:nvSpPr>
         <p:spPr>
@@ -1068,9 +1095,13 @@
             <a:ext cx="6096000" cy="3429000"/>
           </a:xfrm>
           <a:custGeom>
-            <a:rect b="b" l="l" r="r" t="t"/>
+            <a:avLst/>
+            <a:gdLst/>
+            <a:ahLst/>
+            <a:cxnLst/>
+            <a:rect l="l" t="t" r="r" b="b"/>
             <a:pathLst>
-              <a:path extrusionOk="0" h="120000" w="120000">
+              <a:path w="120000" h="120000" extrusionOk="0">
                 <a:moveTo>
                   <a:pt x="0" y="0"/>
                 </a:moveTo>
@@ -1092,9 +1123,11 @@
       <p:sp>
         <p:nvSpPr>
           <p:cNvPr id="144" name="Google Shape;144;gc9edc56d98_0_5:notes"/>
-          <p:cNvSpPr txBox="1"/>
+          <p:cNvSpPr txBox="1">
+            <a:spLocks noGrp="1"/>
+          </p:cNvSpPr>
           <p:nvPr>
-            <p:ph idx="1" type="body"/>
+            <p:ph type="body" idx="1"/>
           </p:nvPr>
         </p:nvSpPr>
         <p:spPr>
@@ -1107,12 +1140,12 @@
           </a:prstGeom>
         </p:spPr>
         <p:txBody>
-          <a:bodyPr anchorCtr="0" anchor="t" bIns="91425" lIns="91425" spcFirstLastPara="1" rIns="91425" wrap="square" tIns="91425">
+          <a:bodyPr spcFirstLastPara="1" wrap="square" lIns="91425" tIns="91425" rIns="91425" bIns="91425" anchor="t" anchorCtr="0">
             <a:noAutofit/>
           </a:bodyPr>
           <a:lstStyle/>
           <a:p>
-            <a:pPr indent="-298450" lvl="0" marL="457200" rtl="0" algn="l">
+            <a:pPr marL="457200" lvl="0" indent="-298450" algn="l" rtl="0">
               <a:spcBef>
                 <a:spcPts val="0"/>
               </a:spcBef>
@@ -1139,11 +1172,11 @@
 </file>
 
 <file path=ppt/notesSlides/notesSlide4.xml><?xml version="1.0" encoding="utf-8"?>
-<p:notes xmlns:a="http://schemas.openxmlformats.org/drawingml/2006/main" xmlns:r="http://schemas.openxmlformats.org/officeDocument/2006/relationships" xmlns:mc="http://schemas.openxmlformats.org/markup-compatibility/2006" xmlns:mv="urn:schemas-microsoft-com:mac:vml" xmlns:p="http://schemas.openxmlformats.org/presentationml/2006/main" xmlns:c="http://schemas.openxmlformats.org/drawingml/2006/chart" xmlns:dgm="http://schemas.openxmlformats.org/drawingml/2006/diagram" xmlns:o="urn:schemas-microsoft-com:office:office" xmlns:v="urn:schemas-microsoft-com:vml" xmlns:pvml="urn:schemas-microsoft-com:office:powerpoint" xmlns:com="http://schemas.openxmlformats.org/drawingml/2006/compatibility" xmlns:p14="http://schemas.microsoft.com/office/powerpoint/2010/main" xmlns:p15="http://schemas.microsoft.com/office/powerpoint/2012/main" xmlns:ahyp="http://schemas.microsoft.com/office/drawing/2018/hyperlinkcolor" showMasterPhAnim="0" showMasterSp="0">
+<p:notes xmlns:a="http://schemas.openxmlformats.org/drawingml/2006/main" xmlns:r="http://schemas.openxmlformats.org/officeDocument/2006/relationships" xmlns:p="http://schemas.openxmlformats.org/presentationml/2006/main" showMasterSp="0" showMasterPhAnim="0">
   <p:cSld>
     <p:spTree>
       <p:nvGrpSpPr>
-        <p:cNvPr id="148" name="Shape 148"/>
+        <p:cNvPr id="1" name="Shape 148"/>
         <p:cNvGrpSpPr/>
         <p:nvPr/>
       </p:nvGrpSpPr>
@@ -1158,20 +1191,26 @@
       <p:sp>
         <p:nvSpPr>
           <p:cNvPr id="149" name="Google Shape;149;gc9edc56d98_0_10:notes"/>
-          <p:cNvSpPr/>
+          <p:cNvSpPr>
+            <a:spLocks noGrp="1" noRot="1" noChangeAspect="1"/>
+          </p:cNvSpPr>
           <p:nvPr>
-            <p:ph idx="2" type="sldImg"/>
+            <p:ph type="sldImg" idx="2"/>
           </p:nvPr>
         </p:nvSpPr>
         <p:spPr>
           <a:xfrm>
-            <a:off x="381300" y="685800"/>
+            <a:off x="381000" y="685800"/>
             <a:ext cx="6096000" cy="3429000"/>
           </a:xfrm>
           <a:custGeom>
-            <a:rect b="b" l="l" r="r" t="t"/>
+            <a:avLst/>
+            <a:gdLst/>
+            <a:ahLst/>
+            <a:cxnLst/>
+            <a:rect l="l" t="t" r="r" b="b"/>
             <a:pathLst>
-              <a:path extrusionOk="0" h="120000" w="120000">
+              <a:path w="120000" h="120000" extrusionOk="0">
                 <a:moveTo>
                   <a:pt x="0" y="0"/>
                 </a:moveTo>
@@ -1193,9 +1232,11 @@
       <p:sp>
         <p:nvSpPr>
           <p:cNvPr id="150" name="Google Shape;150;gc9edc56d98_0_10:notes"/>
-          <p:cNvSpPr txBox="1"/>
+          <p:cNvSpPr txBox="1">
+            <a:spLocks noGrp="1"/>
+          </p:cNvSpPr>
           <p:nvPr>
-            <p:ph idx="1" type="body"/>
+            <p:ph type="body" idx="1"/>
           </p:nvPr>
         </p:nvSpPr>
         <p:spPr>
@@ -1208,12 +1249,12 @@
           </a:prstGeom>
         </p:spPr>
         <p:txBody>
-          <a:bodyPr anchorCtr="0" anchor="t" bIns="91425" lIns="91425" spcFirstLastPara="1" rIns="91425" wrap="square" tIns="91425">
+          <a:bodyPr spcFirstLastPara="1" wrap="square" lIns="91425" tIns="91425" rIns="91425" bIns="91425" anchor="t" anchorCtr="0">
             <a:noAutofit/>
           </a:bodyPr>
           <a:lstStyle/>
           <a:p>
-            <a:pPr indent="-298450" lvl="0" marL="457200" rtl="0" algn="l">
+            <a:pPr marL="457200" lvl="0" indent="-298450" algn="l" rtl="0">
               <a:spcBef>
                 <a:spcPts val="0"/>
               </a:spcBef>
@@ -1230,7 +1271,7 @@
             <a:endParaRPr/>
           </a:p>
           <a:p>
-            <a:pPr indent="-298450" lvl="0" marL="457200" rtl="0" algn="l">
+            <a:pPr marL="457200" lvl="0" indent="-298450" algn="l" rtl="0">
               <a:spcBef>
                 <a:spcPts val="0"/>
               </a:spcBef>
@@ -1247,7 +1288,7 @@
             <a:endParaRPr/>
           </a:p>
           <a:p>
-            <a:pPr indent="-298450" lvl="0" marL="457200" rtl="0" algn="l">
+            <a:pPr marL="457200" lvl="0" indent="-298450" algn="l" rtl="0">
               <a:spcBef>
                 <a:spcPts val="0"/>
               </a:spcBef>
@@ -1264,7 +1305,7 @@
             <a:endParaRPr/>
           </a:p>
           <a:p>
-            <a:pPr indent="-298450" lvl="0" marL="457200" rtl="0" algn="l">
+            <a:pPr marL="457200" lvl="0" indent="-298450" algn="l" rtl="0">
               <a:spcBef>
                 <a:spcPts val="0"/>
               </a:spcBef>
@@ -1281,7 +1322,7 @@
             <a:endParaRPr/>
           </a:p>
           <a:p>
-            <a:pPr indent="0" lvl="0" marL="0" rtl="0" algn="l">
+            <a:pPr marL="0" lvl="0" indent="0" algn="l" rtl="0">
               <a:spcBef>
                 <a:spcPts val="0"/>
               </a:spcBef>
@@ -1290,9 +1331,6 @@
               </a:spcAft>
               <a:buNone/>
             </a:pPr>
-            <a:r>
-              <a:t/>
-            </a:r>
             <a:endParaRPr/>
           </a:p>
         </p:txBody>
@@ -1306,11 +1344,11 @@
 </file>
 
 <file path=ppt/notesSlides/notesSlide5.xml><?xml version="1.0" encoding="utf-8"?>
-<p:notes xmlns:a="http://schemas.openxmlformats.org/drawingml/2006/main" xmlns:r="http://schemas.openxmlformats.org/officeDocument/2006/relationships" xmlns:mc="http://schemas.openxmlformats.org/markup-compatibility/2006" xmlns:mv="urn:schemas-microsoft-com:mac:vml" xmlns:p="http://schemas.openxmlformats.org/presentationml/2006/main" xmlns:c="http://schemas.openxmlformats.org/drawingml/2006/chart" xmlns:dgm="http://schemas.openxmlformats.org/drawingml/2006/diagram" xmlns:o="urn:schemas-microsoft-com:office:office" xmlns:v="urn:schemas-microsoft-com:vml" xmlns:pvml="urn:schemas-microsoft-com:office:powerpoint" xmlns:com="http://schemas.openxmlformats.org/drawingml/2006/compatibility" xmlns:p14="http://schemas.microsoft.com/office/powerpoint/2010/main" xmlns:p15="http://schemas.microsoft.com/office/powerpoint/2012/main" xmlns:ahyp="http://schemas.microsoft.com/office/drawing/2018/hyperlinkcolor" showMasterPhAnim="0" showMasterSp="0">
+<p:notes xmlns:a="http://schemas.openxmlformats.org/drawingml/2006/main" xmlns:r="http://schemas.openxmlformats.org/officeDocument/2006/relationships" xmlns:p="http://schemas.openxmlformats.org/presentationml/2006/main" showMasterSp="0" showMasterPhAnim="0">
   <p:cSld>
     <p:spTree>
       <p:nvGrpSpPr>
-        <p:cNvPr id="154" name="Shape 154"/>
+        <p:cNvPr id="1" name="Shape 154"/>
         <p:cNvGrpSpPr/>
         <p:nvPr/>
       </p:nvGrpSpPr>
@@ -1325,9 +1363,11 @@
       <p:sp>
         <p:nvSpPr>
           <p:cNvPr id="155" name="Google Shape;155;gc9edc56d98_0_15:notes"/>
-          <p:cNvSpPr/>
+          <p:cNvSpPr>
+            <a:spLocks noGrp="1" noRot="1" noChangeAspect="1"/>
+          </p:cNvSpPr>
           <p:nvPr>
-            <p:ph idx="2" type="sldImg"/>
+            <p:ph type="sldImg" idx="2"/>
           </p:nvPr>
         </p:nvSpPr>
         <p:spPr>
@@ -1336,9 +1376,13 @@
             <a:ext cx="6096000" cy="3429000"/>
           </a:xfrm>
           <a:custGeom>
-            <a:rect b="b" l="l" r="r" t="t"/>
+            <a:avLst/>
+            <a:gdLst/>
+            <a:ahLst/>
+            <a:cxnLst/>
+            <a:rect l="l" t="t" r="r" b="b"/>
             <a:pathLst>
-              <a:path extrusionOk="0" h="120000" w="120000">
+              <a:path w="120000" h="120000" extrusionOk="0">
                 <a:moveTo>
                   <a:pt x="0" y="0"/>
                 </a:moveTo>
@@ -1360,9 +1404,11 @@
       <p:sp>
         <p:nvSpPr>
           <p:cNvPr id="156" name="Google Shape;156;gc9edc56d98_0_15:notes"/>
-          <p:cNvSpPr txBox="1"/>
+          <p:cNvSpPr txBox="1">
+            <a:spLocks noGrp="1"/>
+          </p:cNvSpPr>
           <p:nvPr>
-            <p:ph idx="1" type="body"/>
+            <p:ph type="body" idx="1"/>
           </p:nvPr>
         </p:nvSpPr>
         <p:spPr>
@@ -1375,12 +1421,12 @@
           </a:prstGeom>
         </p:spPr>
         <p:txBody>
-          <a:bodyPr anchorCtr="0" anchor="t" bIns="91425" lIns="91425" spcFirstLastPara="1" rIns="91425" wrap="square" tIns="91425">
+          <a:bodyPr spcFirstLastPara="1" wrap="square" lIns="91425" tIns="91425" rIns="91425" bIns="91425" anchor="t" anchorCtr="0">
             <a:noAutofit/>
           </a:bodyPr>
           <a:lstStyle/>
           <a:p>
-            <a:pPr indent="-298450" lvl="0" marL="457200" rtl="0" algn="l">
+            <a:pPr marL="457200" lvl="0" indent="-298450" algn="l" rtl="0">
               <a:spcBef>
                 <a:spcPts val="0"/>
               </a:spcBef>
@@ -1397,7 +1443,7 @@
             <a:endParaRPr/>
           </a:p>
           <a:p>
-            <a:pPr indent="-298450" lvl="0" marL="457200" rtl="0" algn="l">
+            <a:pPr marL="457200" lvl="0" indent="-298450" algn="l" rtl="0">
               <a:spcBef>
                 <a:spcPts val="0"/>
               </a:spcBef>
@@ -1409,11 +1455,7 @@
             </a:pPr>
             <a:r>
               <a:rPr lang="en"/>
-              <a:t>Present and discuss intere</a:t>
-            </a:r>
-            <a:r>
-              <a:rPr lang="en"/>
-              <a:t>sting figures developed during analysis, ideally with the help of Jupyter Notebook</a:t>
+              <a:t>Present and discuss interesting figures developed during analysis, ideally with the help of Jupyter Notebook</a:t>
             </a:r>
             <a:endParaRPr/>
           </a:p>
@@ -1428,11 +1470,11 @@
 </file>
 
 <file path=ppt/notesSlides/notesSlide6.xml><?xml version="1.0" encoding="utf-8"?>
-<p:notes xmlns:a="http://schemas.openxmlformats.org/drawingml/2006/main" xmlns:r="http://schemas.openxmlformats.org/officeDocument/2006/relationships" xmlns:mc="http://schemas.openxmlformats.org/markup-compatibility/2006" xmlns:mv="urn:schemas-microsoft-com:mac:vml" xmlns:p="http://schemas.openxmlformats.org/presentationml/2006/main" xmlns:c="http://schemas.openxmlformats.org/drawingml/2006/chart" xmlns:dgm="http://schemas.openxmlformats.org/drawingml/2006/diagram" xmlns:o="urn:schemas-microsoft-com:office:office" xmlns:v="urn:schemas-microsoft-com:vml" xmlns:pvml="urn:schemas-microsoft-com:office:powerpoint" xmlns:com="http://schemas.openxmlformats.org/drawingml/2006/compatibility" xmlns:p14="http://schemas.microsoft.com/office/powerpoint/2010/main" xmlns:p15="http://schemas.microsoft.com/office/powerpoint/2012/main" xmlns:ahyp="http://schemas.microsoft.com/office/drawing/2018/hyperlinkcolor" showMasterPhAnim="0" showMasterSp="0">
+<p:notes xmlns:a="http://schemas.openxmlformats.org/drawingml/2006/main" xmlns:r="http://schemas.openxmlformats.org/officeDocument/2006/relationships" xmlns:p="http://schemas.openxmlformats.org/presentationml/2006/main" showMasterSp="0" showMasterPhAnim="0">
   <p:cSld>
     <p:spTree>
       <p:nvGrpSpPr>
-        <p:cNvPr id="160" name="Shape 160"/>
+        <p:cNvPr id="1" name="Shape 160"/>
         <p:cNvGrpSpPr/>
         <p:nvPr/>
       </p:nvGrpSpPr>
@@ -1447,9 +1489,11 @@
       <p:sp>
         <p:nvSpPr>
           <p:cNvPr id="161" name="Google Shape;161;gc9edc56d98_0_21:notes"/>
-          <p:cNvSpPr/>
+          <p:cNvSpPr>
+            <a:spLocks noGrp="1" noRot="1" noChangeAspect="1"/>
+          </p:cNvSpPr>
           <p:nvPr>
-            <p:ph idx="2" type="sldImg"/>
+            <p:ph type="sldImg" idx="2"/>
           </p:nvPr>
         </p:nvSpPr>
         <p:spPr>
@@ -1458,9 +1502,13 @@
             <a:ext cx="6096000" cy="3429000"/>
           </a:xfrm>
           <a:custGeom>
-            <a:rect b="b" l="l" r="r" t="t"/>
+            <a:avLst/>
+            <a:gdLst/>
+            <a:ahLst/>
+            <a:cxnLst/>
+            <a:rect l="l" t="t" r="r" b="b"/>
             <a:pathLst>
-              <a:path extrusionOk="0" h="120000" w="120000">
+              <a:path w="120000" h="120000" extrusionOk="0">
                 <a:moveTo>
                   <a:pt x="0" y="0"/>
                 </a:moveTo>
@@ -1482,9 +1530,11 @@
       <p:sp>
         <p:nvSpPr>
           <p:cNvPr id="162" name="Google Shape;162;gc9edc56d98_0_21:notes"/>
-          <p:cNvSpPr txBox="1"/>
+          <p:cNvSpPr txBox="1">
+            <a:spLocks noGrp="1"/>
+          </p:cNvSpPr>
           <p:nvPr>
-            <p:ph idx="1" type="body"/>
+            <p:ph type="body" idx="1"/>
           </p:nvPr>
         </p:nvSpPr>
         <p:spPr>
@@ -1497,12 +1547,12 @@
           </a:prstGeom>
         </p:spPr>
         <p:txBody>
-          <a:bodyPr anchorCtr="0" anchor="t" bIns="91425" lIns="91425" spcFirstLastPara="1" rIns="91425" wrap="square" tIns="91425">
+          <a:bodyPr spcFirstLastPara="1" wrap="square" lIns="91425" tIns="91425" rIns="91425" bIns="91425" anchor="t" anchorCtr="0">
             <a:noAutofit/>
           </a:bodyPr>
           <a:lstStyle/>
           <a:p>
-            <a:pPr indent="-298450" lvl="0" marL="457200" rtl="0" algn="l">
+            <a:pPr marL="457200" lvl="0" indent="-298450" algn="l" rtl="0">
               <a:spcBef>
                 <a:spcPts val="0"/>
               </a:spcBef>
@@ -1519,7 +1569,7 @@
             <a:endParaRPr/>
           </a:p>
           <a:p>
-            <a:pPr indent="0" lvl="0" marL="0" rtl="0" algn="l">
+            <a:pPr marL="0" lvl="0" indent="0" algn="l" rtl="0">
               <a:spcBef>
                 <a:spcPts val="0"/>
               </a:spcBef>
@@ -1528,9 +1578,6 @@
               </a:spcAft>
               <a:buNone/>
             </a:pPr>
-            <a:r>
-              <a:t/>
-            </a:r>
             <a:endParaRPr/>
           </a:p>
         </p:txBody>
@@ -1544,11 +1591,11 @@
 </file>
 
 <file path=ppt/notesSlides/notesSlide7.xml><?xml version="1.0" encoding="utf-8"?>
-<p:notes xmlns:a="http://schemas.openxmlformats.org/drawingml/2006/main" xmlns:r="http://schemas.openxmlformats.org/officeDocument/2006/relationships" xmlns:mc="http://schemas.openxmlformats.org/markup-compatibility/2006" xmlns:mv="urn:schemas-microsoft-com:mac:vml" xmlns:p="http://schemas.openxmlformats.org/presentationml/2006/main" xmlns:c="http://schemas.openxmlformats.org/drawingml/2006/chart" xmlns:dgm="http://schemas.openxmlformats.org/drawingml/2006/diagram" xmlns:o="urn:schemas-microsoft-com:office:office" xmlns:v="urn:schemas-microsoft-com:vml" xmlns:pvml="urn:schemas-microsoft-com:office:powerpoint" xmlns:com="http://schemas.openxmlformats.org/drawingml/2006/compatibility" xmlns:p14="http://schemas.microsoft.com/office/powerpoint/2010/main" xmlns:p15="http://schemas.microsoft.com/office/powerpoint/2012/main" xmlns:ahyp="http://schemas.microsoft.com/office/drawing/2018/hyperlinkcolor" showMasterPhAnim="0" showMasterSp="0">
+<p:notes xmlns:a="http://schemas.openxmlformats.org/drawingml/2006/main" xmlns:r="http://schemas.openxmlformats.org/officeDocument/2006/relationships" xmlns:p="http://schemas.openxmlformats.org/presentationml/2006/main" showMasterSp="0" showMasterPhAnim="0">
   <p:cSld>
     <p:spTree>
       <p:nvGrpSpPr>
-        <p:cNvPr id="166" name="Shape 166"/>
+        <p:cNvPr id="1" name="Shape 166"/>
         <p:cNvGrpSpPr/>
         <p:nvPr/>
       </p:nvGrpSpPr>
@@ -1563,9 +1610,11 @@
       <p:sp>
         <p:nvSpPr>
           <p:cNvPr id="167" name="Google Shape;167;gc9edc56d98_0_27:notes"/>
-          <p:cNvSpPr/>
+          <p:cNvSpPr>
+            <a:spLocks noGrp="1" noRot="1" noChangeAspect="1"/>
+          </p:cNvSpPr>
           <p:nvPr>
-            <p:ph idx="2" type="sldImg"/>
+            <p:ph type="sldImg" idx="2"/>
           </p:nvPr>
         </p:nvSpPr>
         <p:spPr>
@@ -1574,9 +1623,13 @@
             <a:ext cx="6096000" cy="3429000"/>
           </a:xfrm>
           <a:custGeom>
-            <a:rect b="b" l="l" r="r" t="t"/>
+            <a:avLst/>
+            <a:gdLst/>
+            <a:ahLst/>
+            <a:cxnLst/>
+            <a:rect l="l" t="t" r="r" b="b"/>
             <a:pathLst>
-              <a:path extrusionOk="0" h="120000" w="120000">
+              <a:path w="120000" h="120000" extrusionOk="0">
                 <a:moveTo>
                   <a:pt x="0" y="0"/>
                 </a:moveTo>
@@ -1598,9 +1651,11 @@
       <p:sp>
         <p:nvSpPr>
           <p:cNvPr id="168" name="Google Shape;168;gc9edc56d98_0_27:notes"/>
-          <p:cNvSpPr txBox="1"/>
+          <p:cNvSpPr txBox="1">
+            <a:spLocks noGrp="1"/>
+          </p:cNvSpPr>
           <p:nvPr>
-            <p:ph idx="1" type="body"/>
+            <p:ph type="body" idx="1"/>
           </p:nvPr>
         </p:nvSpPr>
         <p:spPr>
@@ -1613,12 +1668,12 @@
           </a:prstGeom>
         </p:spPr>
         <p:txBody>
-          <a:bodyPr anchorCtr="0" anchor="t" bIns="91425" lIns="91425" spcFirstLastPara="1" rIns="91425" wrap="square" tIns="91425">
+          <a:bodyPr spcFirstLastPara="1" wrap="square" lIns="91425" tIns="91425" rIns="91425" bIns="91425" anchor="t" anchorCtr="0">
             <a:noAutofit/>
           </a:bodyPr>
           <a:lstStyle/>
           <a:p>
-            <a:pPr indent="-298450" lvl="0" marL="457200" rtl="0" algn="l">
+            <a:pPr marL="457200" lvl="0" indent="-298450" algn="l" rtl="0">
               <a:spcBef>
                 <a:spcPts val="0"/>
               </a:spcBef>
@@ -1635,7 +1690,7 @@
             <a:endParaRPr/>
           </a:p>
           <a:p>
-            <a:pPr indent="-298450" lvl="0" marL="457200" rtl="0" algn="l">
+            <a:pPr marL="457200" lvl="0" indent="-298450" algn="l" rtl="0">
               <a:spcBef>
                 <a:spcPts val="0"/>
               </a:spcBef>
@@ -1652,7 +1707,7 @@
             <a:endParaRPr/>
           </a:p>
           <a:p>
-            <a:pPr indent="0" lvl="0" marL="0" rtl="0" algn="l">
+            <a:pPr marL="0" lvl="0" indent="0" algn="l" rtl="0">
               <a:spcBef>
                 <a:spcPts val="0"/>
               </a:spcBef>
@@ -1661,9 +1716,6 @@
               </a:spcAft>
               <a:buNone/>
             </a:pPr>
-            <a:r>
-              <a:t/>
-            </a:r>
             <a:endParaRPr/>
           </a:p>
         </p:txBody>
@@ -1677,11 +1729,11 @@
 </file>
 
 <file path=ppt/notesSlides/notesSlide8.xml><?xml version="1.0" encoding="utf-8"?>
-<p:notes xmlns:a="http://schemas.openxmlformats.org/drawingml/2006/main" xmlns:r="http://schemas.openxmlformats.org/officeDocument/2006/relationships" xmlns:mc="http://schemas.openxmlformats.org/markup-compatibility/2006" xmlns:mv="urn:schemas-microsoft-com:mac:vml" xmlns:p="http://schemas.openxmlformats.org/presentationml/2006/main" xmlns:c="http://schemas.openxmlformats.org/drawingml/2006/chart" xmlns:dgm="http://schemas.openxmlformats.org/drawingml/2006/diagram" xmlns:o="urn:schemas-microsoft-com:office:office" xmlns:v="urn:schemas-microsoft-com:vml" xmlns:pvml="urn:schemas-microsoft-com:office:powerpoint" xmlns:com="http://schemas.openxmlformats.org/drawingml/2006/compatibility" xmlns:p14="http://schemas.microsoft.com/office/powerpoint/2010/main" xmlns:p15="http://schemas.microsoft.com/office/powerpoint/2012/main" xmlns:ahyp="http://schemas.microsoft.com/office/drawing/2018/hyperlinkcolor" showMasterPhAnim="0" showMasterSp="0">
+<p:notes xmlns:a="http://schemas.openxmlformats.org/drawingml/2006/main" xmlns:r="http://schemas.openxmlformats.org/officeDocument/2006/relationships" xmlns:p="http://schemas.openxmlformats.org/presentationml/2006/main" showMasterSp="0" showMasterPhAnim="0">
   <p:cSld>
     <p:spTree>
       <p:nvGrpSpPr>
-        <p:cNvPr id="172" name="Shape 172"/>
+        <p:cNvPr id="1" name="Shape 172"/>
         <p:cNvGrpSpPr/>
         <p:nvPr/>
       </p:nvGrpSpPr>
@@ -1696,9 +1748,11 @@
       <p:sp>
         <p:nvSpPr>
           <p:cNvPr id="173" name="Google Shape;173;gc9edc56d98_0_33:notes"/>
-          <p:cNvSpPr/>
+          <p:cNvSpPr>
+            <a:spLocks noGrp="1" noRot="1" noChangeAspect="1"/>
+          </p:cNvSpPr>
           <p:nvPr>
-            <p:ph idx="2" type="sldImg"/>
+            <p:ph type="sldImg" idx="2"/>
           </p:nvPr>
         </p:nvSpPr>
         <p:spPr>
@@ -1707,9 +1761,13 @@
             <a:ext cx="6096000" cy="3429000"/>
           </a:xfrm>
           <a:custGeom>
-            <a:rect b="b" l="l" r="r" t="t"/>
+            <a:avLst/>
+            <a:gdLst/>
+            <a:ahLst/>
+            <a:cxnLst/>
+            <a:rect l="l" t="t" r="r" b="b"/>
             <a:pathLst>
-              <a:path extrusionOk="0" h="120000" w="120000">
+              <a:path w="120000" h="120000" extrusionOk="0">
                 <a:moveTo>
                   <a:pt x="0" y="0"/>
                 </a:moveTo>
@@ -1731,9 +1789,11 @@
       <p:sp>
         <p:nvSpPr>
           <p:cNvPr id="174" name="Google Shape;174;gc9edc56d98_0_33:notes"/>
-          <p:cNvSpPr txBox="1"/>
+          <p:cNvSpPr txBox="1">
+            <a:spLocks noGrp="1"/>
+          </p:cNvSpPr>
           <p:nvPr>
-            <p:ph idx="1" type="body"/>
+            <p:ph type="body" idx="1"/>
           </p:nvPr>
         </p:nvSpPr>
         <p:spPr>
@@ -1746,12 +1806,12 @@
           </a:prstGeom>
         </p:spPr>
         <p:txBody>
-          <a:bodyPr anchorCtr="0" anchor="t" bIns="91425" lIns="91425" spcFirstLastPara="1" rIns="91425" wrap="square" tIns="91425">
+          <a:bodyPr spcFirstLastPara="1" wrap="square" lIns="91425" tIns="91425" rIns="91425" bIns="91425" anchor="t" anchorCtr="0">
             <a:noAutofit/>
           </a:bodyPr>
           <a:lstStyle/>
           <a:p>
-            <a:pPr indent="0" lvl="0" marL="0" rtl="0" algn="l">
+            <a:pPr marL="0" lvl="0" indent="0" algn="l" rtl="0">
               <a:spcBef>
                 <a:spcPts val="0"/>
               </a:spcBef>
@@ -1760,9 +1820,6 @@
               </a:spcAft>
               <a:buNone/>
             </a:pPr>
-            <a:r>
-              <a:t/>
-            </a:r>
             <a:endParaRPr/>
           </a:p>
         </p:txBody>
@@ -1776,11 +1833,11 @@
 </file>
 
 <file path=ppt/slideLayouts/slideLayout1.xml><?xml version="1.0" encoding="utf-8"?>
-<p:sldLayout xmlns:a="http://schemas.openxmlformats.org/drawingml/2006/main" xmlns:r="http://schemas.openxmlformats.org/officeDocument/2006/relationships" xmlns:mc="http://schemas.openxmlformats.org/markup-compatibility/2006" xmlns:mv="urn:schemas-microsoft-com:mac:vml" xmlns:p="http://schemas.openxmlformats.org/presentationml/2006/main" xmlns:c="http://schemas.openxmlformats.org/drawingml/2006/chart" xmlns:dgm="http://schemas.openxmlformats.org/drawingml/2006/diagram" xmlns:o="urn:schemas-microsoft-com:office:office" xmlns:v="urn:schemas-microsoft-com:vml" xmlns:pvml="urn:schemas-microsoft-com:office:powerpoint" xmlns:com="http://schemas.openxmlformats.org/drawingml/2006/compatibility" xmlns:p14="http://schemas.microsoft.com/office/powerpoint/2010/main" xmlns:p15="http://schemas.microsoft.com/office/powerpoint/2012/main" xmlns:ahyp="http://schemas.microsoft.com/office/drawing/2018/hyperlinkcolor" matchingName="Title slide" type="title">
+<p:sldLayout xmlns:a="http://schemas.openxmlformats.org/drawingml/2006/main" xmlns:r="http://schemas.openxmlformats.org/officeDocument/2006/relationships" xmlns:p="http://schemas.openxmlformats.org/presentationml/2006/main" matchingName="Title slide" type="title">
   <p:cSld name="TITLE">
     <p:spTree>
       <p:nvGrpSpPr>
-        <p:cNvPr id="9" name="Shape 9"/>
+        <p:cNvPr id="1" name="Shape 9"/>
         <p:cNvGrpSpPr/>
         <p:nvPr/>
       </p:nvGrpSpPr>
@@ -1805,7 +1862,7 @@
           </a:xfrm>
           <a:prstGeom prst="diagStripe">
             <a:avLst>
-              <a:gd fmla="val 0" name="adj"/>
+              <a:gd name="adj" fmla="val 0"/>
             </a:avLst>
           </a:prstGeom>
           <a:solidFill>
@@ -1818,12 +1875,12 @@
           </a:ln>
         </p:spPr>
         <p:txBody>
-          <a:bodyPr anchorCtr="0" anchor="ctr" bIns="91425" lIns="91425" spcFirstLastPara="1" rIns="91425" wrap="square" tIns="91425">
+          <a:bodyPr spcFirstLastPara="1" wrap="square" lIns="91425" tIns="91425" rIns="91425" bIns="91425" anchor="ctr" anchorCtr="0">
             <a:noAutofit/>
           </a:bodyPr>
           <a:lstStyle/>
           <a:p>
-            <a:pPr indent="0" lvl="0" marL="0" rtl="0" algn="l">
+            <a:pPr marL="0" lvl="0" indent="0" algn="l" rtl="0">
               <a:spcBef>
                 <a:spcPts val="0"/>
               </a:spcBef>
@@ -1832,9 +1889,6 @@
               </a:spcAft>
               <a:buNone/>
             </a:pPr>
-            <a:r>
-              <a:t/>
-            </a:r>
             <a:endParaRPr/>
           </a:p>
         </p:txBody>
@@ -1866,7 +1920,7 @@
             </a:xfrm>
             <a:prstGeom prst="diagStripe">
               <a:avLst>
-                <a:gd fmla="val 50000" name="adj"/>
+                <a:gd name="adj" fmla="val 50000"/>
               </a:avLst>
             </a:prstGeom>
             <a:solidFill>
@@ -1879,12 +1933,12 @@
             </a:ln>
           </p:spPr>
           <p:txBody>
-            <a:bodyPr anchorCtr="0" anchor="ctr" bIns="91425" lIns="91425" spcFirstLastPara="1" rIns="91425" wrap="square" tIns="91425">
+            <a:bodyPr spcFirstLastPara="1" wrap="square" lIns="91425" tIns="91425" rIns="91425" bIns="91425" anchor="ctr" anchorCtr="0">
               <a:noAutofit/>
             </a:bodyPr>
             <a:lstStyle/>
             <a:p>
-              <a:pPr indent="0" lvl="0" marL="0" rtl="0" algn="l">
+              <a:pPr marL="0" lvl="0" indent="0" algn="l" rtl="0">
                 <a:spcBef>
                   <a:spcPts val="0"/>
                 </a:spcBef>
@@ -1893,9 +1947,6 @@
                 </a:spcAft>
                 <a:buNone/>
               </a:pPr>
-              <a:r>
-                <a:t/>
-              </a:r>
               <a:endParaRPr/>
             </a:p>
           </p:txBody>
@@ -1913,7 +1964,7 @@
             </a:xfrm>
             <a:prstGeom prst="diagStripe">
               <a:avLst>
-                <a:gd fmla="val 58774" name="adj"/>
+                <a:gd name="adj" fmla="val 58774"/>
               </a:avLst>
             </a:prstGeom>
             <a:solidFill>
@@ -1926,12 +1977,12 @@
             </a:ln>
           </p:spPr>
           <p:txBody>
-            <a:bodyPr anchorCtr="0" anchor="ctr" bIns="91425" lIns="91425" spcFirstLastPara="1" rIns="91425" wrap="square" tIns="91425">
+            <a:bodyPr spcFirstLastPara="1" wrap="square" lIns="91425" tIns="91425" rIns="91425" bIns="91425" anchor="ctr" anchorCtr="0">
               <a:noAutofit/>
             </a:bodyPr>
             <a:lstStyle/>
             <a:p>
-              <a:pPr indent="0" lvl="0" marL="0" rtl="0" algn="l">
+              <a:pPr marL="0" lvl="0" indent="0" algn="l" rtl="0">
                 <a:spcBef>
                   <a:spcPts val="0"/>
                 </a:spcBef>
@@ -1940,9 +1991,6 @@
                 </a:spcAft>
                 <a:buNone/>
               </a:pPr>
-              <a:r>
-                <a:t/>
-              </a:r>
               <a:endParaRPr/>
             </a:p>
           </p:txBody>
@@ -1960,7 +2008,7 @@
             </a:xfrm>
             <a:prstGeom prst="diagStripe">
               <a:avLst>
-                <a:gd fmla="val 50000" name="adj"/>
+                <a:gd name="adj" fmla="val 50000"/>
               </a:avLst>
             </a:prstGeom>
             <a:solidFill>
@@ -1971,12 +2019,12 @@
             </a:ln>
           </p:spPr>
           <p:txBody>
-            <a:bodyPr anchorCtr="0" anchor="ctr" bIns="91425" lIns="91425" spcFirstLastPara="1" rIns="91425" wrap="square" tIns="91425">
+            <a:bodyPr spcFirstLastPara="1" wrap="square" lIns="91425" tIns="91425" rIns="91425" bIns="91425" anchor="ctr" anchorCtr="0">
               <a:noAutofit/>
             </a:bodyPr>
             <a:lstStyle/>
             <a:p>
-              <a:pPr indent="0" lvl="0" marL="0" rtl="0" algn="l">
+              <a:pPr marL="0" lvl="0" indent="0" algn="l" rtl="0">
                 <a:spcBef>
                   <a:spcPts val="0"/>
                 </a:spcBef>
@@ -1985,9 +2033,6 @@
                 </a:spcAft>
                 <a:buNone/>
               </a:pPr>
-              <a:r>
-                <a:t/>
-              </a:r>
               <a:endParaRPr/>
             </a:p>
           </p:txBody>
@@ -2005,7 +2050,7 @@
             </a:xfrm>
             <a:prstGeom prst="diagStripe">
               <a:avLst>
-                <a:gd fmla="val 50000" name="adj"/>
+                <a:gd name="adj" fmla="val 50000"/>
               </a:avLst>
             </a:prstGeom>
             <a:solidFill>
@@ -2016,12 +2061,12 @@
             </a:ln>
           </p:spPr>
           <p:txBody>
-            <a:bodyPr anchorCtr="0" anchor="ctr" bIns="91425" lIns="91425" spcFirstLastPara="1" rIns="91425" wrap="square" tIns="91425">
+            <a:bodyPr spcFirstLastPara="1" wrap="square" lIns="91425" tIns="91425" rIns="91425" bIns="91425" anchor="ctr" anchorCtr="0">
               <a:noAutofit/>
             </a:bodyPr>
             <a:lstStyle/>
             <a:p>
-              <a:pPr indent="0" lvl="0" marL="0" rtl="0" algn="l">
+              <a:pPr marL="0" lvl="0" indent="0" algn="l" rtl="0">
                 <a:spcBef>
                   <a:spcPts val="0"/>
                 </a:spcBef>
@@ -2030,9 +2075,6 @@
                 </a:spcAft>
                 <a:buNone/>
               </a:pPr>
-              <a:r>
-                <a:t/>
-              </a:r>
               <a:endParaRPr/>
             </a:p>
           </p:txBody>
@@ -2041,7 +2083,9 @@
       <p:sp>
         <p:nvSpPr>
           <p:cNvPr id="16" name="Google Shape;16;p2"/>
-          <p:cNvSpPr txBox="1"/>
+          <p:cNvSpPr txBox="1">
+            <a:spLocks noGrp="1"/>
+          </p:cNvSpPr>
           <p:nvPr>
             <p:ph type="ctrTitle"/>
           </p:nvPr>
@@ -2056,7 +2100,7 @@
           </a:prstGeom>
         </p:spPr>
         <p:txBody>
-          <a:bodyPr anchorCtr="0" anchor="t" bIns="91425" lIns="91425" spcFirstLastPara="1" rIns="91425" wrap="square" tIns="91425">
+          <a:bodyPr spcFirstLastPara="1" wrap="square" lIns="91425" tIns="91425" rIns="91425" bIns="91425" anchor="t" anchorCtr="0">
             <a:normAutofit/>
           </a:bodyPr>
           <a:lstStyle>
@@ -2160,15 +2204,19 @@
               <a:defRPr sz="4000"/>
             </a:lvl9pPr>
           </a:lstStyle>
-          <a:p/>
+          <a:p>
+            <a:endParaRPr/>
+          </a:p>
         </p:txBody>
       </p:sp>
       <p:sp>
         <p:nvSpPr>
           <p:cNvPr id="17" name="Google Shape;17;p2"/>
-          <p:cNvSpPr txBox="1"/>
+          <p:cNvSpPr txBox="1">
+            <a:spLocks noGrp="1"/>
+          </p:cNvSpPr>
           <p:nvPr>
-            <p:ph idx="1" type="subTitle"/>
+            <p:ph type="subTitle" idx="1"/>
           </p:nvPr>
         </p:nvSpPr>
         <p:spPr>
@@ -2181,7 +2229,7 @@
           </a:prstGeom>
         </p:spPr>
         <p:txBody>
-          <a:bodyPr anchorCtr="0" anchor="t" bIns="91425" lIns="91425" spcFirstLastPara="1" rIns="91425" wrap="square" tIns="91425">
+          <a:bodyPr spcFirstLastPara="1" wrap="square" lIns="91425" tIns="91425" rIns="91425" bIns="91425" anchor="t" anchorCtr="0">
             <a:normAutofit/>
           </a:bodyPr>
           <a:lstStyle>
@@ -2312,15 +2360,19 @@
               <a:defRPr sz="1300"/>
             </a:lvl9pPr>
           </a:lstStyle>
-          <a:p/>
+          <a:p>
+            <a:endParaRPr/>
+          </a:p>
         </p:txBody>
       </p:sp>
       <p:sp>
         <p:nvSpPr>
           <p:cNvPr id="18" name="Google Shape;18;p2"/>
-          <p:cNvSpPr txBox="1"/>
+          <p:cNvSpPr txBox="1">
+            <a:spLocks noGrp="1"/>
+          </p:cNvSpPr>
           <p:nvPr>
-            <p:ph idx="12" type="sldNum"/>
+            <p:ph type="sldNum" idx="12"/>
           </p:nvPr>
         </p:nvSpPr>
         <p:spPr>
@@ -2333,7 +2385,7 @@
           </a:prstGeom>
         </p:spPr>
         <p:txBody>
-          <a:bodyPr anchorCtr="0" anchor="ctr" bIns="91425" lIns="91425" spcFirstLastPara="1" rIns="91425" wrap="square" tIns="91425">
+          <a:bodyPr spcFirstLastPara="1" wrap="square" lIns="91425" tIns="91425" rIns="91425" bIns="91425" anchor="ctr" anchorCtr="0">
             <a:normAutofit/>
           </a:bodyPr>
           <a:lstStyle>
@@ -2375,7 +2427,7 @@
             </a:lvl9pPr>
           </a:lstStyle>
           <a:p>
-            <a:pPr indent="0" lvl="0" marL="0" rtl="0" algn="r">
+            <a:pPr marL="0" lvl="0" indent="0" algn="r" rtl="0">
               <a:spcBef>
                 <a:spcPts val="0"/>
               </a:spcBef>
@@ -2401,11 +2453,11 @@
 </file>
 
 <file path=ppt/slideLayouts/slideLayout10.xml><?xml version="1.0" encoding="utf-8"?>
-<p:sldLayout xmlns:a="http://schemas.openxmlformats.org/drawingml/2006/main" xmlns:r="http://schemas.openxmlformats.org/officeDocument/2006/relationships" xmlns:mc="http://schemas.openxmlformats.org/markup-compatibility/2006" xmlns:mv="urn:schemas-microsoft-com:mac:vml" xmlns:p="http://schemas.openxmlformats.org/presentationml/2006/main" xmlns:c="http://schemas.openxmlformats.org/drawingml/2006/chart" xmlns:dgm="http://schemas.openxmlformats.org/drawingml/2006/diagram" xmlns:o="urn:schemas-microsoft-com:office:office" xmlns:v="urn:schemas-microsoft-com:vml" xmlns:pvml="urn:schemas-microsoft-com:office:powerpoint" xmlns:com="http://schemas.openxmlformats.org/drawingml/2006/compatibility" xmlns:p14="http://schemas.microsoft.com/office/powerpoint/2010/main" xmlns:p15="http://schemas.microsoft.com/office/powerpoint/2012/main" xmlns:ahyp="http://schemas.microsoft.com/office/drawing/2018/hyperlinkcolor" matchingName="Big number">
+<p:sldLayout xmlns:a="http://schemas.openxmlformats.org/drawingml/2006/main" xmlns:r="http://schemas.openxmlformats.org/officeDocument/2006/relationships" xmlns:p="http://schemas.openxmlformats.org/presentationml/2006/main" matchingName="Big number">
   <p:cSld name="BIG_NUMBER">
     <p:spTree>
       <p:nvGrpSpPr>
-        <p:cNvPr id="105" name="Shape 105"/>
+        <p:cNvPr id="1" name="Shape 105"/>
         <p:cNvGrpSpPr/>
         <p:nvPr/>
       </p:nvGrpSpPr>
@@ -2444,7 +2496,7 @@
             </a:xfrm>
             <a:prstGeom prst="diagStripe">
               <a:avLst>
-                <a:gd fmla="val 49469" name="adj"/>
+                <a:gd name="adj" fmla="val 49469"/>
               </a:avLst>
             </a:prstGeom>
             <a:solidFill>
@@ -2457,12 +2509,12 @@
             </a:ln>
           </p:spPr>
           <p:txBody>
-            <a:bodyPr anchorCtr="0" anchor="ctr" bIns="91425" lIns="91425" spcFirstLastPara="1" rIns="91425" wrap="square" tIns="91425">
+            <a:bodyPr spcFirstLastPara="1" wrap="square" lIns="91425" tIns="91425" rIns="91425" bIns="91425" anchor="ctr" anchorCtr="0">
               <a:noAutofit/>
             </a:bodyPr>
             <a:lstStyle/>
             <a:p>
-              <a:pPr indent="0" lvl="0" marL="0" rtl="0" algn="l">
+              <a:pPr marL="0" lvl="0" indent="0" algn="l" rtl="0">
                 <a:spcBef>
                   <a:spcPts val="0"/>
                 </a:spcBef>
@@ -2471,9 +2523,6 @@
                 </a:spcAft>
                 <a:buNone/>
               </a:pPr>
-              <a:r>
-                <a:t/>
-              </a:r>
               <a:endParaRPr/>
             </a:p>
           </p:txBody>
@@ -2491,7 +2540,7 @@
             </a:xfrm>
             <a:prstGeom prst="diagStripe">
               <a:avLst>
-                <a:gd fmla="val 0" name="adj"/>
+                <a:gd name="adj" fmla="val 0"/>
               </a:avLst>
             </a:prstGeom>
             <a:solidFill>
@@ -2504,12 +2553,12 @@
             </a:ln>
           </p:spPr>
           <p:txBody>
-            <a:bodyPr anchorCtr="0" anchor="ctr" bIns="91425" lIns="91425" spcFirstLastPara="1" rIns="91425" wrap="square" tIns="91425">
+            <a:bodyPr spcFirstLastPara="1" wrap="square" lIns="91425" tIns="91425" rIns="91425" bIns="91425" anchor="ctr" anchorCtr="0">
               <a:noAutofit/>
             </a:bodyPr>
             <a:lstStyle/>
             <a:p>
-              <a:pPr indent="0" lvl="0" marL="0" rtl="0" algn="l">
+              <a:pPr marL="0" lvl="0" indent="0" algn="l" rtl="0">
                 <a:spcBef>
                   <a:spcPts val="0"/>
                 </a:spcBef>
@@ -2518,9 +2567,6 @@
                 </a:spcAft>
                 <a:buNone/>
               </a:pPr>
-              <a:r>
-                <a:t/>
-              </a:r>
               <a:endParaRPr/>
             </a:p>
           </p:txBody>
@@ -2538,7 +2584,7 @@
             </a:xfrm>
             <a:prstGeom prst="diagStripe">
               <a:avLst>
-                <a:gd fmla="val 50000" name="adj"/>
+                <a:gd name="adj" fmla="val 50000"/>
               </a:avLst>
             </a:prstGeom>
             <a:solidFill>
@@ -2551,12 +2597,12 @@
             </a:ln>
           </p:spPr>
           <p:txBody>
-            <a:bodyPr anchorCtr="0" anchor="ctr" bIns="91425" lIns="91425" spcFirstLastPara="1" rIns="91425" wrap="square" tIns="91425">
+            <a:bodyPr spcFirstLastPara="1" wrap="square" lIns="91425" tIns="91425" rIns="91425" bIns="91425" anchor="ctr" anchorCtr="0">
               <a:noAutofit/>
             </a:bodyPr>
             <a:lstStyle/>
             <a:p>
-              <a:pPr indent="0" lvl="0" marL="0" rtl="0" algn="l">
+              <a:pPr marL="0" lvl="0" indent="0" algn="l" rtl="0">
                 <a:spcBef>
                   <a:spcPts val="0"/>
                 </a:spcBef>
@@ -2565,9 +2611,6 @@
                 </a:spcAft>
                 <a:buNone/>
               </a:pPr>
-              <a:r>
-                <a:t/>
-              </a:r>
               <a:endParaRPr/>
             </a:p>
           </p:txBody>
@@ -2585,7 +2628,7 @@
             </a:xfrm>
             <a:prstGeom prst="diagStripe">
               <a:avLst>
-                <a:gd fmla="val 50000" name="adj"/>
+                <a:gd name="adj" fmla="val 50000"/>
               </a:avLst>
             </a:prstGeom>
             <a:solidFill>
@@ -2598,12 +2641,12 @@
             </a:ln>
           </p:spPr>
           <p:txBody>
-            <a:bodyPr anchorCtr="0" anchor="ctr" bIns="91425" lIns="91425" spcFirstLastPara="1" rIns="91425" wrap="square" tIns="91425">
+            <a:bodyPr spcFirstLastPara="1" wrap="square" lIns="91425" tIns="91425" rIns="91425" bIns="91425" anchor="ctr" anchorCtr="0">
               <a:noAutofit/>
             </a:bodyPr>
             <a:lstStyle/>
             <a:p>
-              <a:pPr indent="0" lvl="0" marL="0" rtl="0" algn="l">
+              <a:pPr marL="0" lvl="0" indent="0" algn="l" rtl="0">
                 <a:spcBef>
                   <a:spcPts val="0"/>
                 </a:spcBef>
@@ -2612,9 +2655,6 @@
                 </a:spcAft>
                 <a:buNone/>
               </a:pPr>
-              <a:r>
-                <a:t/>
-              </a:r>
               <a:endParaRPr/>
             </a:p>
           </p:txBody>
@@ -2632,7 +2672,7 @@
             </a:xfrm>
             <a:prstGeom prst="diagStripe">
               <a:avLst>
-                <a:gd fmla="val 50000" name="adj"/>
+                <a:gd name="adj" fmla="val 50000"/>
               </a:avLst>
             </a:prstGeom>
             <a:solidFill>
@@ -2645,12 +2685,12 @@
             </a:ln>
           </p:spPr>
           <p:txBody>
-            <a:bodyPr anchorCtr="0" anchor="ctr" bIns="91425" lIns="91425" spcFirstLastPara="1" rIns="91425" wrap="square" tIns="91425">
+            <a:bodyPr spcFirstLastPara="1" wrap="square" lIns="91425" tIns="91425" rIns="91425" bIns="91425" anchor="ctr" anchorCtr="0">
               <a:noAutofit/>
             </a:bodyPr>
             <a:lstStyle/>
             <a:p>
-              <a:pPr indent="0" lvl="0" marL="0" rtl="0" algn="l">
+              <a:pPr marL="0" lvl="0" indent="0" algn="l" rtl="0">
                 <a:spcBef>
                   <a:spcPts val="0"/>
                 </a:spcBef>
@@ -2659,9 +2699,6 @@
                 </a:spcAft>
                 <a:buNone/>
               </a:pPr>
-              <a:r>
-                <a:t/>
-              </a:r>
               <a:endParaRPr/>
             </a:p>
           </p:txBody>
@@ -2679,7 +2716,7 @@
             </a:xfrm>
             <a:prstGeom prst="diagStripe">
               <a:avLst>
-                <a:gd fmla="val 50000" name="adj"/>
+                <a:gd name="adj" fmla="val 50000"/>
               </a:avLst>
             </a:prstGeom>
             <a:solidFill>
@@ -2692,12 +2729,12 @@
             </a:ln>
           </p:spPr>
           <p:txBody>
-            <a:bodyPr anchorCtr="0" anchor="ctr" bIns="91425" lIns="91425" spcFirstLastPara="1" rIns="91425" wrap="square" tIns="91425">
+            <a:bodyPr spcFirstLastPara="1" wrap="square" lIns="91425" tIns="91425" rIns="91425" bIns="91425" anchor="ctr" anchorCtr="0">
               <a:noAutofit/>
             </a:bodyPr>
             <a:lstStyle/>
             <a:p>
-              <a:pPr indent="0" lvl="0" marL="0" rtl="0" algn="l">
+              <a:pPr marL="0" lvl="0" indent="0" algn="l" rtl="0">
                 <a:spcBef>
                   <a:spcPts val="0"/>
                 </a:spcBef>
@@ -2706,9 +2743,6 @@
                 </a:spcAft>
                 <a:buNone/>
               </a:pPr>
-              <a:r>
-                <a:t/>
-              </a:r>
               <a:endParaRPr/>
             </a:p>
           </p:txBody>
@@ -2726,7 +2760,7 @@
             </a:xfrm>
             <a:prstGeom prst="diagStripe">
               <a:avLst>
-                <a:gd fmla="val 50000" name="adj"/>
+                <a:gd name="adj" fmla="val 50000"/>
               </a:avLst>
             </a:prstGeom>
             <a:solidFill>
@@ -2739,12 +2773,12 @@
             </a:ln>
           </p:spPr>
           <p:txBody>
-            <a:bodyPr anchorCtr="0" anchor="ctr" bIns="91425" lIns="91425" spcFirstLastPara="1" rIns="91425" wrap="square" tIns="91425">
+            <a:bodyPr spcFirstLastPara="1" wrap="square" lIns="91425" tIns="91425" rIns="91425" bIns="91425" anchor="ctr" anchorCtr="0">
               <a:noAutofit/>
             </a:bodyPr>
             <a:lstStyle/>
             <a:p>
-              <a:pPr indent="0" lvl="0" marL="0" rtl="0" algn="l">
+              <a:pPr marL="0" lvl="0" indent="0" algn="l" rtl="0">
                 <a:spcBef>
                   <a:spcPts val="0"/>
                 </a:spcBef>
@@ -2753,9 +2787,6 @@
                 </a:spcAft>
                 <a:buNone/>
               </a:pPr>
-              <a:r>
-                <a:t/>
-              </a:r>
               <a:endParaRPr/>
             </a:p>
           </p:txBody>
@@ -2773,7 +2804,7 @@
             </a:xfrm>
             <a:prstGeom prst="diagStripe">
               <a:avLst>
-                <a:gd fmla="val 50000" name="adj"/>
+                <a:gd name="adj" fmla="val 50000"/>
               </a:avLst>
             </a:prstGeom>
             <a:solidFill>
@@ -2784,12 +2815,12 @@
             </a:ln>
           </p:spPr>
           <p:txBody>
-            <a:bodyPr anchorCtr="0" anchor="ctr" bIns="91425" lIns="91425" spcFirstLastPara="1" rIns="91425" wrap="square" tIns="91425">
+            <a:bodyPr spcFirstLastPara="1" wrap="square" lIns="91425" tIns="91425" rIns="91425" bIns="91425" anchor="ctr" anchorCtr="0">
               <a:noAutofit/>
             </a:bodyPr>
             <a:lstStyle/>
             <a:p>
-              <a:pPr indent="0" lvl="0" marL="0" rtl="0" algn="l">
+              <a:pPr marL="0" lvl="0" indent="0" algn="l" rtl="0">
                 <a:spcBef>
                   <a:spcPts val="0"/>
                 </a:spcBef>
@@ -2798,9 +2829,6 @@
                 </a:spcAft>
                 <a:buNone/>
               </a:pPr>
-              <a:r>
-                <a:t/>
-              </a:r>
               <a:endParaRPr/>
             </a:p>
           </p:txBody>
@@ -2818,7 +2846,7 @@
             </a:xfrm>
             <a:prstGeom prst="diagStripe">
               <a:avLst>
-                <a:gd fmla="val 50000" name="adj"/>
+                <a:gd name="adj" fmla="val 50000"/>
               </a:avLst>
             </a:prstGeom>
             <a:solidFill>
@@ -2831,12 +2859,12 @@
             </a:ln>
           </p:spPr>
           <p:txBody>
-            <a:bodyPr anchorCtr="0" anchor="ctr" bIns="91425" lIns="91425" spcFirstLastPara="1" rIns="91425" wrap="square" tIns="91425">
+            <a:bodyPr spcFirstLastPara="1" wrap="square" lIns="91425" tIns="91425" rIns="91425" bIns="91425" anchor="ctr" anchorCtr="0">
               <a:noAutofit/>
             </a:bodyPr>
             <a:lstStyle/>
             <a:p>
-              <a:pPr indent="0" lvl="0" marL="0" rtl="0" algn="l">
+              <a:pPr marL="0" lvl="0" indent="0" algn="l" rtl="0">
                 <a:spcBef>
                   <a:spcPts val="0"/>
                 </a:spcBef>
@@ -2845,9 +2873,6 @@
                 </a:spcAft>
                 <a:buNone/>
               </a:pPr>
-              <a:r>
-                <a:t/>
-              </a:r>
               <a:endParaRPr/>
             </a:p>
           </p:txBody>
@@ -2865,7 +2890,7 @@
             </a:xfrm>
             <a:prstGeom prst="diagStripe">
               <a:avLst>
-                <a:gd fmla="val 50000" name="adj"/>
+                <a:gd name="adj" fmla="val 50000"/>
               </a:avLst>
             </a:prstGeom>
             <a:solidFill>
@@ -2878,12 +2903,12 @@
             </a:ln>
           </p:spPr>
           <p:txBody>
-            <a:bodyPr anchorCtr="0" anchor="ctr" bIns="91425" lIns="91425" spcFirstLastPara="1" rIns="91425" wrap="square" tIns="91425">
+            <a:bodyPr spcFirstLastPara="1" wrap="square" lIns="91425" tIns="91425" rIns="91425" bIns="91425" anchor="ctr" anchorCtr="0">
               <a:noAutofit/>
             </a:bodyPr>
             <a:lstStyle/>
             <a:p>
-              <a:pPr indent="0" lvl="0" marL="0" rtl="0" algn="l">
+              <a:pPr marL="0" lvl="0" indent="0" algn="l" rtl="0">
                 <a:spcBef>
                   <a:spcPts val="0"/>
                 </a:spcBef>
@@ -2892,9 +2917,6 @@
                 </a:spcAft>
                 <a:buNone/>
               </a:pPr>
-              <a:r>
-                <a:t/>
-              </a:r>
               <a:endParaRPr/>
             </a:p>
           </p:txBody>
@@ -2912,7 +2934,7 @@
             </a:xfrm>
             <a:prstGeom prst="diagStripe">
               <a:avLst>
-                <a:gd fmla="val 50000" name="adj"/>
+                <a:gd name="adj" fmla="val 50000"/>
               </a:avLst>
             </a:prstGeom>
             <a:solidFill>
@@ -2925,12 +2947,12 @@
             </a:ln>
           </p:spPr>
           <p:txBody>
-            <a:bodyPr anchorCtr="0" anchor="ctr" bIns="91425" lIns="91425" spcFirstLastPara="1" rIns="91425" wrap="square" tIns="91425">
+            <a:bodyPr spcFirstLastPara="1" wrap="square" lIns="91425" tIns="91425" rIns="91425" bIns="91425" anchor="ctr" anchorCtr="0">
               <a:noAutofit/>
             </a:bodyPr>
             <a:lstStyle/>
             <a:p>
-              <a:pPr indent="0" lvl="0" marL="0" rtl="0" algn="l">
+              <a:pPr marL="0" lvl="0" indent="0" algn="l" rtl="0">
                 <a:spcBef>
                   <a:spcPts val="0"/>
                 </a:spcBef>
@@ -2939,9 +2961,6 @@
                 </a:spcAft>
                 <a:buNone/>
               </a:pPr>
-              <a:r>
-                <a:t/>
-              </a:r>
               <a:endParaRPr/>
             </a:p>
           </p:txBody>
@@ -2959,7 +2978,7 @@
             </a:xfrm>
             <a:prstGeom prst="diagStripe">
               <a:avLst>
-                <a:gd fmla="val 50000" name="adj"/>
+                <a:gd name="adj" fmla="val 50000"/>
               </a:avLst>
             </a:prstGeom>
             <a:solidFill>
@@ -2972,12 +2991,12 @@
             </a:ln>
           </p:spPr>
           <p:txBody>
-            <a:bodyPr anchorCtr="0" anchor="ctr" bIns="91425" lIns="91425" spcFirstLastPara="1" rIns="91425" wrap="square" tIns="91425">
+            <a:bodyPr spcFirstLastPara="1" wrap="square" lIns="91425" tIns="91425" rIns="91425" bIns="91425" anchor="ctr" anchorCtr="0">
               <a:noAutofit/>
             </a:bodyPr>
             <a:lstStyle/>
             <a:p>
-              <a:pPr indent="0" lvl="0" marL="0" rtl="0" algn="l">
+              <a:pPr marL="0" lvl="0" indent="0" algn="l" rtl="0">
                 <a:spcBef>
                   <a:spcPts val="0"/>
                 </a:spcBef>
@@ -2986,9 +3005,6 @@
                 </a:spcAft>
                 <a:buNone/>
               </a:pPr>
-              <a:r>
-                <a:t/>
-              </a:r>
               <a:endParaRPr/>
             </a:p>
           </p:txBody>
@@ -3006,7 +3022,7 @@
             </a:xfrm>
             <a:prstGeom prst="diagStripe">
               <a:avLst>
-                <a:gd fmla="val 50000" name="adj"/>
+                <a:gd name="adj" fmla="val 50000"/>
               </a:avLst>
             </a:prstGeom>
             <a:solidFill>
@@ -3019,12 +3035,12 @@
             </a:ln>
           </p:spPr>
           <p:txBody>
-            <a:bodyPr anchorCtr="0" anchor="ctr" bIns="91425" lIns="91425" spcFirstLastPara="1" rIns="91425" wrap="square" tIns="91425">
+            <a:bodyPr spcFirstLastPara="1" wrap="square" lIns="91425" tIns="91425" rIns="91425" bIns="91425" anchor="ctr" anchorCtr="0">
               <a:noAutofit/>
             </a:bodyPr>
             <a:lstStyle/>
             <a:p>
-              <a:pPr indent="0" lvl="0" marL="0" rtl="0" algn="l">
+              <a:pPr marL="0" lvl="0" indent="0" algn="l" rtl="0">
                 <a:spcBef>
                   <a:spcPts val="0"/>
                 </a:spcBef>
@@ -3033,9 +3049,6 @@
                 </a:spcAft>
                 <a:buNone/>
               </a:pPr>
-              <a:r>
-                <a:t/>
-              </a:r>
               <a:endParaRPr/>
             </a:p>
           </p:txBody>
@@ -3053,7 +3066,7 @@
             </a:xfrm>
             <a:prstGeom prst="diagStripe">
               <a:avLst>
-                <a:gd fmla="val 50000" name="adj"/>
+                <a:gd name="adj" fmla="val 50000"/>
               </a:avLst>
             </a:prstGeom>
             <a:solidFill>
@@ -3064,12 +3077,12 @@
             </a:ln>
           </p:spPr>
           <p:txBody>
-            <a:bodyPr anchorCtr="0" anchor="ctr" bIns="91425" lIns="91425" spcFirstLastPara="1" rIns="91425" wrap="square" tIns="91425">
+            <a:bodyPr spcFirstLastPara="1" wrap="square" lIns="91425" tIns="91425" rIns="91425" bIns="91425" anchor="ctr" anchorCtr="0">
               <a:noAutofit/>
             </a:bodyPr>
             <a:lstStyle/>
             <a:p>
-              <a:pPr indent="0" lvl="0" marL="0" rtl="0" algn="l">
+              <a:pPr marL="0" lvl="0" indent="0" algn="l" rtl="0">
                 <a:spcBef>
                   <a:spcPts val="0"/>
                 </a:spcBef>
@@ -3078,9 +3091,6 @@
                 </a:spcAft>
                 <a:buNone/>
               </a:pPr>
-              <a:r>
-                <a:t/>
-              </a:r>
               <a:endParaRPr/>
             </a:p>
           </p:txBody>
@@ -3098,7 +3108,7 @@
             </a:xfrm>
             <a:prstGeom prst="diagStripe">
               <a:avLst>
-                <a:gd fmla="val 50000" name="adj"/>
+                <a:gd name="adj" fmla="val 50000"/>
               </a:avLst>
             </a:prstGeom>
             <a:solidFill>
@@ -3111,12 +3121,12 @@
             </a:ln>
           </p:spPr>
           <p:txBody>
-            <a:bodyPr anchorCtr="0" anchor="ctr" bIns="91425" lIns="91425" spcFirstLastPara="1" rIns="91425" wrap="square" tIns="91425">
+            <a:bodyPr spcFirstLastPara="1" wrap="square" lIns="91425" tIns="91425" rIns="91425" bIns="91425" anchor="ctr" anchorCtr="0">
               <a:noAutofit/>
             </a:bodyPr>
             <a:lstStyle/>
             <a:p>
-              <a:pPr indent="0" lvl="0" marL="0" rtl="0" algn="l">
+              <a:pPr marL="0" lvl="0" indent="0" algn="l" rtl="0">
                 <a:spcBef>
                   <a:spcPts val="0"/>
                 </a:spcBef>
@@ -3125,9 +3135,6 @@
                 </a:spcAft>
                 <a:buNone/>
               </a:pPr>
-              <a:r>
-                <a:t/>
-              </a:r>
               <a:endParaRPr/>
             </a:p>
           </p:txBody>
@@ -3145,7 +3152,7 @@
             </a:xfrm>
             <a:prstGeom prst="diagStripe">
               <a:avLst>
-                <a:gd fmla="val 50000" name="adj"/>
+                <a:gd name="adj" fmla="val 50000"/>
               </a:avLst>
             </a:prstGeom>
             <a:solidFill>
@@ -3158,12 +3165,12 @@
             </a:ln>
           </p:spPr>
           <p:txBody>
-            <a:bodyPr anchorCtr="0" anchor="ctr" bIns="91425" lIns="91425" spcFirstLastPara="1" rIns="91425" wrap="square" tIns="91425">
+            <a:bodyPr spcFirstLastPara="1" wrap="square" lIns="91425" tIns="91425" rIns="91425" bIns="91425" anchor="ctr" anchorCtr="0">
               <a:noAutofit/>
             </a:bodyPr>
             <a:lstStyle/>
             <a:p>
-              <a:pPr indent="0" lvl="0" marL="0" rtl="0" algn="l">
+              <a:pPr marL="0" lvl="0" indent="0" algn="l" rtl="0">
                 <a:spcBef>
                   <a:spcPts val="0"/>
                 </a:spcBef>
@@ -3172,9 +3179,6 @@
                 </a:spcAft>
                 <a:buNone/>
               </a:pPr>
-              <a:r>
-                <a:t/>
-              </a:r>
               <a:endParaRPr/>
             </a:p>
           </p:txBody>
@@ -3192,7 +3196,7 @@
             </a:xfrm>
             <a:prstGeom prst="diagStripe">
               <a:avLst>
-                <a:gd fmla="val 50000" name="adj"/>
+                <a:gd name="adj" fmla="val 50000"/>
               </a:avLst>
             </a:prstGeom>
             <a:solidFill>
@@ -3205,12 +3209,12 @@
             </a:ln>
           </p:spPr>
           <p:txBody>
-            <a:bodyPr anchorCtr="0" anchor="ctr" bIns="91425" lIns="91425" spcFirstLastPara="1" rIns="91425" wrap="square" tIns="91425">
+            <a:bodyPr spcFirstLastPara="1" wrap="square" lIns="91425" tIns="91425" rIns="91425" bIns="91425" anchor="ctr" anchorCtr="0">
               <a:noAutofit/>
             </a:bodyPr>
             <a:lstStyle/>
             <a:p>
-              <a:pPr indent="0" lvl="0" marL="0" rtl="0" algn="l">
+              <a:pPr marL="0" lvl="0" indent="0" algn="l" rtl="0">
                 <a:spcBef>
                   <a:spcPts val="0"/>
                 </a:spcBef>
@@ -3219,9 +3223,6 @@
                 </a:spcAft>
                 <a:buNone/>
               </a:pPr>
-              <a:r>
-                <a:t/>
-              </a:r>
               <a:endParaRPr/>
             </a:p>
           </p:txBody>
@@ -3239,7 +3240,7 @@
             </a:xfrm>
             <a:prstGeom prst="diagStripe">
               <a:avLst>
-                <a:gd fmla="val 50000" name="adj"/>
+                <a:gd name="adj" fmla="val 50000"/>
               </a:avLst>
             </a:prstGeom>
             <a:solidFill>
@@ -3252,12 +3253,12 @@
             </a:ln>
           </p:spPr>
           <p:txBody>
-            <a:bodyPr anchorCtr="0" anchor="ctr" bIns="91425" lIns="91425" spcFirstLastPara="1" rIns="91425" wrap="square" tIns="91425">
+            <a:bodyPr spcFirstLastPara="1" wrap="square" lIns="91425" tIns="91425" rIns="91425" bIns="91425" anchor="ctr" anchorCtr="0">
               <a:noAutofit/>
             </a:bodyPr>
             <a:lstStyle/>
             <a:p>
-              <a:pPr indent="0" lvl="0" marL="0" rtl="0" algn="l">
+              <a:pPr marL="0" lvl="0" indent="0" algn="l" rtl="0">
                 <a:spcBef>
                   <a:spcPts val="0"/>
                 </a:spcBef>
@@ -3266,9 +3267,6 @@
                 </a:spcAft>
                 <a:buNone/>
               </a:pPr>
-              <a:r>
-                <a:t/>
-              </a:r>
               <a:endParaRPr/>
             </a:p>
           </p:txBody>
@@ -3277,9 +3275,11 @@
       <p:sp>
         <p:nvSpPr>
           <p:cNvPr id="125" name="Google Shape;125;p11"/>
-          <p:cNvSpPr txBox="1"/>
+          <p:cNvSpPr txBox="1">
+            <a:spLocks noGrp="1"/>
+          </p:cNvSpPr>
           <p:nvPr>
-            <p:ph hasCustomPrompt="1" type="title"/>
+            <p:ph type="title" hasCustomPrompt="1"/>
           </p:nvPr>
         </p:nvSpPr>
         <p:spPr>
@@ -3292,7 +3292,7 @@
           </a:prstGeom>
         </p:spPr>
         <p:txBody>
-          <a:bodyPr anchorCtr="0" anchor="t" bIns="91425" lIns="91425" spcFirstLastPara="1" rIns="91425" wrap="square" tIns="91425">
+          <a:bodyPr spcFirstLastPara="1" wrap="square" lIns="91425" tIns="91425" rIns="91425" bIns="91425" anchor="t" anchorCtr="0">
             <a:normAutofit/>
           </a:bodyPr>
           <a:lstStyle>
@@ -3406,9 +3406,11 @@
       <p:sp>
         <p:nvSpPr>
           <p:cNvPr id="126" name="Google Shape;126;p11"/>
-          <p:cNvSpPr txBox="1"/>
+          <p:cNvSpPr txBox="1">
+            <a:spLocks noGrp="1"/>
+          </p:cNvSpPr>
           <p:nvPr>
-            <p:ph idx="1" type="body"/>
+            <p:ph type="body" idx="1"/>
           </p:nvPr>
         </p:nvSpPr>
         <p:spPr>
@@ -3421,11 +3423,11 @@
           </a:prstGeom>
         </p:spPr>
         <p:txBody>
-          <a:bodyPr anchorCtr="0" anchor="t" bIns="91425" lIns="91425" spcFirstLastPara="1" rIns="91425" wrap="square" tIns="91425">
+          <a:bodyPr spcFirstLastPara="1" wrap="square" lIns="91425" tIns="91425" rIns="91425" bIns="91425" anchor="t" anchorCtr="0">
             <a:normAutofit/>
           </a:bodyPr>
           <a:lstStyle>
-            <a:lvl1pPr indent="-311150" lvl="0" marL="457200">
+            <a:lvl1pPr marL="457200" lvl="0" indent="-311150">
               <a:spcBef>
                 <a:spcPts val="0"/>
               </a:spcBef>
@@ -3436,7 +3438,7 @@
               <a:buChar char="●"/>
               <a:defRPr/>
             </a:lvl1pPr>
-            <a:lvl2pPr indent="-298450" lvl="1" marL="914400">
+            <a:lvl2pPr marL="914400" lvl="1" indent="-298450">
               <a:spcBef>
                 <a:spcPts val="0"/>
               </a:spcBef>
@@ -3447,7 +3449,7 @@
               <a:buChar char="○"/>
               <a:defRPr/>
             </a:lvl2pPr>
-            <a:lvl3pPr indent="-298450" lvl="2" marL="1371600">
+            <a:lvl3pPr marL="1371600" lvl="2" indent="-298450">
               <a:spcBef>
                 <a:spcPts val="0"/>
               </a:spcBef>
@@ -3458,7 +3460,7 @@
               <a:buChar char="■"/>
               <a:defRPr/>
             </a:lvl3pPr>
-            <a:lvl4pPr indent="-298450" lvl="3" marL="1828800">
+            <a:lvl4pPr marL="1828800" lvl="3" indent="-298450">
               <a:spcBef>
                 <a:spcPts val="0"/>
               </a:spcBef>
@@ -3469,7 +3471,7 @@
               <a:buChar char="●"/>
               <a:defRPr/>
             </a:lvl4pPr>
-            <a:lvl5pPr indent="-298450" lvl="4" marL="2286000">
+            <a:lvl5pPr marL="2286000" lvl="4" indent="-298450">
               <a:spcBef>
                 <a:spcPts val="0"/>
               </a:spcBef>
@@ -3480,7 +3482,7 @@
               <a:buChar char="○"/>
               <a:defRPr/>
             </a:lvl5pPr>
-            <a:lvl6pPr indent="-298450" lvl="5" marL="2743200">
+            <a:lvl6pPr marL="2743200" lvl="5" indent="-298450">
               <a:spcBef>
                 <a:spcPts val="0"/>
               </a:spcBef>
@@ -3491,7 +3493,7 @@
               <a:buChar char="■"/>
               <a:defRPr/>
             </a:lvl6pPr>
-            <a:lvl7pPr indent="-298450" lvl="6" marL="3200400">
+            <a:lvl7pPr marL="3200400" lvl="6" indent="-298450">
               <a:spcBef>
                 <a:spcPts val="0"/>
               </a:spcBef>
@@ -3502,7 +3504,7 @@
               <a:buChar char="●"/>
               <a:defRPr/>
             </a:lvl7pPr>
-            <a:lvl8pPr indent="-298450" lvl="7" marL="3657600">
+            <a:lvl8pPr marL="3657600" lvl="7" indent="-298450">
               <a:spcBef>
                 <a:spcPts val="0"/>
               </a:spcBef>
@@ -3513,7 +3515,7 @@
               <a:buChar char="○"/>
               <a:defRPr/>
             </a:lvl8pPr>
-            <a:lvl9pPr indent="-298450" lvl="8" marL="4114800">
+            <a:lvl9pPr marL="4114800" lvl="8" indent="-298450">
               <a:spcBef>
                 <a:spcPts val="0"/>
               </a:spcBef>
@@ -3525,15 +3527,19 @@
               <a:defRPr/>
             </a:lvl9pPr>
           </a:lstStyle>
-          <a:p/>
+          <a:p>
+            <a:endParaRPr/>
+          </a:p>
         </p:txBody>
       </p:sp>
       <p:sp>
         <p:nvSpPr>
           <p:cNvPr id="127" name="Google Shape;127;p11"/>
-          <p:cNvSpPr txBox="1"/>
+          <p:cNvSpPr txBox="1">
+            <a:spLocks noGrp="1"/>
+          </p:cNvSpPr>
           <p:nvPr>
-            <p:ph idx="12" type="sldNum"/>
+            <p:ph type="sldNum" idx="12"/>
           </p:nvPr>
         </p:nvSpPr>
         <p:spPr>
@@ -3546,7 +3552,7 @@
           </a:prstGeom>
         </p:spPr>
         <p:txBody>
-          <a:bodyPr anchorCtr="0" anchor="ctr" bIns="91425" lIns="91425" spcFirstLastPara="1" rIns="91425" wrap="square" tIns="91425">
+          <a:bodyPr spcFirstLastPara="1" wrap="square" lIns="91425" tIns="91425" rIns="91425" bIns="91425" anchor="ctr" anchorCtr="0">
             <a:normAutofit/>
           </a:bodyPr>
           <a:lstStyle>
@@ -3588,7 +3594,7 @@
             </a:lvl9pPr>
           </a:lstStyle>
           <a:p>
-            <a:pPr indent="0" lvl="0" marL="0" rtl="0" algn="r">
+            <a:pPr marL="0" lvl="0" indent="0" algn="r" rtl="0">
               <a:spcBef>
                 <a:spcPts val="0"/>
               </a:spcBef>
@@ -3614,11 +3620,11 @@
 </file>
 
 <file path=ppt/slideLayouts/slideLayout11.xml><?xml version="1.0" encoding="utf-8"?>
-<p:sldLayout xmlns:a="http://schemas.openxmlformats.org/drawingml/2006/main" xmlns:r="http://schemas.openxmlformats.org/officeDocument/2006/relationships" xmlns:mc="http://schemas.openxmlformats.org/markup-compatibility/2006" xmlns:mv="urn:schemas-microsoft-com:mac:vml" xmlns:p="http://schemas.openxmlformats.org/presentationml/2006/main" xmlns:c="http://schemas.openxmlformats.org/drawingml/2006/chart" xmlns:dgm="http://schemas.openxmlformats.org/drawingml/2006/diagram" xmlns:o="urn:schemas-microsoft-com:office:office" xmlns:v="urn:schemas-microsoft-com:vml" xmlns:pvml="urn:schemas-microsoft-com:office:powerpoint" xmlns:com="http://schemas.openxmlformats.org/drawingml/2006/compatibility" xmlns:p14="http://schemas.microsoft.com/office/powerpoint/2010/main" xmlns:p15="http://schemas.microsoft.com/office/powerpoint/2012/main" xmlns:ahyp="http://schemas.microsoft.com/office/drawing/2018/hyperlinkcolor" matchingName="Blank" type="blank">
+<p:sldLayout xmlns:a="http://schemas.openxmlformats.org/drawingml/2006/main" xmlns:r="http://schemas.openxmlformats.org/officeDocument/2006/relationships" xmlns:p="http://schemas.openxmlformats.org/presentationml/2006/main" matchingName="Blank" type="blank">
   <p:cSld name="BLANK">
     <p:spTree>
       <p:nvGrpSpPr>
-        <p:cNvPr id="128" name="Shape 128"/>
+        <p:cNvPr id="1" name="Shape 128"/>
         <p:cNvGrpSpPr/>
         <p:nvPr/>
       </p:nvGrpSpPr>
@@ -3633,9 +3639,11 @@
       <p:sp>
         <p:nvSpPr>
           <p:cNvPr id="129" name="Google Shape;129;p12"/>
-          <p:cNvSpPr txBox="1"/>
+          <p:cNvSpPr txBox="1">
+            <a:spLocks noGrp="1"/>
+          </p:cNvSpPr>
           <p:nvPr>
-            <p:ph idx="12" type="sldNum"/>
+            <p:ph type="sldNum" idx="12"/>
           </p:nvPr>
         </p:nvSpPr>
         <p:spPr>
@@ -3648,7 +3656,7 @@
           </a:prstGeom>
         </p:spPr>
         <p:txBody>
-          <a:bodyPr anchorCtr="0" anchor="ctr" bIns="91425" lIns="91425" spcFirstLastPara="1" rIns="91425" wrap="square" tIns="91425">
+          <a:bodyPr spcFirstLastPara="1" wrap="square" lIns="91425" tIns="91425" rIns="91425" bIns="91425" anchor="ctr" anchorCtr="0">
             <a:normAutofit/>
           </a:bodyPr>
           <a:lstStyle>
@@ -3690,7 +3698,7 @@
             </a:lvl9pPr>
           </a:lstStyle>
           <a:p>
-            <a:pPr indent="0" lvl="0" marL="0" rtl="0" algn="r">
+            <a:pPr marL="0" lvl="0" indent="0" algn="r" rtl="0">
               <a:spcBef>
                 <a:spcPts val="0"/>
               </a:spcBef>
@@ -3716,11 +3724,11 @@
 </file>
 
 <file path=ppt/slideLayouts/slideLayout2.xml><?xml version="1.0" encoding="utf-8"?>
-<p:sldLayout xmlns:a="http://schemas.openxmlformats.org/drawingml/2006/main" xmlns:r="http://schemas.openxmlformats.org/officeDocument/2006/relationships" xmlns:mc="http://schemas.openxmlformats.org/markup-compatibility/2006" xmlns:mv="urn:schemas-microsoft-com:mac:vml" xmlns:p="http://schemas.openxmlformats.org/presentationml/2006/main" xmlns:c="http://schemas.openxmlformats.org/drawingml/2006/chart" xmlns:dgm="http://schemas.openxmlformats.org/drawingml/2006/diagram" xmlns:o="urn:schemas-microsoft-com:office:office" xmlns:v="urn:schemas-microsoft-com:vml" xmlns:pvml="urn:schemas-microsoft-com:office:powerpoint" xmlns:com="http://schemas.openxmlformats.org/drawingml/2006/compatibility" xmlns:p14="http://schemas.microsoft.com/office/powerpoint/2010/main" xmlns:p15="http://schemas.microsoft.com/office/powerpoint/2012/main" xmlns:ahyp="http://schemas.microsoft.com/office/drawing/2018/hyperlinkcolor" matchingName="Section header" type="secHead">
+<p:sldLayout xmlns:a="http://schemas.openxmlformats.org/drawingml/2006/main" xmlns:r="http://schemas.openxmlformats.org/officeDocument/2006/relationships" xmlns:p="http://schemas.openxmlformats.org/presentationml/2006/main" matchingName="Section header" type="secHead">
   <p:cSld name="SECTION_HEADER">
     <p:spTree>
       <p:nvGrpSpPr>
-        <p:cNvPr id="19" name="Shape 19"/>
+        <p:cNvPr id="1" name="Shape 19"/>
         <p:cNvGrpSpPr/>
         <p:nvPr/>
       </p:nvGrpSpPr>
@@ -3759,7 +3767,7 @@
             </a:xfrm>
             <a:prstGeom prst="diagStripe">
               <a:avLst>
-                <a:gd fmla="val 49469" name="adj"/>
+                <a:gd name="adj" fmla="val 49469"/>
               </a:avLst>
             </a:prstGeom>
             <a:solidFill>
@@ -3772,12 +3780,12 @@
             </a:ln>
           </p:spPr>
           <p:txBody>
-            <a:bodyPr anchorCtr="0" anchor="ctr" bIns="91425" lIns="91425" spcFirstLastPara="1" rIns="91425" wrap="square" tIns="91425">
+            <a:bodyPr spcFirstLastPara="1" wrap="square" lIns="91425" tIns="91425" rIns="91425" bIns="91425" anchor="ctr" anchorCtr="0">
               <a:noAutofit/>
             </a:bodyPr>
             <a:lstStyle/>
             <a:p>
-              <a:pPr indent="0" lvl="0" marL="0" rtl="0" algn="l">
+              <a:pPr marL="0" lvl="0" indent="0" algn="l" rtl="0">
                 <a:spcBef>
                   <a:spcPts val="0"/>
                 </a:spcBef>
@@ -3786,9 +3794,6 @@
                 </a:spcAft>
                 <a:buNone/>
               </a:pPr>
-              <a:r>
-                <a:t/>
-              </a:r>
               <a:endParaRPr/>
             </a:p>
           </p:txBody>
@@ -3806,7 +3811,7 @@
             </a:xfrm>
             <a:prstGeom prst="diagStripe">
               <a:avLst>
-                <a:gd fmla="val 0" name="adj"/>
+                <a:gd name="adj" fmla="val 0"/>
               </a:avLst>
             </a:prstGeom>
             <a:solidFill>
@@ -3819,12 +3824,12 @@
             </a:ln>
           </p:spPr>
           <p:txBody>
-            <a:bodyPr anchorCtr="0" anchor="ctr" bIns="91425" lIns="91425" spcFirstLastPara="1" rIns="91425" wrap="square" tIns="91425">
+            <a:bodyPr spcFirstLastPara="1" wrap="square" lIns="91425" tIns="91425" rIns="91425" bIns="91425" anchor="ctr" anchorCtr="0">
               <a:noAutofit/>
             </a:bodyPr>
             <a:lstStyle/>
             <a:p>
-              <a:pPr indent="0" lvl="0" marL="0" rtl="0" algn="l">
+              <a:pPr marL="0" lvl="0" indent="0" algn="l" rtl="0">
                 <a:spcBef>
                   <a:spcPts val="0"/>
                 </a:spcBef>
@@ -3833,9 +3838,6 @@
                 </a:spcAft>
                 <a:buNone/>
               </a:pPr>
-              <a:r>
-                <a:t/>
-              </a:r>
               <a:endParaRPr/>
             </a:p>
           </p:txBody>
@@ -3853,7 +3855,7 @@
             </a:xfrm>
             <a:prstGeom prst="diagStripe">
               <a:avLst>
-                <a:gd fmla="val 50000" name="adj"/>
+                <a:gd name="adj" fmla="val 50000"/>
               </a:avLst>
             </a:prstGeom>
             <a:solidFill>
@@ -3866,12 +3868,12 @@
             </a:ln>
           </p:spPr>
           <p:txBody>
-            <a:bodyPr anchorCtr="0" anchor="ctr" bIns="91425" lIns="91425" spcFirstLastPara="1" rIns="91425" wrap="square" tIns="91425">
+            <a:bodyPr spcFirstLastPara="1" wrap="square" lIns="91425" tIns="91425" rIns="91425" bIns="91425" anchor="ctr" anchorCtr="0">
               <a:noAutofit/>
             </a:bodyPr>
             <a:lstStyle/>
             <a:p>
-              <a:pPr indent="0" lvl="0" marL="0" rtl="0" algn="l">
+              <a:pPr marL="0" lvl="0" indent="0" algn="l" rtl="0">
                 <a:spcBef>
                   <a:spcPts val="0"/>
                 </a:spcBef>
@@ -3880,9 +3882,6 @@
                 </a:spcAft>
                 <a:buNone/>
               </a:pPr>
-              <a:r>
-                <a:t/>
-              </a:r>
               <a:endParaRPr/>
             </a:p>
           </p:txBody>
@@ -3900,7 +3899,7 @@
             </a:xfrm>
             <a:prstGeom prst="diagStripe">
               <a:avLst>
-                <a:gd fmla="val 50000" name="adj"/>
+                <a:gd name="adj" fmla="val 50000"/>
               </a:avLst>
             </a:prstGeom>
             <a:solidFill>
@@ -3913,12 +3912,12 @@
             </a:ln>
           </p:spPr>
           <p:txBody>
-            <a:bodyPr anchorCtr="0" anchor="ctr" bIns="91425" lIns="91425" spcFirstLastPara="1" rIns="91425" wrap="square" tIns="91425">
+            <a:bodyPr spcFirstLastPara="1" wrap="square" lIns="91425" tIns="91425" rIns="91425" bIns="91425" anchor="ctr" anchorCtr="0">
               <a:noAutofit/>
             </a:bodyPr>
             <a:lstStyle/>
             <a:p>
-              <a:pPr indent="0" lvl="0" marL="0" rtl="0" algn="l">
+              <a:pPr marL="0" lvl="0" indent="0" algn="l" rtl="0">
                 <a:spcBef>
                   <a:spcPts val="0"/>
                 </a:spcBef>
@@ -3927,9 +3926,6 @@
                 </a:spcAft>
                 <a:buNone/>
               </a:pPr>
-              <a:r>
-                <a:t/>
-              </a:r>
               <a:endParaRPr/>
             </a:p>
           </p:txBody>
@@ -3947,7 +3943,7 @@
             </a:xfrm>
             <a:prstGeom prst="diagStripe">
               <a:avLst>
-                <a:gd fmla="val 50000" name="adj"/>
+                <a:gd name="adj" fmla="val 50000"/>
               </a:avLst>
             </a:prstGeom>
             <a:solidFill>
@@ -3960,12 +3956,12 @@
             </a:ln>
           </p:spPr>
           <p:txBody>
-            <a:bodyPr anchorCtr="0" anchor="ctr" bIns="91425" lIns="91425" spcFirstLastPara="1" rIns="91425" wrap="square" tIns="91425">
+            <a:bodyPr spcFirstLastPara="1" wrap="square" lIns="91425" tIns="91425" rIns="91425" bIns="91425" anchor="ctr" anchorCtr="0">
               <a:noAutofit/>
             </a:bodyPr>
             <a:lstStyle/>
             <a:p>
-              <a:pPr indent="0" lvl="0" marL="0" rtl="0" algn="l">
+              <a:pPr marL="0" lvl="0" indent="0" algn="l" rtl="0">
                 <a:spcBef>
                   <a:spcPts val="0"/>
                 </a:spcBef>
@@ -3974,9 +3970,6 @@
                 </a:spcAft>
                 <a:buNone/>
               </a:pPr>
-              <a:r>
-                <a:t/>
-              </a:r>
               <a:endParaRPr/>
             </a:p>
           </p:txBody>
@@ -3994,7 +3987,7 @@
             </a:xfrm>
             <a:prstGeom prst="diagStripe">
               <a:avLst>
-                <a:gd fmla="val 50000" name="adj"/>
+                <a:gd name="adj" fmla="val 50000"/>
               </a:avLst>
             </a:prstGeom>
             <a:solidFill>
@@ -4007,12 +4000,12 @@
             </a:ln>
           </p:spPr>
           <p:txBody>
-            <a:bodyPr anchorCtr="0" anchor="ctr" bIns="91425" lIns="91425" spcFirstLastPara="1" rIns="91425" wrap="square" tIns="91425">
+            <a:bodyPr spcFirstLastPara="1" wrap="square" lIns="91425" tIns="91425" rIns="91425" bIns="91425" anchor="ctr" anchorCtr="0">
               <a:noAutofit/>
             </a:bodyPr>
             <a:lstStyle/>
             <a:p>
-              <a:pPr indent="0" lvl="0" marL="0" rtl="0" algn="l">
+              <a:pPr marL="0" lvl="0" indent="0" algn="l" rtl="0">
                 <a:spcBef>
                   <a:spcPts val="0"/>
                 </a:spcBef>
@@ -4021,9 +4014,6 @@
                 </a:spcAft>
                 <a:buNone/>
               </a:pPr>
-              <a:r>
-                <a:t/>
-              </a:r>
               <a:endParaRPr/>
             </a:p>
           </p:txBody>
@@ -4041,7 +4031,7 @@
             </a:xfrm>
             <a:prstGeom prst="diagStripe">
               <a:avLst>
-                <a:gd fmla="val 50000" name="adj"/>
+                <a:gd name="adj" fmla="val 50000"/>
               </a:avLst>
             </a:prstGeom>
             <a:solidFill>
@@ -4054,12 +4044,12 @@
             </a:ln>
           </p:spPr>
           <p:txBody>
-            <a:bodyPr anchorCtr="0" anchor="ctr" bIns="91425" lIns="91425" spcFirstLastPara="1" rIns="91425" wrap="square" tIns="91425">
+            <a:bodyPr spcFirstLastPara="1" wrap="square" lIns="91425" tIns="91425" rIns="91425" bIns="91425" anchor="ctr" anchorCtr="0">
               <a:noAutofit/>
             </a:bodyPr>
             <a:lstStyle/>
             <a:p>
-              <a:pPr indent="0" lvl="0" marL="0" rtl="0" algn="l">
+              <a:pPr marL="0" lvl="0" indent="0" algn="l" rtl="0">
                 <a:spcBef>
                   <a:spcPts val="0"/>
                 </a:spcBef>
@@ -4068,9 +4058,6 @@
                 </a:spcAft>
                 <a:buNone/>
               </a:pPr>
-              <a:r>
-                <a:t/>
-              </a:r>
               <a:endParaRPr/>
             </a:p>
           </p:txBody>
@@ -4088,7 +4075,7 @@
             </a:xfrm>
             <a:prstGeom prst="diagStripe">
               <a:avLst>
-                <a:gd fmla="val 50000" name="adj"/>
+                <a:gd name="adj" fmla="val 50000"/>
               </a:avLst>
             </a:prstGeom>
             <a:solidFill>
@@ -4099,12 +4086,12 @@
             </a:ln>
           </p:spPr>
           <p:txBody>
-            <a:bodyPr anchorCtr="0" anchor="ctr" bIns="91425" lIns="91425" spcFirstLastPara="1" rIns="91425" wrap="square" tIns="91425">
+            <a:bodyPr spcFirstLastPara="1" wrap="square" lIns="91425" tIns="91425" rIns="91425" bIns="91425" anchor="ctr" anchorCtr="0">
               <a:noAutofit/>
             </a:bodyPr>
             <a:lstStyle/>
             <a:p>
-              <a:pPr indent="0" lvl="0" marL="0" rtl="0" algn="l">
+              <a:pPr marL="0" lvl="0" indent="0" algn="l" rtl="0">
                 <a:spcBef>
                   <a:spcPts val="0"/>
                 </a:spcBef>
@@ -4113,9 +4100,6 @@
                 </a:spcAft>
                 <a:buNone/>
               </a:pPr>
-              <a:r>
-                <a:t/>
-              </a:r>
               <a:endParaRPr/>
             </a:p>
           </p:txBody>
@@ -4133,7 +4117,7 @@
             </a:xfrm>
             <a:prstGeom prst="diagStripe">
               <a:avLst>
-                <a:gd fmla="val 50000" name="adj"/>
+                <a:gd name="adj" fmla="val 50000"/>
               </a:avLst>
             </a:prstGeom>
             <a:solidFill>
@@ -4146,12 +4130,12 @@
             </a:ln>
           </p:spPr>
           <p:txBody>
-            <a:bodyPr anchorCtr="0" anchor="ctr" bIns="91425" lIns="91425" spcFirstLastPara="1" rIns="91425" wrap="square" tIns="91425">
+            <a:bodyPr spcFirstLastPara="1" wrap="square" lIns="91425" tIns="91425" rIns="91425" bIns="91425" anchor="ctr" anchorCtr="0">
               <a:noAutofit/>
             </a:bodyPr>
             <a:lstStyle/>
             <a:p>
-              <a:pPr indent="0" lvl="0" marL="0" rtl="0" algn="l">
+              <a:pPr marL="0" lvl="0" indent="0" algn="l" rtl="0">
                 <a:spcBef>
                   <a:spcPts val="0"/>
                 </a:spcBef>
@@ -4160,9 +4144,6 @@
                 </a:spcAft>
                 <a:buNone/>
               </a:pPr>
-              <a:r>
-                <a:t/>
-              </a:r>
               <a:endParaRPr/>
             </a:p>
           </p:txBody>
@@ -4180,7 +4161,7 @@
             </a:xfrm>
             <a:prstGeom prst="diagStripe">
               <a:avLst>
-                <a:gd fmla="val 50000" name="adj"/>
+                <a:gd name="adj" fmla="val 50000"/>
               </a:avLst>
             </a:prstGeom>
             <a:solidFill>
@@ -4193,12 +4174,12 @@
             </a:ln>
           </p:spPr>
           <p:txBody>
-            <a:bodyPr anchorCtr="0" anchor="ctr" bIns="91425" lIns="91425" spcFirstLastPara="1" rIns="91425" wrap="square" tIns="91425">
+            <a:bodyPr spcFirstLastPara="1" wrap="square" lIns="91425" tIns="91425" rIns="91425" bIns="91425" anchor="ctr" anchorCtr="0">
               <a:noAutofit/>
             </a:bodyPr>
             <a:lstStyle/>
             <a:p>
-              <a:pPr indent="0" lvl="0" marL="0" rtl="0" algn="l">
+              <a:pPr marL="0" lvl="0" indent="0" algn="l" rtl="0">
                 <a:spcBef>
                   <a:spcPts val="0"/>
                 </a:spcBef>
@@ -4207,9 +4188,6 @@
                 </a:spcAft>
                 <a:buNone/>
               </a:pPr>
-              <a:r>
-                <a:t/>
-              </a:r>
               <a:endParaRPr/>
             </a:p>
           </p:txBody>
@@ -4227,7 +4205,7 @@
             </a:xfrm>
             <a:prstGeom prst="diagStripe">
               <a:avLst>
-                <a:gd fmla="val 50000" name="adj"/>
+                <a:gd name="adj" fmla="val 50000"/>
               </a:avLst>
             </a:prstGeom>
             <a:solidFill>
@@ -4240,12 +4218,12 @@
             </a:ln>
           </p:spPr>
           <p:txBody>
-            <a:bodyPr anchorCtr="0" anchor="ctr" bIns="91425" lIns="91425" spcFirstLastPara="1" rIns="91425" wrap="square" tIns="91425">
+            <a:bodyPr spcFirstLastPara="1" wrap="square" lIns="91425" tIns="91425" rIns="91425" bIns="91425" anchor="ctr" anchorCtr="0">
               <a:noAutofit/>
             </a:bodyPr>
             <a:lstStyle/>
             <a:p>
-              <a:pPr indent="0" lvl="0" marL="0" rtl="0" algn="l">
+              <a:pPr marL="0" lvl="0" indent="0" algn="l" rtl="0">
                 <a:spcBef>
                   <a:spcPts val="0"/>
                 </a:spcBef>
@@ -4254,9 +4232,6 @@
                 </a:spcAft>
                 <a:buNone/>
               </a:pPr>
-              <a:r>
-                <a:t/>
-              </a:r>
               <a:endParaRPr/>
             </a:p>
           </p:txBody>
@@ -4274,7 +4249,7 @@
             </a:xfrm>
             <a:prstGeom prst="diagStripe">
               <a:avLst>
-                <a:gd fmla="val 50000" name="adj"/>
+                <a:gd name="adj" fmla="val 50000"/>
               </a:avLst>
             </a:prstGeom>
             <a:solidFill>
@@ -4287,12 +4262,12 @@
             </a:ln>
           </p:spPr>
           <p:txBody>
-            <a:bodyPr anchorCtr="0" anchor="ctr" bIns="91425" lIns="91425" spcFirstLastPara="1" rIns="91425" wrap="square" tIns="91425">
+            <a:bodyPr spcFirstLastPara="1" wrap="square" lIns="91425" tIns="91425" rIns="91425" bIns="91425" anchor="ctr" anchorCtr="0">
               <a:noAutofit/>
             </a:bodyPr>
             <a:lstStyle/>
             <a:p>
-              <a:pPr indent="0" lvl="0" marL="0" rtl="0" algn="l">
+              <a:pPr marL="0" lvl="0" indent="0" algn="l" rtl="0">
                 <a:spcBef>
                   <a:spcPts val="0"/>
                 </a:spcBef>
@@ -4301,9 +4276,6 @@
                 </a:spcAft>
                 <a:buNone/>
               </a:pPr>
-              <a:r>
-                <a:t/>
-              </a:r>
               <a:endParaRPr/>
             </a:p>
           </p:txBody>
@@ -4321,7 +4293,7 @@
             </a:xfrm>
             <a:prstGeom prst="diagStripe">
               <a:avLst>
-                <a:gd fmla="val 50000" name="adj"/>
+                <a:gd name="adj" fmla="val 50000"/>
               </a:avLst>
             </a:prstGeom>
             <a:solidFill>
@@ -4334,12 +4306,12 @@
             </a:ln>
           </p:spPr>
           <p:txBody>
-            <a:bodyPr anchorCtr="0" anchor="ctr" bIns="91425" lIns="91425" spcFirstLastPara="1" rIns="91425" wrap="square" tIns="91425">
+            <a:bodyPr spcFirstLastPara="1" wrap="square" lIns="91425" tIns="91425" rIns="91425" bIns="91425" anchor="ctr" anchorCtr="0">
               <a:noAutofit/>
             </a:bodyPr>
             <a:lstStyle/>
             <a:p>
-              <a:pPr indent="0" lvl="0" marL="0" rtl="0" algn="l">
+              <a:pPr marL="0" lvl="0" indent="0" algn="l" rtl="0">
                 <a:spcBef>
                   <a:spcPts val="0"/>
                 </a:spcBef>
@@ -4348,9 +4320,6 @@
                 </a:spcAft>
                 <a:buNone/>
               </a:pPr>
-              <a:r>
-                <a:t/>
-              </a:r>
               <a:endParaRPr/>
             </a:p>
           </p:txBody>
@@ -4368,7 +4337,7 @@
             </a:xfrm>
             <a:prstGeom prst="diagStripe">
               <a:avLst>
-                <a:gd fmla="val 50000" name="adj"/>
+                <a:gd name="adj" fmla="val 50000"/>
               </a:avLst>
             </a:prstGeom>
             <a:solidFill>
@@ -4379,12 +4348,12 @@
             </a:ln>
           </p:spPr>
           <p:txBody>
-            <a:bodyPr anchorCtr="0" anchor="ctr" bIns="91425" lIns="91425" spcFirstLastPara="1" rIns="91425" wrap="square" tIns="91425">
+            <a:bodyPr spcFirstLastPara="1" wrap="square" lIns="91425" tIns="91425" rIns="91425" bIns="91425" anchor="ctr" anchorCtr="0">
               <a:noAutofit/>
             </a:bodyPr>
             <a:lstStyle/>
             <a:p>
-              <a:pPr indent="0" lvl="0" marL="0" rtl="0" algn="l">
+              <a:pPr marL="0" lvl="0" indent="0" algn="l" rtl="0">
                 <a:spcBef>
                   <a:spcPts val="0"/>
                 </a:spcBef>
@@ -4393,9 +4362,6 @@
                 </a:spcAft>
                 <a:buNone/>
               </a:pPr>
-              <a:r>
-                <a:t/>
-              </a:r>
               <a:endParaRPr/>
             </a:p>
           </p:txBody>
@@ -4413,7 +4379,7 @@
             </a:xfrm>
             <a:prstGeom prst="diagStripe">
               <a:avLst>
-                <a:gd fmla="val 50000" name="adj"/>
+                <a:gd name="adj" fmla="val 50000"/>
               </a:avLst>
             </a:prstGeom>
             <a:solidFill>
@@ -4426,12 +4392,12 @@
             </a:ln>
           </p:spPr>
           <p:txBody>
-            <a:bodyPr anchorCtr="0" anchor="ctr" bIns="91425" lIns="91425" spcFirstLastPara="1" rIns="91425" wrap="square" tIns="91425">
+            <a:bodyPr spcFirstLastPara="1" wrap="square" lIns="91425" tIns="91425" rIns="91425" bIns="91425" anchor="ctr" anchorCtr="0">
               <a:noAutofit/>
             </a:bodyPr>
             <a:lstStyle/>
             <a:p>
-              <a:pPr indent="0" lvl="0" marL="0" rtl="0" algn="l">
+              <a:pPr marL="0" lvl="0" indent="0" algn="l" rtl="0">
                 <a:spcBef>
                   <a:spcPts val="0"/>
                 </a:spcBef>
@@ -4440,9 +4406,6 @@
                 </a:spcAft>
                 <a:buNone/>
               </a:pPr>
-              <a:r>
-                <a:t/>
-              </a:r>
               <a:endParaRPr/>
             </a:p>
           </p:txBody>
@@ -4460,7 +4423,7 @@
             </a:xfrm>
             <a:prstGeom prst="diagStripe">
               <a:avLst>
-                <a:gd fmla="val 50000" name="adj"/>
+                <a:gd name="adj" fmla="val 50000"/>
               </a:avLst>
             </a:prstGeom>
             <a:solidFill>
@@ -4473,12 +4436,12 @@
             </a:ln>
           </p:spPr>
           <p:txBody>
-            <a:bodyPr anchorCtr="0" anchor="ctr" bIns="91425" lIns="91425" spcFirstLastPara="1" rIns="91425" wrap="square" tIns="91425">
+            <a:bodyPr spcFirstLastPara="1" wrap="square" lIns="91425" tIns="91425" rIns="91425" bIns="91425" anchor="ctr" anchorCtr="0">
               <a:noAutofit/>
             </a:bodyPr>
             <a:lstStyle/>
             <a:p>
-              <a:pPr indent="0" lvl="0" marL="0" rtl="0" algn="l">
+              <a:pPr marL="0" lvl="0" indent="0" algn="l" rtl="0">
                 <a:spcBef>
                   <a:spcPts val="0"/>
                 </a:spcBef>
@@ -4487,9 +4450,6 @@
                 </a:spcAft>
                 <a:buNone/>
               </a:pPr>
-              <a:r>
-                <a:t/>
-              </a:r>
               <a:endParaRPr/>
             </a:p>
           </p:txBody>
@@ -4507,7 +4467,7 @@
             </a:xfrm>
             <a:prstGeom prst="diagStripe">
               <a:avLst>
-                <a:gd fmla="val 50000" name="adj"/>
+                <a:gd name="adj" fmla="val 50000"/>
               </a:avLst>
             </a:prstGeom>
             <a:solidFill>
@@ -4520,12 +4480,12 @@
             </a:ln>
           </p:spPr>
           <p:txBody>
-            <a:bodyPr anchorCtr="0" anchor="ctr" bIns="91425" lIns="91425" spcFirstLastPara="1" rIns="91425" wrap="square" tIns="91425">
+            <a:bodyPr spcFirstLastPara="1" wrap="square" lIns="91425" tIns="91425" rIns="91425" bIns="91425" anchor="ctr" anchorCtr="0">
               <a:noAutofit/>
             </a:bodyPr>
             <a:lstStyle/>
             <a:p>
-              <a:pPr indent="0" lvl="0" marL="0" rtl="0" algn="l">
+              <a:pPr marL="0" lvl="0" indent="0" algn="l" rtl="0">
                 <a:spcBef>
                   <a:spcPts val="0"/>
                 </a:spcBef>
@@ -4534,9 +4494,6 @@
                 </a:spcAft>
                 <a:buNone/>
               </a:pPr>
-              <a:r>
-                <a:t/>
-              </a:r>
               <a:endParaRPr/>
             </a:p>
           </p:txBody>
@@ -4554,7 +4511,7 @@
             </a:xfrm>
             <a:prstGeom prst="diagStripe">
               <a:avLst>
-                <a:gd fmla="val 50000" name="adj"/>
+                <a:gd name="adj" fmla="val 50000"/>
               </a:avLst>
             </a:prstGeom>
             <a:solidFill>
@@ -4567,12 +4524,12 @@
             </a:ln>
           </p:spPr>
           <p:txBody>
-            <a:bodyPr anchorCtr="0" anchor="ctr" bIns="91425" lIns="91425" spcFirstLastPara="1" rIns="91425" wrap="square" tIns="91425">
+            <a:bodyPr spcFirstLastPara="1" wrap="square" lIns="91425" tIns="91425" rIns="91425" bIns="91425" anchor="ctr" anchorCtr="0">
               <a:noAutofit/>
             </a:bodyPr>
             <a:lstStyle/>
             <a:p>
-              <a:pPr indent="0" lvl="0" marL="0" rtl="0" algn="l">
+              <a:pPr marL="0" lvl="0" indent="0" algn="l" rtl="0">
                 <a:spcBef>
                   <a:spcPts val="0"/>
                 </a:spcBef>
@@ -4581,9 +4538,6 @@
                 </a:spcAft>
                 <a:buNone/>
               </a:pPr>
-              <a:r>
-                <a:t/>
-              </a:r>
               <a:endParaRPr/>
             </a:p>
           </p:txBody>
@@ -4592,7 +4546,9 @@
       <p:sp>
         <p:nvSpPr>
           <p:cNvPr id="39" name="Google Shape;39;p3"/>
-          <p:cNvSpPr txBox="1"/>
+          <p:cNvSpPr txBox="1">
+            <a:spLocks noGrp="1"/>
+          </p:cNvSpPr>
           <p:nvPr>
             <p:ph type="title"/>
           </p:nvPr>
@@ -4607,7 +4563,7 @@
           </a:prstGeom>
         </p:spPr>
         <p:txBody>
-          <a:bodyPr anchorCtr="0" anchor="ctr" bIns="91425" lIns="91425" spcFirstLastPara="1" rIns="91425" wrap="square" tIns="91425">
+          <a:bodyPr spcFirstLastPara="1" wrap="square" lIns="91425" tIns="91425" rIns="91425" bIns="91425" anchor="ctr" anchorCtr="0">
             <a:normAutofit/>
           </a:bodyPr>
           <a:lstStyle>
@@ -4711,15 +4667,19 @@
               <a:defRPr/>
             </a:lvl9pPr>
           </a:lstStyle>
-          <a:p/>
+          <a:p>
+            <a:endParaRPr/>
+          </a:p>
         </p:txBody>
       </p:sp>
       <p:sp>
         <p:nvSpPr>
           <p:cNvPr id="40" name="Google Shape;40;p3"/>
-          <p:cNvSpPr txBox="1"/>
+          <p:cNvSpPr txBox="1">
+            <a:spLocks noGrp="1"/>
+          </p:cNvSpPr>
           <p:nvPr>
-            <p:ph idx="12" type="sldNum"/>
+            <p:ph type="sldNum" idx="12"/>
           </p:nvPr>
         </p:nvSpPr>
         <p:spPr>
@@ -4732,7 +4692,7 @@
           </a:prstGeom>
         </p:spPr>
         <p:txBody>
-          <a:bodyPr anchorCtr="0" anchor="ctr" bIns="91425" lIns="91425" spcFirstLastPara="1" rIns="91425" wrap="square" tIns="91425">
+          <a:bodyPr spcFirstLastPara="1" wrap="square" lIns="91425" tIns="91425" rIns="91425" bIns="91425" anchor="ctr" anchorCtr="0">
             <a:normAutofit/>
           </a:bodyPr>
           <a:lstStyle>
@@ -4774,7 +4734,7 @@
             </a:lvl9pPr>
           </a:lstStyle>
           <a:p>
-            <a:pPr indent="0" lvl="0" marL="0" rtl="0" algn="r">
+            <a:pPr marL="0" lvl="0" indent="0" algn="r" rtl="0">
               <a:spcBef>
                 <a:spcPts val="0"/>
               </a:spcBef>
@@ -4800,11 +4760,11 @@
 </file>
 
 <file path=ppt/slideLayouts/slideLayout3.xml><?xml version="1.0" encoding="utf-8"?>
-<p:sldLayout xmlns:a="http://schemas.openxmlformats.org/drawingml/2006/main" xmlns:r="http://schemas.openxmlformats.org/officeDocument/2006/relationships" xmlns:mc="http://schemas.openxmlformats.org/markup-compatibility/2006" xmlns:mv="urn:schemas-microsoft-com:mac:vml" xmlns:p="http://schemas.openxmlformats.org/presentationml/2006/main" xmlns:c="http://schemas.openxmlformats.org/drawingml/2006/chart" xmlns:dgm="http://schemas.openxmlformats.org/drawingml/2006/diagram" xmlns:o="urn:schemas-microsoft-com:office:office" xmlns:v="urn:schemas-microsoft-com:vml" xmlns:pvml="urn:schemas-microsoft-com:office:powerpoint" xmlns:com="http://schemas.openxmlformats.org/drawingml/2006/compatibility" xmlns:p14="http://schemas.microsoft.com/office/powerpoint/2010/main" xmlns:p15="http://schemas.microsoft.com/office/powerpoint/2012/main" xmlns:ahyp="http://schemas.microsoft.com/office/drawing/2018/hyperlinkcolor" matchingName="Title and body" type="tx">
+<p:sldLayout xmlns:a="http://schemas.openxmlformats.org/drawingml/2006/main" xmlns:r="http://schemas.openxmlformats.org/officeDocument/2006/relationships" xmlns:p="http://schemas.openxmlformats.org/presentationml/2006/main" matchingName="Title and body" type="tx">
   <p:cSld name="TITLE_AND_BODY">
     <p:spTree>
       <p:nvGrpSpPr>
-        <p:cNvPr id="41" name="Shape 41"/>
+        <p:cNvPr id="1" name="Shape 41"/>
         <p:cNvGrpSpPr/>
         <p:nvPr/>
       </p:nvGrpSpPr>
@@ -4843,7 +4803,7 @@
             </a:xfrm>
             <a:prstGeom prst="diagStripe">
               <a:avLst>
-                <a:gd fmla="val 50000" name="adj"/>
+                <a:gd name="adj" fmla="val 50000"/>
               </a:avLst>
             </a:prstGeom>
             <a:solidFill>
@@ -4854,12 +4814,12 @@
             </a:ln>
           </p:spPr>
           <p:txBody>
-            <a:bodyPr anchorCtr="0" anchor="ctr" bIns="91425" lIns="91425" spcFirstLastPara="1" rIns="91425" wrap="square" tIns="91425">
+            <a:bodyPr spcFirstLastPara="1" wrap="square" lIns="91425" tIns="91425" rIns="91425" bIns="91425" anchor="ctr" anchorCtr="0">
               <a:noAutofit/>
             </a:bodyPr>
             <a:lstStyle/>
             <a:p>
-              <a:pPr indent="0" lvl="0" marL="0" rtl="0" algn="l">
+              <a:pPr marL="0" lvl="0" indent="0" algn="l" rtl="0">
                 <a:spcBef>
                   <a:spcPts val="0"/>
                 </a:spcBef>
@@ -4868,9 +4828,6 @@
                 </a:spcAft>
                 <a:buNone/>
               </a:pPr>
-              <a:r>
-                <a:t/>
-              </a:r>
               <a:endParaRPr/>
             </a:p>
           </p:txBody>
@@ -4888,7 +4845,7 @@
             </a:xfrm>
             <a:prstGeom prst="diagStripe">
               <a:avLst>
-                <a:gd fmla="val 50000" name="adj"/>
+                <a:gd name="adj" fmla="val 50000"/>
               </a:avLst>
             </a:prstGeom>
             <a:solidFill>
@@ -4899,12 +4856,12 @@
             </a:ln>
           </p:spPr>
           <p:txBody>
-            <a:bodyPr anchorCtr="0" anchor="ctr" bIns="91425" lIns="91425" spcFirstLastPara="1" rIns="91425" wrap="square" tIns="91425">
+            <a:bodyPr spcFirstLastPara="1" wrap="square" lIns="91425" tIns="91425" rIns="91425" bIns="91425" anchor="ctr" anchorCtr="0">
               <a:noAutofit/>
             </a:bodyPr>
             <a:lstStyle/>
             <a:p>
-              <a:pPr indent="0" lvl="0" marL="0" rtl="0" algn="l">
+              <a:pPr marL="0" lvl="0" indent="0" algn="l" rtl="0">
                 <a:spcBef>
                   <a:spcPts val="0"/>
                 </a:spcBef>
@@ -4913,9 +4870,6 @@
                 </a:spcAft>
                 <a:buNone/>
               </a:pPr>
-              <a:r>
-                <a:t/>
-              </a:r>
               <a:endParaRPr/>
             </a:p>
           </p:txBody>
@@ -4924,7 +4878,9 @@
       <p:sp>
         <p:nvSpPr>
           <p:cNvPr id="45" name="Google Shape;45;p4"/>
-          <p:cNvSpPr txBox="1"/>
+          <p:cNvSpPr txBox="1">
+            <a:spLocks noGrp="1"/>
+          </p:cNvSpPr>
           <p:nvPr>
             <p:ph type="title"/>
           </p:nvPr>
@@ -4939,7 +4895,7 @@
           </a:prstGeom>
         </p:spPr>
         <p:txBody>
-          <a:bodyPr anchorCtr="0" anchor="t" bIns="91425" lIns="91425" spcFirstLastPara="1" rIns="91425" wrap="square" tIns="91425">
+          <a:bodyPr spcFirstLastPara="1" wrap="square" lIns="91425" tIns="91425" rIns="91425" bIns="91425" anchor="t" anchorCtr="0">
             <a:normAutofit/>
           </a:bodyPr>
           <a:lstStyle>
@@ -5043,15 +4999,19 @@
               <a:defRPr sz="2400"/>
             </a:lvl9pPr>
           </a:lstStyle>
-          <a:p/>
+          <a:p>
+            <a:endParaRPr/>
+          </a:p>
         </p:txBody>
       </p:sp>
       <p:sp>
         <p:nvSpPr>
           <p:cNvPr id="46" name="Google Shape;46;p4"/>
-          <p:cNvSpPr txBox="1"/>
+          <p:cNvSpPr txBox="1">
+            <a:spLocks noGrp="1"/>
+          </p:cNvSpPr>
           <p:nvPr>
-            <p:ph idx="1" type="body"/>
+            <p:ph type="body" idx="1"/>
           </p:nvPr>
         </p:nvSpPr>
         <p:spPr>
@@ -5064,11 +5024,11 @@
           </a:prstGeom>
         </p:spPr>
         <p:txBody>
-          <a:bodyPr anchorCtr="0" anchor="t" bIns="91425" lIns="91425" spcFirstLastPara="1" rIns="91425" wrap="square" tIns="91425">
+          <a:bodyPr spcFirstLastPara="1" wrap="square" lIns="91425" tIns="91425" rIns="91425" bIns="91425" anchor="t" anchorCtr="0">
             <a:normAutofit/>
           </a:bodyPr>
           <a:lstStyle>
-            <a:lvl1pPr indent="-311150" lvl="0" marL="457200">
+            <a:lvl1pPr marL="457200" lvl="0" indent="-311150">
               <a:spcBef>
                 <a:spcPts val="0"/>
               </a:spcBef>
@@ -5079,7 +5039,7 @@
               <a:buChar char="●"/>
               <a:defRPr/>
             </a:lvl1pPr>
-            <a:lvl2pPr indent="-298450" lvl="1" marL="914400">
+            <a:lvl2pPr marL="914400" lvl="1" indent="-298450">
               <a:spcBef>
                 <a:spcPts val="0"/>
               </a:spcBef>
@@ -5090,7 +5050,7 @@
               <a:buChar char="○"/>
               <a:defRPr/>
             </a:lvl2pPr>
-            <a:lvl3pPr indent="-298450" lvl="2" marL="1371600">
+            <a:lvl3pPr marL="1371600" lvl="2" indent="-298450">
               <a:spcBef>
                 <a:spcPts val="0"/>
               </a:spcBef>
@@ -5101,7 +5061,7 @@
               <a:buChar char="■"/>
               <a:defRPr/>
             </a:lvl3pPr>
-            <a:lvl4pPr indent="-298450" lvl="3" marL="1828800">
+            <a:lvl4pPr marL="1828800" lvl="3" indent="-298450">
               <a:spcBef>
                 <a:spcPts val="0"/>
               </a:spcBef>
@@ -5112,7 +5072,7 @@
               <a:buChar char="●"/>
               <a:defRPr/>
             </a:lvl4pPr>
-            <a:lvl5pPr indent="-298450" lvl="4" marL="2286000">
+            <a:lvl5pPr marL="2286000" lvl="4" indent="-298450">
               <a:spcBef>
                 <a:spcPts val="0"/>
               </a:spcBef>
@@ -5123,7 +5083,7 @@
               <a:buChar char="○"/>
               <a:defRPr/>
             </a:lvl5pPr>
-            <a:lvl6pPr indent="-298450" lvl="5" marL="2743200">
+            <a:lvl6pPr marL="2743200" lvl="5" indent="-298450">
               <a:spcBef>
                 <a:spcPts val="0"/>
               </a:spcBef>
@@ -5134,7 +5094,7 @@
               <a:buChar char="■"/>
               <a:defRPr/>
             </a:lvl6pPr>
-            <a:lvl7pPr indent="-298450" lvl="6" marL="3200400">
+            <a:lvl7pPr marL="3200400" lvl="6" indent="-298450">
               <a:spcBef>
                 <a:spcPts val="0"/>
               </a:spcBef>
@@ -5145,7 +5105,7 @@
               <a:buChar char="●"/>
               <a:defRPr/>
             </a:lvl7pPr>
-            <a:lvl8pPr indent="-298450" lvl="7" marL="3657600">
+            <a:lvl8pPr marL="3657600" lvl="7" indent="-298450">
               <a:spcBef>
                 <a:spcPts val="0"/>
               </a:spcBef>
@@ -5156,7 +5116,7 @@
               <a:buChar char="○"/>
               <a:defRPr/>
             </a:lvl8pPr>
-            <a:lvl9pPr indent="-298450" lvl="8" marL="4114800">
+            <a:lvl9pPr marL="4114800" lvl="8" indent="-298450">
               <a:spcBef>
                 <a:spcPts val="0"/>
               </a:spcBef>
@@ -5168,15 +5128,19 @@
               <a:defRPr/>
             </a:lvl9pPr>
           </a:lstStyle>
-          <a:p/>
+          <a:p>
+            <a:endParaRPr/>
+          </a:p>
         </p:txBody>
       </p:sp>
       <p:sp>
         <p:nvSpPr>
           <p:cNvPr id="47" name="Google Shape;47;p4"/>
-          <p:cNvSpPr txBox="1"/>
+          <p:cNvSpPr txBox="1">
+            <a:spLocks noGrp="1"/>
+          </p:cNvSpPr>
           <p:nvPr>
-            <p:ph idx="12" type="sldNum"/>
+            <p:ph type="sldNum" idx="12"/>
           </p:nvPr>
         </p:nvSpPr>
         <p:spPr>
@@ -5189,7 +5153,7 @@
           </a:prstGeom>
         </p:spPr>
         <p:txBody>
-          <a:bodyPr anchorCtr="0" anchor="ctr" bIns="91425" lIns="91425" spcFirstLastPara="1" rIns="91425" wrap="square" tIns="91425">
+          <a:bodyPr spcFirstLastPara="1" wrap="square" lIns="91425" tIns="91425" rIns="91425" bIns="91425" anchor="ctr" anchorCtr="0">
             <a:normAutofit/>
           </a:bodyPr>
           <a:lstStyle>
@@ -5231,7 +5195,7 @@
             </a:lvl9pPr>
           </a:lstStyle>
           <a:p>
-            <a:pPr indent="0" lvl="0" marL="0" rtl="0" algn="r">
+            <a:pPr marL="0" lvl="0" indent="0" algn="r" rtl="0">
               <a:spcBef>
                 <a:spcPts val="0"/>
               </a:spcBef>
@@ -5257,11 +5221,11 @@
 </file>
 
 <file path=ppt/slideLayouts/slideLayout4.xml><?xml version="1.0" encoding="utf-8"?>
-<p:sldLayout xmlns:a="http://schemas.openxmlformats.org/drawingml/2006/main" xmlns:r="http://schemas.openxmlformats.org/officeDocument/2006/relationships" xmlns:mc="http://schemas.openxmlformats.org/markup-compatibility/2006" xmlns:mv="urn:schemas-microsoft-com:mac:vml" xmlns:p="http://schemas.openxmlformats.org/presentationml/2006/main" xmlns:c="http://schemas.openxmlformats.org/drawingml/2006/chart" xmlns:dgm="http://schemas.openxmlformats.org/drawingml/2006/diagram" xmlns:o="urn:schemas-microsoft-com:office:office" xmlns:v="urn:schemas-microsoft-com:vml" xmlns:pvml="urn:schemas-microsoft-com:office:powerpoint" xmlns:com="http://schemas.openxmlformats.org/drawingml/2006/compatibility" xmlns:p14="http://schemas.microsoft.com/office/powerpoint/2010/main" xmlns:p15="http://schemas.microsoft.com/office/powerpoint/2012/main" xmlns:ahyp="http://schemas.microsoft.com/office/drawing/2018/hyperlinkcolor" matchingName="Title and two columns" type="twoColTx">
+<p:sldLayout xmlns:a="http://schemas.openxmlformats.org/drawingml/2006/main" xmlns:r="http://schemas.openxmlformats.org/officeDocument/2006/relationships" xmlns:p="http://schemas.openxmlformats.org/presentationml/2006/main" matchingName="Title and two columns" type="twoColTx">
   <p:cSld name="TITLE_AND_TWO_COLUMNS">
     <p:spTree>
       <p:nvGrpSpPr>
-        <p:cNvPr id="48" name="Shape 48"/>
+        <p:cNvPr id="1" name="Shape 48"/>
         <p:cNvGrpSpPr/>
         <p:nvPr/>
       </p:nvGrpSpPr>
@@ -5300,7 +5264,7 @@
             </a:xfrm>
             <a:prstGeom prst="diagStripe">
               <a:avLst>
-                <a:gd fmla="val 50000" name="adj"/>
+                <a:gd name="adj" fmla="val 50000"/>
               </a:avLst>
             </a:prstGeom>
             <a:solidFill>
@@ -5311,12 +5275,12 @@
             </a:ln>
           </p:spPr>
           <p:txBody>
-            <a:bodyPr anchorCtr="0" anchor="ctr" bIns="91425" lIns="91425" spcFirstLastPara="1" rIns="91425" wrap="square" tIns="91425">
+            <a:bodyPr spcFirstLastPara="1" wrap="square" lIns="91425" tIns="91425" rIns="91425" bIns="91425" anchor="ctr" anchorCtr="0">
               <a:noAutofit/>
             </a:bodyPr>
             <a:lstStyle/>
             <a:p>
-              <a:pPr indent="0" lvl="0" marL="0" rtl="0" algn="l">
+              <a:pPr marL="0" lvl="0" indent="0" algn="l" rtl="0">
                 <a:spcBef>
                   <a:spcPts val="0"/>
                 </a:spcBef>
@@ -5325,9 +5289,6 @@
                 </a:spcAft>
                 <a:buNone/>
               </a:pPr>
-              <a:r>
-                <a:t/>
-              </a:r>
               <a:endParaRPr/>
             </a:p>
           </p:txBody>
@@ -5345,7 +5306,7 @@
             </a:xfrm>
             <a:prstGeom prst="diagStripe">
               <a:avLst>
-                <a:gd fmla="val 50000" name="adj"/>
+                <a:gd name="adj" fmla="val 50000"/>
               </a:avLst>
             </a:prstGeom>
             <a:solidFill>
@@ -5356,12 +5317,12 @@
             </a:ln>
           </p:spPr>
           <p:txBody>
-            <a:bodyPr anchorCtr="0" anchor="ctr" bIns="91425" lIns="91425" spcFirstLastPara="1" rIns="91425" wrap="square" tIns="91425">
+            <a:bodyPr spcFirstLastPara="1" wrap="square" lIns="91425" tIns="91425" rIns="91425" bIns="91425" anchor="ctr" anchorCtr="0">
               <a:noAutofit/>
             </a:bodyPr>
             <a:lstStyle/>
             <a:p>
-              <a:pPr indent="0" lvl="0" marL="0" rtl="0" algn="l">
+              <a:pPr marL="0" lvl="0" indent="0" algn="l" rtl="0">
                 <a:spcBef>
                   <a:spcPts val="0"/>
                 </a:spcBef>
@@ -5370,9 +5331,6 @@
                 </a:spcAft>
                 <a:buNone/>
               </a:pPr>
-              <a:r>
-                <a:t/>
-              </a:r>
               <a:endParaRPr/>
             </a:p>
           </p:txBody>
@@ -5381,7 +5339,9 @@
       <p:sp>
         <p:nvSpPr>
           <p:cNvPr id="52" name="Google Shape;52;p5"/>
-          <p:cNvSpPr txBox="1"/>
+          <p:cNvSpPr txBox="1">
+            <a:spLocks noGrp="1"/>
+          </p:cNvSpPr>
           <p:nvPr>
             <p:ph type="title"/>
           </p:nvPr>
@@ -5396,7 +5356,7 @@
           </a:prstGeom>
         </p:spPr>
         <p:txBody>
-          <a:bodyPr anchorCtr="0" anchor="t" bIns="91425" lIns="91425" spcFirstLastPara="1" rIns="91425" wrap="square" tIns="91425">
+          <a:bodyPr spcFirstLastPara="1" wrap="square" lIns="91425" tIns="91425" rIns="91425" bIns="91425" anchor="t" anchorCtr="0">
             <a:normAutofit/>
           </a:bodyPr>
           <a:lstStyle>
@@ -5500,15 +5460,19 @@
               <a:defRPr sz="2400"/>
             </a:lvl9pPr>
           </a:lstStyle>
-          <a:p/>
+          <a:p>
+            <a:endParaRPr/>
+          </a:p>
         </p:txBody>
       </p:sp>
       <p:sp>
         <p:nvSpPr>
           <p:cNvPr id="53" name="Google Shape;53;p5"/>
-          <p:cNvSpPr txBox="1"/>
+          <p:cNvSpPr txBox="1">
+            <a:spLocks noGrp="1"/>
+          </p:cNvSpPr>
           <p:nvPr>
-            <p:ph idx="1" type="body"/>
+            <p:ph type="body" idx="1"/>
           </p:nvPr>
         </p:nvSpPr>
         <p:spPr>
@@ -5521,11 +5485,11 @@
           </a:prstGeom>
         </p:spPr>
         <p:txBody>
-          <a:bodyPr anchorCtr="0" anchor="t" bIns="91425" lIns="91425" spcFirstLastPara="1" rIns="91425" wrap="square" tIns="91425">
+          <a:bodyPr spcFirstLastPara="1" wrap="square" lIns="91425" tIns="91425" rIns="91425" bIns="91425" anchor="t" anchorCtr="0">
             <a:normAutofit/>
           </a:bodyPr>
           <a:lstStyle>
-            <a:lvl1pPr indent="-311150" lvl="0" marL="457200">
+            <a:lvl1pPr marL="457200" lvl="0" indent="-311150">
               <a:spcBef>
                 <a:spcPts val="0"/>
               </a:spcBef>
@@ -5536,7 +5500,7 @@
               <a:buChar char="●"/>
               <a:defRPr/>
             </a:lvl1pPr>
-            <a:lvl2pPr indent="-298450" lvl="1" marL="914400">
+            <a:lvl2pPr marL="914400" lvl="1" indent="-298450">
               <a:spcBef>
                 <a:spcPts val="0"/>
               </a:spcBef>
@@ -5547,7 +5511,7 @@
               <a:buChar char="○"/>
               <a:defRPr/>
             </a:lvl2pPr>
-            <a:lvl3pPr indent="-298450" lvl="2" marL="1371600">
+            <a:lvl3pPr marL="1371600" lvl="2" indent="-298450">
               <a:spcBef>
                 <a:spcPts val="0"/>
               </a:spcBef>
@@ -5558,7 +5522,7 @@
               <a:buChar char="■"/>
               <a:defRPr/>
             </a:lvl3pPr>
-            <a:lvl4pPr indent="-298450" lvl="3" marL="1828800">
+            <a:lvl4pPr marL="1828800" lvl="3" indent="-298450">
               <a:spcBef>
                 <a:spcPts val="0"/>
               </a:spcBef>
@@ -5569,7 +5533,7 @@
               <a:buChar char="●"/>
               <a:defRPr/>
             </a:lvl4pPr>
-            <a:lvl5pPr indent="-298450" lvl="4" marL="2286000">
+            <a:lvl5pPr marL="2286000" lvl="4" indent="-298450">
               <a:spcBef>
                 <a:spcPts val="0"/>
               </a:spcBef>
@@ -5580,7 +5544,7 @@
               <a:buChar char="○"/>
               <a:defRPr/>
             </a:lvl5pPr>
-            <a:lvl6pPr indent="-298450" lvl="5" marL="2743200">
+            <a:lvl6pPr marL="2743200" lvl="5" indent="-298450">
               <a:spcBef>
                 <a:spcPts val="0"/>
               </a:spcBef>
@@ -5591,7 +5555,7 @@
               <a:buChar char="■"/>
               <a:defRPr/>
             </a:lvl6pPr>
-            <a:lvl7pPr indent="-298450" lvl="6" marL="3200400">
+            <a:lvl7pPr marL="3200400" lvl="6" indent="-298450">
               <a:spcBef>
                 <a:spcPts val="0"/>
               </a:spcBef>
@@ -5602,7 +5566,7 @@
               <a:buChar char="●"/>
               <a:defRPr/>
             </a:lvl7pPr>
-            <a:lvl8pPr indent="-298450" lvl="7" marL="3657600">
+            <a:lvl8pPr marL="3657600" lvl="7" indent="-298450">
               <a:spcBef>
                 <a:spcPts val="0"/>
               </a:spcBef>
@@ -5613,7 +5577,7 @@
               <a:buChar char="○"/>
               <a:defRPr/>
             </a:lvl8pPr>
-            <a:lvl9pPr indent="-298450" lvl="8" marL="4114800">
+            <a:lvl9pPr marL="4114800" lvl="8" indent="-298450">
               <a:spcBef>
                 <a:spcPts val="0"/>
               </a:spcBef>
@@ -5625,15 +5589,19 @@
               <a:defRPr/>
             </a:lvl9pPr>
           </a:lstStyle>
-          <a:p/>
+          <a:p>
+            <a:endParaRPr/>
+          </a:p>
         </p:txBody>
       </p:sp>
       <p:sp>
         <p:nvSpPr>
           <p:cNvPr id="54" name="Google Shape;54;p5"/>
-          <p:cNvSpPr txBox="1"/>
+          <p:cNvSpPr txBox="1">
+            <a:spLocks noGrp="1"/>
+          </p:cNvSpPr>
           <p:nvPr>
-            <p:ph idx="2" type="body"/>
+            <p:ph type="body" idx="2"/>
           </p:nvPr>
         </p:nvSpPr>
         <p:spPr>
@@ -5646,11 +5614,11 @@
           </a:prstGeom>
         </p:spPr>
         <p:txBody>
-          <a:bodyPr anchorCtr="0" anchor="t" bIns="91425" lIns="91425" spcFirstLastPara="1" rIns="91425" wrap="square" tIns="91425">
+          <a:bodyPr spcFirstLastPara="1" wrap="square" lIns="91425" tIns="91425" rIns="91425" bIns="91425" anchor="t" anchorCtr="0">
             <a:normAutofit/>
           </a:bodyPr>
           <a:lstStyle>
-            <a:lvl1pPr indent="-311150" lvl="0" marL="457200">
+            <a:lvl1pPr marL="457200" lvl="0" indent="-311150">
               <a:spcBef>
                 <a:spcPts val="0"/>
               </a:spcBef>
@@ -5661,7 +5629,7 @@
               <a:buChar char="●"/>
               <a:defRPr/>
             </a:lvl1pPr>
-            <a:lvl2pPr indent="-298450" lvl="1" marL="914400">
+            <a:lvl2pPr marL="914400" lvl="1" indent="-298450">
               <a:spcBef>
                 <a:spcPts val="0"/>
               </a:spcBef>
@@ -5672,7 +5640,7 @@
               <a:buChar char="○"/>
               <a:defRPr/>
             </a:lvl2pPr>
-            <a:lvl3pPr indent="-298450" lvl="2" marL="1371600">
+            <a:lvl3pPr marL="1371600" lvl="2" indent="-298450">
               <a:spcBef>
                 <a:spcPts val="0"/>
               </a:spcBef>
@@ -5683,7 +5651,7 @@
               <a:buChar char="■"/>
               <a:defRPr/>
             </a:lvl3pPr>
-            <a:lvl4pPr indent="-298450" lvl="3" marL="1828800">
+            <a:lvl4pPr marL="1828800" lvl="3" indent="-298450">
               <a:spcBef>
                 <a:spcPts val="0"/>
               </a:spcBef>
@@ -5694,7 +5662,7 @@
               <a:buChar char="●"/>
               <a:defRPr/>
             </a:lvl4pPr>
-            <a:lvl5pPr indent="-298450" lvl="4" marL="2286000">
+            <a:lvl5pPr marL="2286000" lvl="4" indent="-298450">
               <a:spcBef>
                 <a:spcPts val="0"/>
               </a:spcBef>
@@ -5705,7 +5673,7 @@
               <a:buChar char="○"/>
               <a:defRPr/>
             </a:lvl5pPr>
-            <a:lvl6pPr indent="-298450" lvl="5" marL="2743200">
+            <a:lvl6pPr marL="2743200" lvl="5" indent="-298450">
               <a:spcBef>
                 <a:spcPts val="0"/>
               </a:spcBef>
@@ -5716,7 +5684,7 @@
               <a:buChar char="■"/>
               <a:defRPr/>
             </a:lvl6pPr>
-            <a:lvl7pPr indent="-298450" lvl="6" marL="3200400">
+            <a:lvl7pPr marL="3200400" lvl="6" indent="-298450">
               <a:spcBef>
                 <a:spcPts val="0"/>
               </a:spcBef>
@@ -5727,7 +5695,7 @@
               <a:buChar char="●"/>
               <a:defRPr/>
             </a:lvl7pPr>
-            <a:lvl8pPr indent="-298450" lvl="7" marL="3657600">
+            <a:lvl8pPr marL="3657600" lvl="7" indent="-298450">
               <a:spcBef>
                 <a:spcPts val="0"/>
               </a:spcBef>
@@ -5738,7 +5706,7 @@
               <a:buChar char="○"/>
               <a:defRPr/>
             </a:lvl8pPr>
-            <a:lvl9pPr indent="-298450" lvl="8" marL="4114800">
+            <a:lvl9pPr marL="4114800" lvl="8" indent="-298450">
               <a:spcBef>
                 <a:spcPts val="0"/>
               </a:spcBef>
@@ -5750,15 +5718,19 @@
               <a:defRPr/>
             </a:lvl9pPr>
           </a:lstStyle>
-          <a:p/>
+          <a:p>
+            <a:endParaRPr/>
+          </a:p>
         </p:txBody>
       </p:sp>
       <p:sp>
         <p:nvSpPr>
           <p:cNvPr id="55" name="Google Shape;55;p5"/>
-          <p:cNvSpPr txBox="1"/>
+          <p:cNvSpPr txBox="1">
+            <a:spLocks noGrp="1"/>
+          </p:cNvSpPr>
           <p:nvPr>
-            <p:ph idx="12" type="sldNum"/>
+            <p:ph type="sldNum" idx="12"/>
           </p:nvPr>
         </p:nvSpPr>
         <p:spPr>
@@ -5771,7 +5743,7 @@
           </a:prstGeom>
         </p:spPr>
         <p:txBody>
-          <a:bodyPr anchorCtr="0" anchor="ctr" bIns="91425" lIns="91425" spcFirstLastPara="1" rIns="91425" wrap="square" tIns="91425">
+          <a:bodyPr spcFirstLastPara="1" wrap="square" lIns="91425" tIns="91425" rIns="91425" bIns="91425" anchor="ctr" anchorCtr="0">
             <a:normAutofit/>
           </a:bodyPr>
           <a:lstStyle>
@@ -5813,7 +5785,7 @@
             </a:lvl9pPr>
           </a:lstStyle>
           <a:p>
-            <a:pPr indent="0" lvl="0" marL="0" rtl="0" algn="r">
+            <a:pPr marL="0" lvl="0" indent="0" algn="r" rtl="0">
               <a:spcBef>
                 <a:spcPts val="0"/>
               </a:spcBef>
@@ -5839,11 +5811,11 @@
 </file>
 
 <file path=ppt/slideLayouts/slideLayout5.xml><?xml version="1.0" encoding="utf-8"?>
-<p:sldLayout xmlns:a="http://schemas.openxmlformats.org/drawingml/2006/main" xmlns:r="http://schemas.openxmlformats.org/officeDocument/2006/relationships" xmlns:mc="http://schemas.openxmlformats.org/markup-compatibility/2006" xmlns:mv="urn:schemas-microsoft-com:mac:vml" xmlns:p="http://schemas.openxmlformats.org/presentationml/2006/main" xmlns:c="http://schemas.openxmlformats.org/drawingml/2006/chart" xmlns:dgm="http://schemas.openxmlformats.org/drawingml/2006/diagram" xmlns:o="urn:schemas-microsoft-com:office:office" xmlns:v="urn:schemas-microsoft-com:vml" xmlns:pvml="urn:schemas-microsoft-com:office:powerpoint" xmlns:com="http://schemas.openxmlformats.org/drawingml/2006/compatibility" xmlns:p14="http://schemas.microsoft.com/office/powerpoint/2010/main" xmlns:p15="http://schemas.microsoft.com/office/powerpoint/2012/main" xmlns:ahyp="http://schemas.microsoft.com/office/drawing/2018/hyperlinkcolor" matchingName="Title only" type="titleOnly">
+<p:sldLayout xmlns:a="http://schemas.openxmlformats.org/drawingml/2006/main" xmlns:r="http://schemas.openxmlformats.org/officeDocument/2006/relationships" xmlns:p="http://schemas.openxmlformats.org/presentationml/2006/main" matchingName="Title only" type="titleOnly">
   <p:cSld name="TITLE_ONLY">
     <p:spTree>
       <p:nvGrpSpPr>
-        <p:cNvPr id="56" name="Shape 56"/>
+        <p:cNvPr id="1" name="Shape 56"/>
         <p:cNvGrpSpPr/>
         <p:nvPr/>
       </p:nvGrpSpPr>
@@ -5882,7 +5854,7 @@
             </a:xfrm>
             <a:prstGeom prst="diagStripe">
               <a:avLst>
-                <a:gd fmla="val 50000" name="adj"/>
+                <a:gd name="adj" fmla="val 50000"/>
               </a:avLst>
             </a:prstGeom>
             <a:solidFill>
@@ -5893,12 +5865,12 @@
             </a:ln>
           </p:spPr>
           <p:txBody>
-            <a:bodyPr anchorCtr="0" anchor="ctr" bIns="91425" lIns="91425" spcFirstLastPara="1" rIns="91425" wrap="square" tIns="91425">
+            <a:bodyPr spcFirstLastPara="1" wrap="square" lIns="91425" tIns="91425" rIns="91425" bIns="91425" anchor="ctr" anchorCtr="0">
               <a:noAutofit/>
             </a:bodyPr>
             <a:lstStyle/>
             <a:p>
-              <a:pPr indent="0" lvl="0" marL="0" rtl="0" algn="l">
+              <a:pPr marL="0" lvl="0" indent="0" algn="l" rtl="0">
                 <a:spcBef>
                   <a:spcPts val="0"/>
                 </a:spcBef>
@@ -5907,9 +5879,6 @@
                 </a:spcAft>
                 <a:buNone/>
               </a:pPr>
-              <a:r>
-                <a:t/>
-              </a:r>
               <a:endParaRPr/>
             </a:p>
           </p:txBody>
@@ -5927,7 +5896,7 @@
             </a:xfrm>
             <a:prstGeom prst="diagStripe">
               <a:avLst>
-                <a:gd fmla="val 50000" name="adj"/>
+                <a:gd name="adj" fmla="val 50000"/>
               </a:avLst>
             </a:prstGeom>
             <a:solidFill>
@@ -5938,12 +5907,12 @@
             </a:ln>
           </p:spPr>
           <p:txBody>
-            <a:bodyPr anchorCtr="0" anchor="ctr" bIns="91425" lIns="91425" spcFirstLastPara="1" rIns="91425" wrap="square" tIns="91425">
+            <a:bodyPr spcFirstLastPara="1" wrap="square" lIns="91425" tIns="91425" rIns="91425" bIns="91425" anchor="ctr" anchorCtr="0">
               <a:noAutofit/>
             </a:bodyPr>
             <a:lstStyle/>
             <a:p>
-              <a:pPr indent="0" lvl="0" marL="0" rtl="0" algn="l">
+              <a:pPr marL="0" lvl="0" indent="0" algn="l" rtl="0">
                 <a:spcBef>
                   <a:spcPts val="0"/>
                 </a:spcBef>
@@ -5952,9 +5921,6 @@
                 </a:spcAft>
                 <a:buNone/>
               </a:pPr>
-              <a:r>
-                <a:t/>
-              </a:r>
               <a:endParaRPr/>
             </a:p>
           </p:txBody>
@@ -5963,7 +5929,9 @@
       <p:sp>
         <p:nvSpPr>
           <p:cNvPr id="60" name="Google Shape;60;p6"/>
-          <p:cNvSpPr txBox="1"/>
+          <p:cNvSpPr txBox="1">
+            <a:spLocks noGrp="1"/>
+          </p:cNvSpPr>
           <p:nvPr>
             <p:ph type="title"/>
           </p:nvPr>
@@ -5978,7 +5946,7 @@
           </a:prstGeom>
         </p:spPr>
         <p:txBody>
-          <a:bodyPr anchorCtr="0" anchor="t" bIns="91425" lIns="91425" spcFirstLastPara="1" rIns="91425" wrap="square" tIns="91425">
+          <a:bodyPr spcFirstLastPara="1" wrap="square" lIns="91425" tIns="91425" rIns="91425" bIns="91425" anchor="t" anchorCtr="0">
             <a:normAutofit/>
           </a:bodyPr>
           <a:lstStyle>
@@ -6082,15 +6050,19 @@
               <a:defRPr sz="2400"/>
             </a:lvl9pPr>
           </a:lstStyle>
-          <a:p/>
+          <a:p>
+            <a:endParaRPr/>
+          </a:p>
         </p:txBody>
       </p:sp>
       <p:sp>
         <p:nvSpPr>
           <p:cNvPr id="61" name="Google Shape;61;p6"/>
-          <p:cNvSpPr txBox="1"/>
+          <p:cNvSpPr txBox="1">
+            <a:spLocks noGrp="1"/>
+          </p:cNvSpPr>
           <p:nvPr>
-            <p:ph idx="12" type="sldNum"/>
+            <p:ph type="sldNum" idx="12"/>
           </p:nvPr>
         </p:nvSpPr>
         <p:spPr>
@@ -6103,7 +6075,7 @@
           </a:prstGeom>
         </p:spPr>
         <p:txBody>
-          <a:bodyPr anchorCtr="0" anchor="ctr" bIns="91425" lIns="91425" spcFirstLastPara="1" rIns="91425" wrap="square" tIns="91425">
+          <a:bodyPr spcFirstLastPara="1" wrap="square" lIns="91425" tIns="91425" rIns="91425" bIns="91425" anchor="ctr" anchorCtr="0">
             <a:normAutofit/>
           </a:bodyPr>
           <a:lstStyle>
@@ -6145,7 +6117,7 @@
             </a:lvl9pPr>
           </a:lstStyle>
           <a:p>
-            <a:pPr indent="0" lvl="0" marL="0" rtl="0" algn="r">
+            <a:pPr marL="0" lvl="0" indent="0" algn="r" rtl="0">
               <a:spcBef>
                 <a:spcPts val="0"/>
               </a:spcBef>
@@ -6171,11 +6143,11 @@
 </file>
 
 <file path=ppt/slideLayouts/slideLayout6.xml><?xml version="1.0" encoding="utf-8"?>
-<p:sldLayout xmlns:a="http://schemas.openxmlformats.org/drawingml/2006/main" xmlns:r="http://schemas.openxmlformats.org/officeDocument/2006/relationships" xmlns:mc="http://schemas.openxmlformats.org/markup-compatibility/2006" xmlns:mv="urn:schemas-microsoft-com:mac:vml" xmlns:p="http://schemas.openxmlformats.org/presentationml/2006/main" xmlns:c="http://schemas.openxmlformats.org/drawingml/2006/chart" xmlns:dgm="http://schemas.openxmlformats.org/drawingml/2006/diagram" xmlns:o="urn:schemas-microsoft-com:office:office" xmlns:v="urn:schemas-microsoft-com:vml" xmlns:pvml="urn:schemas-microsoft-com:office:powerpoint" xmlns:com="http://schemas.openxmlformats.org/drawingml/2006/compatibility" xmlns:p14="http://schemas.microsoft.com/office/powerpoint/2010/main" xmlns:p15="http://schemas.microsoft.com/office/powerpoint/2012/main" xmlns:ahyp="http://schemas.microsoft.com/office/drawing/2018/hyperlinkcolor" matchingName="One column text">
+<p:sldLayout xmlns:a="http://schemas.openxmlformats.org/drawingml/2006/main" xmlns:r="http://schemas.openxmlformats.org/officeDocument/2006/relationships" xmlns:p="http://schemas.openxmlformats.org/presentationml/2006/main" matchingName="One column text">
   <p:cSld name="ONE_COLUMN_TEXT">
     <p:spTree>
       <p:nvGrpSpPr>
-        <p:cNvPr id="62" name="Shape 62"/>
+        <p:cNvPr id="1" name="Shape 62"/>
         <p:cNvGrpSpPr/>
         <p:nvPr/>
       </p:nvGrpSpPr>
@@ -6214,7 +6186,7 @@
             </a:xfrm>
             <a:prstGeom prst="diagStripe">
               <a:avLst>
-                <a:gd fmla="val 50000" name="adj"/>
+                <a:gd name="adj" fmla="val 50000"/>
               </a:avLst>
             </a:prstGeom>
             <a:solidFill>
@@ -6225,12 +6197,12 @@
             </a:ln>
           </p:spPr>
           <p:txBody>
-            <a:bodyPr anchorCtr="0" anchor="ctr" bIns="91425" lIns="91425" spcFirstLastPara="1" rIns="91425" wrap="square" tIns="91425">
+            <a:bodyPr spcFirstLastPara="1" wrap="square" lIns="91425" tIns="91425" rIns="91425" bIns="91425" anchor="ctr" anchorCtr="0">
               <a:noAutofit/>
             </a:bodyPr>
             <a:lstStyle/>
             <a:p>
-              <a:pPr indent="0" lvl="0" marL="0" rtl="0" algn="l">
+              <a:pPr marL="0" lvl="0" indent="0" algn="l" rtl="0">
                 <a:spcBef>
                   <a:spcPts val="0"/>
                 </a:spcBef>
@@ -6239,9 +6211,6 @@
                 </a:spcAft>
                 <a:buNone/>
               </a:pPr>
-              <a:r>
-                <a:t/>
-              </a:r>
               <a:endParaRPr/>
             </a:p>
           </p:txBody>
@@ -6259,7 +6228,7 @@
             </a:xfrm>
             <a:prstGeom prst="diagStripe">
               <a:avLst>
-                <a:gd fmla="val 50000" name="adj"/>
+                <a:gd name="adj" fmla="val 50000"/>
               </a:avLst>
             </a:prstGeom>
             <a:solidFill>
@@ -6270,12 +6239,12 @@
             </a:ln>
           </p:spPr>
           <p:txBody>
-            <a:bodyPr anchorCtr="0" anchor="ctr" bIns="91425" lIns="91425" spcFirstLastPara="1" rIns="91425" wrap="square" tIns="91425">
+            <a:bodyPr spcFirstLastPara="1" wrap="square" lIns="91425" tIns="91425" rIns="91425" bIns="91425" anchor="ctr" anchorCtr="0">
               <a:noAutofit/>
             </a:bodyPr>
             <a:lstStyle/>
             <a:p>
-              <a:pPr indent="0" lvl="0" marL="0" rtl="0" algn="l">
+              <a:pPr marL="0" lvl="0" indent="0" algn="l" rtl="0">
                 <a:spcBef>
                   <a:spcPts val="0"/>
                 </a:spcBef>
@@ -6284,9 +6253,6 @@
                 </a:spcAft>
                 <a:buNone/>
               </a:pPr>
-              <a:r>
-                <a:t/>
-              </a:r>
               <a:endParaRPr/>
             </a:p>
           </p:txBody>
@@ -6295,7 +6261,9 @@
       <p:sp>
         <p:nvSpPr>
           <p:cNvPr id="66" name="Google Shape;66;p7"/>
-          <p:cNvSpPr txBox="1"/>
+          <p:cNvSpPr txBox="1">
+            <a:spLocks noGrp="1"/>
+          </p:cNvSpPr>
           <p:nvPr>
             <p:ph type="title"/>
           </p:nvPr>
@@ -6310,7 +6278,7 @@
           </a:prstGeom>
         </p:spPr>
         <p:txBody>
-          <a:bodyPr anchorCtr="0" anchor="t" bIns="91425" lIns="91425" spcFirstLastPara="1" rIns="91425" wrap="square" tIns="91425">
+          <a:bodyPr spcFirstLastPara="1" wrap="square" lIns="91425" tIns="91425" rIns="91425" bIns="91425" anchor="t" anchorCtr="0">
             <a:normAutofit/>
           </a:bodyPr>
           <a:lstStyle>
@@ -6414,15 +6382,19 @@
               <a:defRPr sz="2400"/>
             </a:lvl9pPr>
           </a:lstStyle>
-          <a:p/>
+          <a:p>
+            <a:endParaRPr/>
+          </a:p>
         </p:txBody>
       </p:sp>
       <p:sp>
         <p:nvSpPr>
           <p:cNvPr id="67" name="Google Shape;67;p7"/>
-          <p:cNvSpPr txBox="1"/>
+          <p:cNvSpPr txBox="1">
+            <a:spLocks noGrp="1"/>
+          </p:cNvSpPr>
           <p:nvPr>
-            <p:ph idx="1" type="body"/>
+            <p:ph type="body" idx="1"/>
           </p:nvPr>
         </p:nvSpPr>
         <p:spPr>
@@ -6435,11 +6407,11 @@
           </a:prstGeom>
         </p:spPr>
         <p:txBody>
-          <a:bodyPr anchorCtr="0" anchor="t" bIns="91425" lIns="91425" spcFirstLastPara="1" rIns="91425" wrap="square" tIns="91425">
+          <a:bodyPr spcFirstLastPara="1" wrap="square" lIns="91425" tIns="91425" rIns="91425" bIns="91425" anchor="t" anchorCtr="0">
             <a:normAutofit/>
           </a:bodyPr>
           <a:lstStyle>
-            <a:lvl1pPr indent="-311150" lvl="0" marL="457200">
+            <a:lvl1pPr marL="457200" lvl="0" indent="-311150">
               <a:spcBef>
                 <a:spcPts val="0"/>
               </a:spcBef>
@@ -6450,7 +6422,7 @@
               <a:buChar char="●"/>
               <a:defRPr/>
             </a:lvl1pPr>
-            <a:lvl2pPr indent="-298450" lvl="1" marL="914400">
+            <a:lvl2pPr marL="914400" lvl="1" indent="-298450">
               <a:spcBef>
                 <a:spcPts val="0"/>
               </a:spcBef>
@@ -6461,7 +6433,7 @@
               <a:buChar char="○"/>
               <a:defRPr/>
             </a:lvl2pPr>
-            <a:lvl3pPr indent="-298450" lvl="2" marL="1371600">
+            <a:lvl3pPr marL="1371600" lvl="2" indent="-298450">
               <a:spcBef>
                 <a:spcPts val="0"/>
               </a:spcBef>
@@ -6472,7 +6444,7 @@
               <a:buChar char="■"/>
               <a:defRPr/>
             </a:lvl3pPr>
-            <a:lvl4pPr indent="-298450" lvl="3" marL="1828800">
+            <a:lvl4pPr marL="1828800" lvl="3" indent="-298450">
               <a:spcBef>
                 <a:spcPts val="0"/>
               </a:spcBef>
@@ -6483,7 +6455,7 @@
               <a:buChar char="●"/>
               <a:defRPr/>
             </a:lvl4pPr>
-            <a:lvl5pPr indent="-298450" lvl="4" marL="2286000">
+            <a:lvl5pPr marL="2286000" lvl="4" indent="-298450">
               <a:spcBef>
                 <a:spcPts val="0"/>
               </a:spcBef>
@@ -6494,7 +6466,7 @@
               <a:buChar char="○"/>
               <a:defRPr/>
             </a:lvl5pPr>
-            <a:lvl6pPr indent="-298450" lvl="5" marL="2743200">
+            <a:lvl6pPr marL="2743200" lvl="5" indent="-298450">
               <a:spcBef>
                 <a:spcPts val="0"/>
               </a:spcBef>
@@ -6505,7 +6477,7 @@
               <a:buChar char="■"/>
               <a:defRPr/>
             </a:lvl6pPr>
-            <a:lvl7pPr indent="-298450" lvl="6" marL="3200400">
+            <a:lvl7pPr marL="3200400" lvl="6" indent="-298450">
               <a:spcBef>
                 <a:spcPts val="0"/>
               </a:spcBef>
@@ -6516,7 +6488,7 @@
               <a:buChar char="●"/>
               <a:defRPr/>
             </a:lvl7pPr>
-            <a:lvl8pPr indent="-298450" lvl="7" marL="3657600">
+            <a:lvl8pPr marL="3657600" lvl="7" indent="-298450">
               <a:spcBef>
                 <a:spcPts val="0"/>
               </a:spcBef>
@@ -6527,7 +6499,7 @@
               <a:buChar char="○"/>
               <a:defRPr/>
             </a:lvl8pPr>
-            <a:lvl9pPr indent="-298450" lvl="8" marL="4114800">
+            <a:lvl9pPr marL="4114800" lvl="8" indent="-298450">
               <a:spcBef>
                 <a:spcPts val="0"/>
               </a:spcBef>
@@ -6539,15 +6511,19 @@
               <a:defRPr/>
             </a:lvl9pPr>
           </a:lstStyle>
-          <a:p/>
+          <a:p>
+            <a:endParaRPr/>
+          </a:p>
         </p:txBody>
       </p:sp>
       <p:sp>
         <p:nvSpPr>
           <p:cNvPr id="68" name="Google Shape;68;p7"/>
-          <p:cNvSpPr txBox="1"/>
+          <p:cNvSpPr txBox="1">
+            <a:spLocks noGrp="1"/>
+          </p:cNvSpPr>
           <p:nvPr>
-            <p:ph idx="12" type="sldNum"/>
+            <p:ph type="sldNum" idx="12"/>
           </p:nvPr>
         </p:nvSpPr>
         <p:spPr>
@@ -6560,7 +6536,7 @@
           </a:prstGeom>
         </p:spPr>
         <p:txBody>
-          <a:bodyPr anchorCtr="0" anchor="ctr" bIns="91425" lIns="91425" spcFirstLastPara="1" rIns="91425" wrap="square" tIns="91425">
+          <a:bodyPr spcFirstLastPara="1" wrap="square" lIns="91425" tIns="91425" rIns="91425" bIns="91425" anchor="ctr" anchorCtr="0">
             <a:normAutofit/>
           </a:bodyPr>
           <a:lstStyle>
@@ -6602,7 +6578,7 @@
             </a:lvl9pPr>
           </a:lstStyle>
           <a:p>
-            <a:pPr indent="0" lvl="0" marL="0" rtl="0" algn="r">
+            <a:pPr marL="0" lvl="0" indent="0" algn="r" rtl="0">
               <a:spcBef>
                 <a:spcPts val="0"/>
               </a:spcBef>
@@ -6628,11 +6604,11 @@
 </file>
 
 <file path=ppt/slideLayouts/slideLayout7.xml><?xml version="1.0" encoding="utf-8"?>
-<p:sldLayout xmlns:a="http://schemas.openxmlformats.org/drawingml/2006/main" xmlns:r="http://schemas.openxmlformats.org/officeDocument/2006/relationships" xmlns:mc="http://schemas.openxmlformats.org/markup-compatibility/2006" xmlns:mv="urn:schemas-microsoft-com:mac:vml" xmlns:p="http://schemas.openxmlformats.org/presentationml/2006/main" xmlns:c="http://schemas.openxmlformats.org/drawingml/2006/chart" xmlns:dgm="http://schemas.openxmlformats.org/drawingml/2006/diagram" xmlns:o="urn:schemas-microsoft-com:office:office" xmlns:v="urn:schemas-microsoft-com:vml" xmlns:pvml="urn:schemas-microsoft-com:office:powerpoint" xmlns:com="http://schemas.openxmlformats.org/drawingml/2006/compatibility" xmlns:p14="http://schemas.microsoft.com/office/powerpoint/2010/main" xmlns:p15="http://schemas.microsoft.com/office/powerpoint/2012/main" xmlns:ahyp="http://schemas.microsoft.com/office/drawing/2018/hyperlinkcolor" matchingName="Main point">
+<p:sldLayout xmlns:a="http://schemas.openxmlformats.org/drawingml/2006/main" xmlns:r="http://schemas.openxmlformats.org/officeDocument/2006/relationships" xmlns:p="http://schemas.openxmlformats.org/presentationml/2006/main" matchingName="Main point">
   <p:cSld name="MAIN_POINT">
     <p:spTree>
       <p:nvGrpSpPr>
-        <p:cNvPr id="69" name="Shape 69"/>
+        <p:cNvPr id="1" name="Shape 69"/>
         <p:cNvGrpSpPr/>
         <p:nvPr/>
       </p:nvGrpSpPr>
@@ -6671,7 +6647,7 @@
             </a:xfrm>
             <a:prstGeom prst="diagStripe">
               <a:avLst>
-                <a:gd fmla="val 49469" name="adj"/>
+                <a:gd name="adj" fmla="val 49469"/>
               </a:avLst>
             </a:prstGeom>
             <a:solidFill>
@@ -6684,12 +6660,12 @@
             </a:ln>
           </p:spPr>
           <p:txBody>
-            <a:bodyPr anchorCtr="0" anchor="ctr" bIns="91425" lIns="91425" spcFirstLastPara="1" rIns="91425" wrap="square" tIns="91425">
+            <a:bodyPr spcFirstLastPara="1" wrap="square" lIns="91425" tIns="91425" rIns="91425" bIns="91425" anchor="ctr" anchorCtr="0">
               <a:noAutofit/>
             </a:bodyPr>
             <a:lstStyle/>
             <a:p>
-              <a:pPr indent="0" lvl="0" marL="0" rtl="0" algn="l">
+              <a:pPr marL="0" lvl="0" indent="0" algn="l" rtl="0">
                 <a:spcBef>
                   <a:spcPts val="0"/>
                 </a:spcBef>
@@ -6698,9 +6674,6 @@
                 </a:spcAft>
                 <a:buNone/>
               </a:pPr>
-              <a:r>
-                <a:t/>
-              </a:r>
               <a:endParaRPr/>
             </a:p>
           </p:txBody>
@@ -6718,7 +6691,7 @@
             </a:xfrm>
             <a:prstGeom prst="diagStripe">
               <a:avLst>
-                <a:gd fmla="val 0" name="adj"/>
+                <a:gd name="adj" fmla="val 0"/>
               </a:avLst>
             </a:prstGeom>
             <a:solidFill>
@@ -6731,12 +6704,12 @@
             </a:ln>
           </p:spPr>
           <p:txBody>
-            <a:bodyPr anchorCtr="0" anchor="ctr" bIns="91425" lIns="91425" spcFirstLastPara="1" rIns="91425" wrap="square" tIns="91425">
+            <a:bodyPr spcFirstLastPara="1" wrap="square" lIns="91425" tIns="91425" rIns="91425" bIns="91425" anchor="ctr" anchorCtr="0">
               <a:noAutofit/>
             </a:bodyPr>
             <a:lstStyle/>
             <a:p>
-              <a:pPr indent="0" lvl="0" marL="0" rtl="0" algn="l">
+              <a:pPr marL="0" lvl="0" indent="0" algn="l" rtl="0">
                 <a:spcBef>
                   <a:spcPts val="0"/>
                 </a:spcBef>
@@ -6745,9 +6718,6 @@
                 </a:spcAft>
                 <a:buNone/>
               </a:pPr>
-              <a:r>
-                <a:t/>
-              </a:r>
               <a:endParaRPr/>
             </a:p>
           </p:txBody>
@@ -6765,7 +6735,7 @@
             </a:xfrm>
             <a:prstGeom prst="diagStripe">
               <a:avLst>
-                <a:gd fmla="val 50000" name="adj"/>
+                <a:gd name="adj" fmla="val 50000"/>
               </a:avLst>
             </a:prstGeom>
             <a:solidFill>
@@ -6778,12 +6748,12 @@
             </a:ln>
           </p:spPr>
           <p:txBody>
-            <a:bodyPr anchorCtr="0" anchor="ctr" bIns="91425" lIns="91425" spcFirstLastPara="1" rIns="91425" wrap="square" tIns="91425">
+            <a:bodyPr spcFirstLastPara="1" wrap="square" lIns="91425" tIns="91425" rIns="91425" bIns="91425" anchor="ctr" anchorCtr="0">
               <a:noAutofit/>
             </a:bodyPr>
             <a:lstStyle/>
             <a:p>
-              <a:pPr indent="0" lvl="0" marL="0" rtl="0" algn="l">
+              <a:pPr marL="0" lvl="0" indent="0" algn="l" rtl="0">
                 <a:spcBef>
                   <a:spcPts val="0"/>
                 </a:spcBef>
@@ -6792,9 +6762,6 @@
                 </a:spcAft>
                 <a:buNone/>
               </a:pPr>
-              <a:r>
-                <a:t/>
-              </a:r>
               <a:endParaRPr/>
             </a:p>
           </p:txBody>
@@ -6812,7 +6779,7 @@
             </a:xfrm>
             <a:prstGeom prst="diagStripe">
               <a:avLst>
-                <a:gd fmla="val 50000" name="adj"/>
+                <a:gd name="adj" fmla="val 50000"/>
               </a:avLst>
             </a:prstGeom>
             <a:solidFill>
@@ -6825,12 +6792,12 @@
             </a:ln>
           </p:spPr>
           <p:txBody>
-            <a:bodyPr anchorCtr="0" anchor="ctr" bIns="91425" lIns="91425" spcFirstLastPara="1" rIns="91425" wrap="square" tIns="91425">
+            <a:bodyPr spcFirstLastPara="1" wrap="square" lIns="91425" tIns="91425" rIns="91425" bIns="91425" anchor="ctr" anchorCtr="0">
               <a:noAutofit/>
             </a:bodyPr>
             <a:lstStyle/>
             <a:p>
-              <a:pPr indent="0" lvl="0" marL="0" rtl="0" algn="l">
+              <a:pPr marL="0" lvl="0" indent="0" algn="l" rtl="0">
                 <a:spcBef>
                   <a:spcPts val="0"/>
                 </a:spcBef>
@@ -6839,9 +6806,6 @@
                 </a:spcAft>
                 <a:buNone/>
               </a:pPr>
-              <a:r>
-                <a:t/>
-              </a:r>
               <a:endParaRPr/>
             </a:p>
           </p:txBody>
@@ -6859,7 +6823,7 @@
             </a:xfrm>
             <a:prstGeom prst="diagStripe">
               <a:avLst>
-                <a:gd fmla="val 50000" name="adj"/>
+                <a:gd name="adj" fmla="val 50000"/>
               </a:avLst>
             </a:prstGeom>
             <a:solidFill>
@@ -6872,12 +6836,12 @@
             </a:ln>
           </p:spPr>
           <p:txBody>
-            <a:bodyPr anchorCtr="0" anchor="ctr" bIns="91425" lIns="91425" spcFirstLastPara="1" rIns="91425" wrap="square" tIns="91425">
+            <a:bodyPr spcFirstLastPara="1" wrap="square" lIns="91425" tIns="91425" rIns="91425" bIns="91425" anchor="ctr" anchorCtr="0">
               <a:noAutofit/>
             </a:bodyPr>
             <a:lstStyle/>
             <a:p>
-              <a:pPr indent="0" lvl="0" marL="0" rtl="0" algn="l">
+              <a:pPr marL="0" lvl="0" indent="0" algn="l" rtl="0">
                 <a:spcBef>
                   <a:spcPts val="0"/>
                 </a:spcBef>
@@ -6886,9 +6850,6 @@
                 </a:spcAft>
                 <a:buNone/>
               </a:pPr>
-              <a:r>
-                <a:t/>
-              </a:r>
               <a:endParaRPr/>
             </a:p>
           </p:txBody>
@@ -6906,7 +6867,7 @@
             </a:xfrm>
             <a:prstGeom prst="diagStripe">
               <a:avLst>
-                <a:gd fmla="val 50000" name="adj"/>
+                <a:gd name="adj" fmla="val 50000"/>
               </a:avLst>
             </a:prstGeom>
             <a:solidFill>
@@ -6919,12 +6880,12 @@
             </a:ln>
           </p:spPr>
           <p:txBody>
-            <a:bodyPr anchorCtr="0" anchor="ctr" bIns="91425" lIns="91425" spcFirstLastPara="1" rIns="91425" wrap="square" tIns="91425">
+            <a:bodyPr spcFirstLastPara="1" wrap="square" lIns="91425" tIns="91425" rIns="91425" bIns="91425" anchor="ctr" anchorCtr="0">
               <a:noAutofit/>
             </a:bodyPr>
             <a:lstStyle/>
             <a:p>
-              <a:pPr indent="0" lvl="0" marL="0" rtl="0" algn="l">
+              <a:pPr marL="0" lvl="0" indent="0" algn="l" rtl="0">
                 <a:spcBef>
                   <a:spcPts val="0"/>
                 </a:spcBef>
@@ -6933,9 +6894,6 @@
                 </a:spcAft>
                 <a:buNone/>
               </a:pPr>
-              <a:r>
-                <a:t/>
-              </a:r>
               <a:endParaRPr/>
             </a:p>
           </p:txBody>
@@ -6953,7 +6911,7 @@
             </a:xfrm>
             <a:prstGeom prst="diagStripe">
               <a:avLst>
-                <a:gd fmla="val 50000" name="adj"/>
+                <a:gd name="adj" fmla="val 50000"/>
               </a:avLst>
             </a:prstGeom>
             <a:solidFill>
@@ -6966,12 +6924,12 @@
             </a:ln>
           </p:spPr>
           <p:txBody>
-            <a:bodyPr anchorCtr="0" anchor="ctr" bIns="91425" lIns="91425" spcFirstLastPara="1" rIns="91425" wrap="square" tIns="91425">
+            <a:bodyPr spcFirstLastPara="1" wrap="square" lIns="91425" tIns="91425" rIns="91425" bIns="91425" anchor="ctr" anchorCtr="0">
               <a:noAutofit/>
             </a:bodyPr>
             <a:lstStyle/>
             <a:p>
-              <a:pPr indent="0" lvl="0" marL="0" rtl="0" algn="l">
+              <a:pPr marL="0" lvl="0" indent="0" algn="l" rtl="0">
                 <a:spcBef>
                   <a:spcPts val="0"/>
                 </a:spcBef>
@@ -6980,9 +6938,6 @@
                 </a:spcAft>
                 <a:buNone/>
               </a:pPr>
-              <a:r>
-                <a:t/>
-              </a:r>
               <a:endParaRPr/>
             </a:p>
           </p:txBody>
@@ -7000,7 +6955,7 @@
             </a:xfrm>
             <a:prstGeom prst="diagStripe">
               <a:avLst>
-                <a:gd fmla="val 50000" name="adj"/>
+                <a:gd name="adj" fmla="val 50000"/>
               </a:avLst>
             </a:prstGeom>
             <a:solidFill>
@@ -7011,12 +6966,12 @@
             </a:ln>
           </p:spPr>
           <p:txBody>
-            <a:bodyPr anchorCtr="0" anchor="ctr" bIns="91425" lIns="91425" spcFirstLastPara="1" rIns="91425" wrap="square" tIns="91425">
+            <a:bodyPr spcFirstLastPara="1" wrap="square" lIns="91425" tIns="91425" rIns="91425" bIns="91425" anchor="ctr" anchorCtr="0">
               <a:noAutofit/>
             </a:bodyPr>
             <a:lstStyle/>
             <a:p>
-              <a:pPr indent="0" lvl="0" marL="0" rtl="0" algn="l">
+              <a:pPr marL="0" lvl="0" indent="0" algn="l" rtl="0">
                 <a:spcBef>
                   <a:spcPts val="0"/>
                 </a:spcBef>
@@ -7025,9 +6980,6 @@
                 </a:spcAft>
                 <a:buNone/>
               </a:pPr>
-              <a:r>
-                <a:t/>
-              </a:r>
               <a:endParaRPr/>
             </a:p>
           </p:txBody>
@@ -7045,7 +6997,7 @@
             </a:xfrm>
             <a:prstGeom prst="diagStripe">
               <a:avLst>
-                <a:gd fmla="val 50000" name="adj"/>
+                <a:gd name="adj" fmla="val 50000"/>
               </a:avLst>
             </a:prstGeom>
             <a:solidFill>
@@ -7058,12 +7010,12 @@
             </a:ln>
           </p:spPr>
           <p:txBody>
-            <a:bodyPr anchorCtr="0" anchor="ctr" bIns="91425" lIns="91425" spcFirstLastPara="1" rIns="91425" wrap="square" tIns="91425">
+            <a:bodyPr spcFirstLastPara="1" wrap="square" lIns="91425" tIns="91425" rIns="91425" bIns="91425" anchor="ctr" anchorCtr="0">
               <a:noAutofit/>
             </a:bodyPr>
             <a:lstStyle/>
             <a:p>
-              <a:pPr indent="0" lvl="0" marL="0" rtl="0" algn="l">
+              <a:pPr marL="0" lvl="0" indent="0" algn="l" rtl="0">
                 <a:spcBef>
                   <a:spcPts val="0"/>
                 </a:spcBef>
@@ -7072,9 +7024,6 @@
                 </a:spcAft>
                 <a:buNone/>
               </a:pPr>
-              <a:r>
-                <a:t/>
-              </a:r>
               <a:endParaRPr/>
             </a:p>
           </p:txBody>
@@ -7092,7 +7041,7 @@
             </a:xfrm>
             <a:prstGeom prst="diagStripe">
               <a:avLst>
-                <a:gd fmla="val 50000" name="adj"/>
+                <a:gd name="adj" fmla="val 50000"/>
               </a:avLst>
             </a:prstGeom>
             <a:solidFill>
@@ -7105,12 +7054,12 @@
             </a:ln>
           </p:spPr>
           <p:txBody>
-            <a:bodyPr anchorCtr="0" anchor="ctr" bIns="91425" lIns="91425" spcFirstLastPara="1" rIns="91425" wrap="square" tIns="91425">
+            <a:bodyPr spcFirstLastPara="1" wrap="square" lIns="91425" tIns="91425" rIns="91425" bIns="91425" anchor="ctr" anchorCtr="0">
               <a:noAutofit/>
             </a:bodyPr>
             <a:lstStyle/>
             <a:p>
-              <a:pPr indent="0" lvl="0" marL="0" rtl="0" algn="l">
+              <a:pPr marL="0" lvl="0" indent="0" algn="l" rtl="0">
                 <a:spcBef>
                   <a:spcPts val="0"/>
                 </a:spcBef>
@@ -7119,9 +7068,6 @@
                 </a:spcAft>
                 <a:buNone/>
               </a:pPr>
-              <a:r>
-                <a:t/>
-              </a:r>
               <a:endParaRPr/>
             </a:p>
           </p:txBody>
@@ -7139,7 +7085,7 @@
             </a:xfrm>
             <a:prstGeom prst="diagStripe">
               <a:avLst>
-                <a:gd fmla="val 50000" name="adj"/>
+                <a:gd name="adj" fmla="val 50000"/>
               </a:avLst>
             </a:prstGeom>
             <a:solidFill>
@@ -7152,12 +7098,12 @@
             </a:ln>
           </p:spPr>
           <p:txBody>
-            <a:bodyPr anchorCtr="0" anchor="ctr" bIns="91425" lIns="91425" spcFirstLastPara="1" rIns="91425" wrap="square" tIns="91425">
+            <a:bodyPr spcFirstLastPara="1" wrap="square" lIns="91425" tIns="91425" rIns="91425" bIns="91425" anchor="ctr" anchorCtr="0">
               <a:noAutofit/>
             </a:bodyPr>
             <a:lstStyle/>
             <a:p>
-              <a:pPr indent="0" lvl="0" marL="0" rtl="0" algn="l">
+              <a:pPr marL="0" lvl="0" indent="0" algn="l" rtl="0">
                 <a:spcBef>
                   <a:spcPts val="0"/>
                 </a:spcBef>
@@ -7166,9 +7112,6 @@
                 </a:spcAft>
                 <a:buNone/>
               </a:pPr>
-              <a:r>
-                <a:t/>
-              </a:r>
               <a:endParaRPr/>
             </a:p>
           </p:txBody>
@@ -7186,7 +7129,7 @@
             </a:xfrm>
             <a:prstGeom prst="diagStripe">
               <a:avLst>
-                <a:gd fmla="val 50000" name="adj"/>
+                <a:gd name="adj" fmla="val 50000"/>
               </a:avLst>
             </a:prstGeom>
             <a:solidFill>
@@ -7199,12 +7142,12 @@
             </a:ln>
           </p:spPr>
           <p:txBody>
-            <a:bodyPr anchorCtr="0" anchor="ctr" bIns="91425" lIns="91425" spcFirstLastPara="1" rIns="91425" wrap="square" tIns="91425">
+            <a:bodyPr spcFirstLastPara="1" wrap="square" lIns="91425" tIns="91425" rIns="91425" bIns="91425" anchor="ctr" anchorCtr="0">
               <a:noAutofit/>
             </a:bodyPr>
             <a:lstStyle/>
             <a:p>
-              <a:pPr indent="0" lvl="0" marL="0" rtl="0" algn="l">
+              <a:pPr marL="0" lvl="0" indent="0" algn="l" rtl="0">
                 <a:spcBef>
                   <a:spcPts val="0"/>
                 </a:spcBef>
@@ -7213,9 +7156,6 @@
                 </a:spcAft>
                 <a:buNone/>
               </a:pPr>
-              <a:r>
-                <a:t/>
-              </a:r>
               <a:endParaRPr/>
             </a:p>
           </p:txBody>
@@ -7233,7 +7173,7 @@
             </a:xfrm>
             <a:prstGeom prst="diagStripe">
               <a:avLst>
-                <a:gd fmla="val 50000" name="adj"/>
+                <a:gd name="adj" fmla="val 50000"/>
               </a:avLst>
             </a:prstGeom>
             <a:solidFill>
@@ -7246,12 +7186,12 @@
             </a:ln>
           </p:spPr>
           <p:txBody>
-            <a:bodyPr anchorCtr="0" anchor="ctr" bIns="91425" lIns="91425" spcFirstLastPara="1" rIns="91425" wrap="square" tIns="91425">
+            <a:bodyPr spcFirstLastPara="1" wrap="square" lIns="91425" tIns="91425" rIns="91425" bIns="91425" anchor="ctr" anchorCtr="0">
               <a:noAutofit/>
             </a:bodyPr>
             <a:lstStyle/>
             <a:p>
-              <a:pPr indent="0" lvl="0" marL="0" rtl="0" algn="l">
+              <a:pPr marL="0" lvl="0" indent="0" algn="l" rtl="0">
                 <a:spcBef>
                   <a:spcPts val="0"/>
                 </a:spcBef>
@@ -7260,9 +7200,6 @@
                 </a:spcAft>
                 <a:buNone/>
               </a:pPr>
-              <a:r>
-                <a:t/>
-              </a:r>
               <a:endParaRPr/>
             </a:p>
           </p:txBody>
@@ -7280,7 +7217,7 @@
             </a:xfrm>
             <a:prstGeom prst="diagStripe">
               <a:avLst>
-                <a:gd fmla="val 50000" name="adj"/>
+                <a:gd name="adj" fmla="val 50000"/>
               </a:avLst>
             </a:prstGeom>
             <a:solidFill>
@@ -7291,12 +7228,12 @@
             </a:ln>
           </p:spPr>
           <p:txBody>
-            <a:bodyPr anchorCtr="0" anchor="ctr" bIns="91425" lIns="91425" spcFirstLastPara="1" rIns="91425" wrap="square" tIns="91425">
+            <a:bodyPr spcFirstLastPara="1" wrap="square" lIns="91425" tIns="91425" rIns="91425" bIns="91425" anchor="ctr" anchorCtr="0">
               <a:noAutofit/>
             </a:bodyPr>
             <a:lstStyle/>
             <a:p>
-              <a:pPr indent="0" lvl="0" marL="0" rtl="0" algn="l">
+              <a:pPr marL="0" lvl="0" indent="0" algn="l" rtl="0">
                 <a:spcBef>
                   <a:spcPts val="0"/>
                 </a:spcBef>
@@ -7305,9 +7242,6 @@
                 </a:spcAft>
                 <a:buNone/>
               </a:pPr>
-              <a:r>
-                <a:t/>
-              </a:r>
               <a:endParaRPr/>
             </a:p>
           </p:txBody>
@@ -7325,7 +7259,7 @@
             </a:xfrm>
             <a:prstGeom prst="diagStripe">
               <a:avLst>
-                <a:gd fmla="val 50000" name="adj"/>
+                <a:gd name="adj" fmla="val 50000"/>
               </a:avLst>
             </a:prstGeom>
             <a:solidFill>
@@ -7338,12 +7272,12 @@
             </a:ln>
           </p:spPr>
           <p:txBody>
-            <a:bodyPr anchorCtr="0" anchor="ctr" bIns="91425" lIns="91425" spcFirstLastPara="1" rIns="91425" wrap="square" tIns="91425">
+            <a:bodyPr spcFirstLastPara="1" wrap="square" lIns="91425" tIns="91425" rIns="91425" bIns="91425" anchor="ctr" anchorCtr="0">
               <a:noAutofit/>
             </a:bodyPr>
             <a:lstStyle/>
             <a:p>
-              <a:pPr indent="0" lvl="0" marL="0" rtl="0" algn="l">
+              <a:pPr marL="0" lvl="0" indent="0" algn="l" rtl="0">
                 <a:spcBef>
                   <a:spcPts val="0"/>
                 </a:spcBef>
@@ -7352,9 +7286,6 @@
                 </a:spcAft>
                 <a:buNone/>
               </a:pPr>
-              <a:r>
-                <a:t/>
-              </a:r>
               <a:endParaRPr/>
             </a:p>
           </p:txBody>
@@ -7372,7 +7303,7 @@
             </a:xfrm>
             <a:prstGeom prst="diagStripe">
               <a:avLst>
-                <a:gd fmla="val 50000" name="adj"/>
+                <a:gd name="adj" fmla="val 50000"/>
               </a:avLst>
             </a:prstGeom>
             <a:solidFill>
@@ -7385,12 +7316,12 @@
             </a:ln>
           </p:spPr>
           <p:txBody>
-            <a:bodyPr anchorCtr="0" anchor="ctr" bIns="91425" lIns="91425" spcFirstLastPara="1" rIns="91425" wrap="square" tIns="91425">
+            <a:bodyPr spcFirstLastPara="1" wrap="square" lIns="91425" tIns="91425" rIns="91425" bIns="91425" anchor="ctr" anchorCtr="0">
               <a:noAutofit/>
             </a:bodyPr>
             <a:lstStyle/>
             <a:p>
-              <a:pPr indent="0" lvl="0" marL="0" rtl="0" algn="l">
+              <a:pPr marL="0" lvl="0" indent="0" algn="l" rtl="0">
                 <a:spcBef>
                   <a:spcPts val="0"/>
                 </a:spcBef>
@@ -7399,9 +7330,6 @@
                 </a:spcAft>
                 <a:buNone/>
               </a:pPr>
-              <a:r>
-                <a:t/>
-              </a:r>
               <a:endParaRPr/>
             </a:p>
           </p:txBody>
@@ -7419,7 +7347,7 @@
             </a:xfrm>
             <a:prstGeom prst="diagStripe">
               <a:avLst>
-                <a:gd fmla="val 50000" name="adj"/>
+                <a:gd name="adj" fmla="val 50000"/>
               </a:avLst>
             </a:prstGeom>
             <a:solidFill>
@@ -7432,12 +7360,12 @@
             </a:ln>
           </p:spPr>
           <p:txBody>
-            <a:bodyPr anchorCtr="0" anchor="ctr" bIns="91425" lIns="91425" spcFirstLastPara="1" rIns="91425" wrap="square" tIns="91425">
+            <a:bodyPr spcFirstLastPara="1" wrap="square" lIns="91425" tIns="91425" rIns="91425" bIns="91425" anchor="ctr" anchorCtr="0">
               <a:noAutofit/>
             </a:bodyPr>
             <a:lstStyle/>
             <a:p>
-              <a:pPr indent="0" lvl="0" marL="0" rtl="0" algn="l">
+              <a:pPr marL="0" lvl="0" indent="0" algn="l" rtl="0">
                 <a:spcBef>
                   <a:spcPts val="0"/>
                 </a:spcBef>
@@ -7446,9 +7374,6 @@
                 </a:spcAft>
                 <a:buNone/>
               </a:pPr>
-              <a:r>
-                <a:t/>
-              </a:r>
               <a:endParaRPr/>
             </a:p>
           </p:txBody>
@@ -7466,7 +7391,7 @@
             </a:xfrm>
             <a:prstGeom prst="diagStripe">
               <a:avLst>
-                <a:gd fmla="val 50000" name="adj"/>
+                <a:gd name="adj" fmla="val 50000"/>
               </a:avLst>
             </a:prstGeom>
             <a:solidFill>
@@ -7479,12 +7404,12 @@
             </a:ln>
           </p:spPr>
           <p:txBody>
-            <a:bodyPr anchorCtr="0" anchor="ctr" bIns="91425" lIns="91425" spcFirstLastPara="1" rIns="91425" wrap="square" tIns="91425">
+            <a:bodyPr spcFirstLastPara="1" wrap="square" lIns="91425" tIns="91425" rIns="91425" bIns="91425" anchor="ctr" anchorCtr="0">
               <a:noAutofit/>
             </a:bodyPr>
             <a:lstStyle/>
             <a:p>
-              <a:pPr indent="0" lvl="0" marL="0" rtl="0" algn="l">
+              <a:pPr marL="0" lvl="0" indent="0" algn="l" rtl="0">
                 <a:spcBef>
                   <a:spcPts val="0"/>
                 </a:spcBef>
@@ -7493,9 +7418,6 @@
                 </a:spcAft>
                 <a:buNone/>
               </a:pPr>
-              <a:r>
-                <a:t/>
-              </a:r>
               <a:endParaRPr/>
             </a:p>
           </p:txBody>
@@ -7504,7 +7426,9 @@
       <p:sp>
         <p:nvSpPr>
           <p:cNvPr id="89" name="Google Shape;89;p8"/>
-          <p:cNvSpPr txBox="1"/>
+          <p:cNvSpPr txBox="1">
+            <a:spLocks noGrp="1"/>
+          </p:cNvSpPr>
           <p:nvPr>
             <p:ph type="title"/>
           </p:nvPr>
@@ -7519,7 +7443,7 @@
           </a:prstGeom>
         </p:spPr>
         <p:txBody>
-          <a:bodyPr anchorCtr="0" anchor="ctr" bIns="91425" lIns="91425" spcFirstLastPara="1" rIns="91425" wrap="square" tIns="91425">
+          <a:bodyPr spcFirstLastPara="1" wrap="square" lIns="91425" tIns="91425" rIns="91425" bIns="91425" anchor="ctr" anchorCtr="0">
             <a:normAutofit/>
           </a:bodyPr>
           <a:lstStyle>
@@ -7623,15 +7547,19 @@
               <a:defRPr/>
             </a:lvl9pPr>
           </a:lstStyle>
-          <a:p/>
+          <a:p>
+            <a:endParaRPr/>
+          </a:p>
         </p:txBody>
       </p:sp>
       <p:sp>
         <p:nvSpPr>
           <p:cNvPr id="90" name="Google Shape;90;p8"/>
-          <p:cNvSpPr txBox="1"/>
+          <p:cNvSpPr txBox="1">
+            <a:spLocks noGrp="1"/>
+          </p:cNvSpPr>
           <p:nvPr>
-            <p:ph idx="12" type="sldNum"/>
+            <p:ph type="sldNum" idx="12"/>
           </p:nvPr>
         </p:nvSpPr>
         <p:spPr>
@@ -7644,7 +7572,7 @@
           </a:prstGeom>
         </p:spPr>
         <p:txBody>
-          <a:bodyPr anchorCtr="0" anchor="ctr" bIns="91425" lIns="91425" spcFirstLastPara="1" rIns="91425" wrap="square" tIns="91425">
+          <a:bodyPr spcFirstLastPara="1" wrap="square" lIns="91425" tIns="91425" rIns="91425" bIns="91425" anchor="ctr" anchorCtr="0">
             <a:normAutofit/>
           </a:bodyPr>
           <a:lstStyle>
@@ -7686,7 +7614,7 @@
             </a:lvl9pPr>
           </a:lstStyle>
           <a:p>
-            <a:pPr indent="0" lvl="0" marL="0" rtl="0" algn="r">
+            <a:pPr marL="0" lvl="0" indent="0" algn="r" rtl="0">
               <a:spcBef>
                 <a:spcPts val="0"/>
               </a:spcBef>
@@ -7712,11 +7640,11 @@
 </file>
 
 <file path=ppt/slideLayouts/slideLayout8.xml><?xml version="1.0" encoding="utf-8"?>
-<p:sldLayout xmlns:a="http://schemas.openxmlformats.org/drawingml/2006/main" xmlns:r="http://schemas.openxmlformats.org/officeDocument/2006/relationships" xmlns:mc="http://schemas.openxmlformats.org/markup-compatibility/2006" xmlns:mv="urn:schemas-microsoft-com:mac:vml" xmlns:p="http://schemas.openxmlformats.org/presentationml/2006/main" xmlns:c="http://schemas.openxmlformats.org/drawingml/2006/chart" xmlns:dgm="http://schemas.openxmlformats.org/drawingml/2006/diagram" xmlns:o="urn:schemas-microsoft-com:office:office" xmlns:v="urn:schemas-microsoft-com:vml" xmlns:pvml="urn:schemas-microsoft-com:office:powerpoint" xmlns:com="http://schemas.openxmlformats.org/drawingml/2006/compatibility" xmlns:p14="http://schemas.microsoft.com/office/powerpoint/2010/main" xmlns:p15="http://schemas.microsoft.com/office/powerpoint/2012/main" xmlns:ahyp="http://schemas.microsoft.com/office/drawing/2018/hyperlinkcolor" matchingName="Section title and description">
+<p:sldLayout xmlns:a="http://schemas.openxmlformats.org/drawingml/2006/main" xmlns:r="http://schemas.openxmlformats.org/officeDocument/2006/relationships" xmlns:p="http://schemas.openxmlformats.org/presentationml/2006/main" matchingName="Section title and description">
   <p:cSld name="SECTION_TITLE_AND_DESCRIPTION">
     <p:spTree>
       <p:nvGrpSpPr>
-        <p:cNvPr id="91" name="Shape 91"/>
+        <p:cNvPr id="1" name="Shape 91"/>
         <p:cNvGrpSpPr/>
         <p:nvPr/>
       </p:nvGrpSpPr>
@@ -7755,7 +7683,7 @@
             </a:xfrm>
             <a:prstGeom prst="diagStripe">
               <a:avLst>
-                <a:gd fmla="val 50000" name="adj"/>
+                <a:gd name="adj" fmla="val 50000"/>
               </a:avLst>
             </a:prstGeom>
             <a:solidFill>
@@ -7766,12 +7694,12 @@
             </a:ln>
           </p:spPr>
           <p:txBody>
-            <a:bodyPr anchorCtr="0" anchor="ctr" bIns="91425" lIns="91425" spcFirstLastPara="1" rIns="91425" wrap="square" tIns="91425">
+            <a:bodyPr spcFirstLastPara="1" wrap="square" lIns="91425" tIns="91425" rIns="91425" bIns="91425" anchor="ctr" anchorCtr="0">
               <a:noAutofit/>
             </a:bodyPr>
             <a:lstStyle/>
             <a:p>
-              <a:pPr indent="0" lvl="0" marL="0" rtl="0" algn="l">
+              <a:pPr marL="0" lvl="0" indent="0" algn="l" rtl="0">
                 <a:spcBef>
                   <a:spcPts val="0"/>
                 </a:spcBef>
@@ -7780,9 +7708,6 @@
                 </a:spcAft>
                 <a:buNone/>
               </a:pPr>
-              <a:r>
-                <a:t/>
-              </a:r>
               <a:endParaRPr/>
             </a:p>
           </p:txBody>
@@ -7800,7 +7725,7 @@
             </a:xfrm>
             <a:prstGeom prst="diagStripe">
               <a:avLst>
-                <a:gd fmla="val 50000" name="adj"/>
+                <a:gd name="adj" fmla="val 50000"/>
               </a:avLst>
             </a:prstGeom>
             <a:solidFill>
@@ -7811,12 +7736,12 @@
             </a:ln>
           </p:spPr>
           <p:txBody>
-            <a:bodyPr anchorCtr="0" anchor="ctr" bIns="91425" lIns="91425" spcFirstLastPara="1" rIns="91425" wrap="square" tIns="91425">
+            <a:bodyPr spcFirstLastPara="1" wrap="square" lIns="91425" tIns="91425" rIns="91425" bIns="91425" anchor="ctr" anchorCtr="0">
               <a:noAutofit/>
             </a:bodyPr>
             <a:lstStyle/>
             <a:p>
-              <a:pPr indent="0" lvl="0" marL="0" rtl="0" algn="l">
+              <a:pPr marL="0" lvl="0" indent="0" algn="l" rtl="0">
                 <a:spcBef>
                   <a:spcPts val="0"/>
                 </a:spcBef>
@@ -7825,9 +7750,6 @@
                 </a:spcAft>
                 <a:buNone/>
               </a:pPr>
-              <a:r>
-                <a:t/>
-              </a:r>
               <a:endParaRPr/>
             </a:p>
           </p:txBody>
@@ -7836,7 +7758,9 @@
       <p:sp>
         <p:nvSpPr>
           <p:cNvPr id="95" name="Google Shape;95;p9"/>
-          <p:cNvSpPr txBox="1"/>
+          <p:cNvSpPr txBox="1">
+            <a:spLocks noGrp="1"/>
+          </p:cNvSpPr>
           <p:nvPr>
             <p:ph type="title"/>
           </p:nvPr>
@@ -7851,7 +7775,7 @@
           </a:prstGeom>
         </p:spPr>
         <p:txBody>
-          <a:bodyPr anchorCtr="0" anchor="t" bIns="91425" lIns="91425" spcFirstLastPara="1" rIns="91425" wrap="square" tIns="91425">
+          <a:bodyPr spcFirstLastPara="1" wrap="square" lIns="91425" tIns="91425" rIns="91425" bIns="91425" anchor="t" anchorCtr="0">
             <a:normAutofit/>
           </a:bodyPr>
           <a:lstStyle>
@@ -7955,15 +7879,19 @@
               <a:defRPr sz="2400"/>
             </a:lvl9pPr>
           </a:lstStyle>
-          <a:p/>
+          <a:p>
+            <a:endParaRPr/>
+          </a:p>
         </p:txBody>
       </p:sp>
       <p:sp>
         <p:nvSpPr>
           <p:cNvPr id="96" name="Google Shape;96;p9"/>
-          <p:cNvSpPr txBox="1"/>
+          <p:cNvSpPr txBox="1">
+            <a:spLocks noGrp="1"/>
+          </p:cNvSpPr>
           <p:nvPr>
-            <p:ph idx="1" type="subTitle"/>
+            <p:ph type="subTitle" idx="1"/>
           </p:nvPr>
         </p:nvSpPr>
         <p:spPr>
@@ -7976,7 +7904,7 @@
           </a:prstGeom>
         </p:spPr>
         <p:txBody>
-          <a:bodyPr anchorCtr="0" anchor="t" bIns="91425" lIns="91425" spcFirstLastPara="1" rIns="91425" wrap="square" tIns="91425">
+          <a:bodyPr spcFirstLastPara="1" wrap="square" lIns="91425" tIns="91425" rIns="91425" bIns="91425" anchor="t" anchorCtr="0">
             <a:normAutofit/>
           </a:bodyPr>
           <a:lstStyle>
@@ -8107,15 +8035,19 @@
               <a:defRPr sz="1300"/>
             </a:lvl9pPr>
           </a:lstStyle>
-          <a:p/>
+          <a:p>
+            <a:endParaRPr/>
+          </a:p>
         </p:txBody>
       </p:sp>
       <p:sp>
         <p:nvSpPr>
           <p:cNvPr id="97" name="Google Shape;97;p9"/>
-          <p:cNvSpPr txBox="1"/>
+          <p:cNvSpPr txBox="1">
+            <a:spLocks noGrp="1"/>
+          </p:cNvSpPr>
           <p:nvPr>
-            <p:ph idx="2" type="body"/>
+            <p:ph type="body" idx="2"/>
           </p:nvPr>
         </p:nvSpPr>
         <p:spPr>
@@ -8128,11 +8060,11 @@
           </a:prstGeom>
         </p:spPr>
         <p:txBody>
-          <a:bodyPr anchorCtr="0" anchor="t" bIns="91425" lIns="91425" spcFirstLastPara="1" rIns="91425" wrap="square" tIns="91425">
+          <a:bodyPr spcFirstLastPara="1" wrap="square" lIns="91425" tIns="91425" rIns="91425" bIns="91425" anchor="t" anchorCtr="0">
             <a:normAutofit/>
           </a:bodyPr>
           <a:lstStyle>
-            <a:lvl1pPr indent="-311150" lvl="0" marL="457200">
+            <a:lvl1pPr marL="457200" lvl="0" indent="-311150">
               <a:spcBef>
                 <a:spcPts val="0"/>
               </a:spcBef>
@@ -8143,7 +8075,7 @@
               <a:buChar char="●"/>
               <a:defRPr/>
             </a:lvl1pPr>
-            <a:lvl2pPr indent="-298450" lvl="1" marL="914400">
+            <a:lvl2pPr marL="914400" lvl="1" indent="-298450">
               <a:spcBef>
                 <a:spcPts val="0"/>
               </a:spcBef>
@@ -8154,7 +8086,7 @@
               <a:buChar char="○"/>
               <a:defRPr/>
             </a:lvl2pPr>
-            <a:lvl3pPr indent="-298450" lvl="2" marL="1371600">
+            <a:lvl3pPr marL="1371600" lvl="2" indent="-298450">
               <a:spcBef>
                 <a:spcPts val="0"/>
               </a:spcBef>
@@ -8165,7 +8097,7 @@
               <a:buChar char="■"/>
               <a:defRPr/>
             </a:lvl3pPr>
-            <a:lvl4pPr indent="-298450" lvl="3" marL="1828800">
+            <a:lvl4pPr marL="1828800" lvl="3" indent="-298450">
               <a:spcBef>
                 <a:spcPts val="0"/>
               </a:spcBef>
@@ -8176,7 +8108,7 @@
               <a:buChar char="●"/>
               <a:defRPr/>
             </a:lvl4pPr>
-            <a:lvl5pPr indent="-298450" lvl="4" marL="2286000">
+            <a:lvl5pPr marL="2286000" lvl="4" indent="-298450">
               <a:spcBef>
                 <a:spcPts val="0"/>
               </a:spcBef>
@@ -8187,7 +8119,7 @@
               <a:buChar char="○"/>
               <a:defRPr/>
             </a:lvl5pPr>
-            <a:lvl6pPr indent="-298450" lvl="5" marL="2743200">
+            <a:lvl6pPr marL="2743200" lvl="5" indent="-298450">
               <a:spcBef>
                 <a:spcPts val="0"/>
               </a:spcBef>
@@ -8198,7 +8130,7 @@
               <a:buChar char="■"/>
               <a:defRPr/>
             </a:lvl6pPr>
-            <a:lvl7pPr indent="-298450" lvl="6" marL="3200400">
+            <a:lvl7pPr marL="3200400" lvl="6" indent="-298450">
               <a:spcBef>
                 <a:spcPts val="0"/>
               </a:spcBef>
@@ -8209,7 +8141,7 @@
               <a:buChar char="●"/>
               <a:defRPr/>
             </a:lvl7pPr>
-            <a:lvl8pPr indent="-298450" lvl="7" marL="3657600">
+            <a:lvl8pPr marL="3657600" lvl="7" indent="-298450">
               <a:spcBef>
                 <a:spcPts val="0"/>
               </a:spcBef>
@@ -8220,7 +8152,7 @@
               <a:buChar char="○"/>
               <a:defRPr/>
             </a:lvl8pPr>
-            <a:lvl9pPr indent="-298450" lvl="8" marL="4114800">
+            <a:lvl9pPr marL="4114800" lvl="8" indent="-298450">
               <a:spcBef>
                 <a:spcPts val="0"/>
               </a:spcBef>
@@ -8232,15 +8164,19 @@
               <a:defRPr/>
             </a:lvl9pPr>
           </a:lstStyle>
-          <a:p/>
+          <a:p>
+            <a:endParaRPr/>
+          </a:p>
         </p:txBody>
       </p:sp>
       <p:sp>
         <p:nvSpPr>
           <p:cNvPr id="98" name="Google Shape;98;p9"/>
-          <p:cNvSpPr txBox="1"/>
+          <p:cNvSpPr txBox="1">
+            <a:spLocks noGrp="1"/>
+          </p:cNvSpPr>
           <p:nvPr>
-            <p:ph idx="12" type="sldNum"/>
+            <p:ph type="sldNum" idx="12"/>
           </p:nvPr>
         </p:nvSpPr>
         <p:spPr>
@@ -8253,7 +8189,7 @@
           </a:prstGeom>
         </p:spPr>
         <p:txBody>
-          <a:bodyPr anchorCtr="0" anchor="ctr" bIns="91425" lIns="91425" spcFirstLastPara="1" rIns="91425" wrap="square" tIns="91425">
+          <a:bodyPr spcFirstLastPara="1" wrap="square" lIns="91425" tIns="91425" rIns="91425" bIns="91425" anchor="ctr" anchorCtr="0">
             <a:normAutofit/>
           </a:bodyPr>
           <a:lstStyle>
@@ -8295,7 +8231,7 @@
             </a:lvl9pPr>
           </a:lstStyle>
           <a:p>
-            <a:pPr indent="0" lvl="0" marL="0" rtl="0" algn="r">
+            <a:pPr marL="0" lvl="0" indent="0" algn="r" rtl="0">
               <a:spcBef>
                 <a:spcPts val="0"/>
               </a:spcBef>
@@ -8321,11 +8257,11 @@
 </file>
 
 <file path=ppt/slideLayouts/slideLayout9.xml><?xml version="1.0" encoding="utf-8"?>
-<p:sldLayout xmlns:a="http://schemas.openxmlformats.org/drawingml/2006/main" xmlns:r="http://schemas.openxmlformats.org/officeDocument/2006/relationships" xmlns:mc="http://schemas.openxmlformats.org/markup-compatibility/2006" xmlns:mv="urn:schemas-microsoft-com:mac:vml" xmlns:p="http://schemas.openxmlformats.org/presentationml/2006/main" xmlns:c="http://schemas.openxmlformats.org/drawingml/2006/chart" xmlns:dgm="http://schemas.openxmlformats.org/drawingml/2006/diagram" xmlns:o="urn:schemas-microsoft-com:office:office" xmlns:v="urn:schemas-microsoft-com:vml" xmlns:pvml="urn:schemas-microsoft-com:office:powerpoint" xmlns:com="http://schemas.openxmlformats.org/drawingml/2006/compatibility" xmlns:p14="http://schemas.microsoft.com/office/powerpoint/2010/main" xmlns:p15="http://schemas.microsoft.com/office/powerpoint/2012/main" xmlns:ahyp="http://schemas.microsoft.com/office/drawing/2018/hyperlinkcolor" matchingName="Caption">
+<p:sldLayout xmlns:a="http://schemas.openxmlformats.org/drawingml/2006/main" xmlns:r="http://schemas.openxmlformats.org/officeDocument/2006/relationships" xmlns:p="http://schemas.openxmlformats.org/presentationml/2006/main" matchingName="Caption">
   <p:cSld name="CAPTION_ONLY">
     <p:spTree>
       <p:nvGrpSpPr>
-        <p:cNvPr id="99" name="Shape 99"/>
+        <p:cNvPr id="1" name="Shape 99"/>
         <p:cNvGrpSpPr/>
         <p:nvPr/>
       </p:nvGrpSpPr>
@@ -8364,7 +8300,7 @@
             </a:xfrm>
             <a:prstGeom prst="diagStripe">
               <a:avLst>
-                <a:gd fmla="val 50000" name="adj"/>
+                <a:gd name="adj" fmla="val 50000"/>
               </a:avLst>
             </a:prstGeom>
             <a:solidFill>
@@ -8377,12 +8313,12 @@
             </a:ln>
           </p:spPr>
           <p:txBody>
-            <a:bodyPr anchorCtr="0" anchor="ctr" bIns="91425" lIns="91425" spcFirstLastPara="1" rIns="91425" wrap="square" tIns="91425">
+            <a:bodyPr spcFirstLastPara="1" wrap="square" lIns="91425" tIns="91425" rIns="91425" bIns="91425" anchor="ctr" anchorCtr="0">
               <a:noAutofit/>
             </a:bodyPr>
             <a:lstStyle/>
             <a:p>
-              <a:pPr indent="0" lvl="0" marL="0" rtl="0" algn="l">
+              <a:pPr marL="0" lvl="0" indent="0" algn="l" rtl="0">
                 <a:spcBef>
                   <a:spcPts val="0"/>
                 </a:spcBef>
@@ -8391,9 +8327,6 @@
                 </a:spcAft>
                 <a:buNone/>
               </a:pPr>
-              <a:r>
-                <a:t/>
-              </a:r>
               <a:endParaRPr/>
             </a:p>
           </p:txBody>
@@ -8411,7 +8344,7 @@
             </a:xfrm>
             <a:prstGeom prst="diagStripe">
               <a:avLst>
-                <a:gd fmla="val 50000" name="adj"/>
+                <a:gd name="adj" fmla="val 50000"/>
               </a:avLst>
             </a:prstGeom>
             <a:solidFill>
@@ -8424,12 +8357,12 @@
             </a:ln>
           </p:spPr>
           <p:txBody>
-            <a:bodyPr anchorCtr="0" anchor="ctr" bIns="91425" lIns="91425" spcFirstLastPara="1" rIns="91425" wrap="square" tIns="91425">
+            <a:bodyPr spcFirstLastPara="1" wrap="square" lIns="91425" tIns="91425" rIns="91425" bIns="91425" anchor="ctr" anchorCtr="0">
               <a:noAutofit/>
             </a:bodyPr>
             <a:lstStyle/>
             <a:p>
-              <a:pPr indent="0" lvl="0" marL="0" rtl="0" algn="l">
+              <a:pPr marL="0" lvl="0" indent="0" algn="l" rtl="0">
                 <a:spcBef>
                   <a:spcPts val="0"/>
                 </a:spcBef>
@@ -8438,9 +8371,6 @@
                 </a:spcAft>
                 <a:buNone/>
               </a:pPr>
-              <a:r>
-                <a:t/>
-              </a:r>
               <a:endParaRPr/>
             </a:p>
           </p:txBody>
@@ -8449,9 +8379,11 @@
       <p:sp>
         <p:nvSpPr>
           <p:cNvPr id="103" name="Google Shape;103;p10"/>
-          <p:cNvSpPr txBox="1"/>
+          <p:cNvSpPr txBox="1">
+            <a:spLocks noGrp="1"/>
+          </p:cNvSpPr>
           <p:nvPr>
-            <p:ph idx="1" type="body"/>
+            <p:ph type="body" idx="1"/>
           </p:nvPr>
         </p:nvSpPr>
         <p:spPr>
@@ -8464,11 +8396,11 @@
           </a:prstGeom>
         </p:spPr>
         <p:txBody>
-          <a:bodyPr anchorCtr="0" anchor="ctr" bIns="91425" lIns="91425" spcFirstLastPara="1" rIns="91425" wrap="square" tIns="91425">
+          <a:bodyPr spcFirstLastPara="1" wrap="square" lIns="91425" tIns="91425" rIns="91425" bIns="91425" anchor="ctr" anchorCtr="0">
             <a:normAutofit/>
           </a:bodyPr>
           <a:lstStyle>
-            <a:lvl1pPr indent="-228600" lvl="0" marL="457200">
+            <a:lvl1pPr marL="457200" lvl="0" indent="-228600">
               <a:lnSpc>
                 <a:spcPct val="100000"/>
               </a:lnSpc>
@@ -8483,15 +8415,19 @@
               <a:defRPr/>
             </a:lvl1pPr>
           </a:lstStyle>
-          <a:p/>
+          <a:p>
+            <a:endParaRPr/>
+          </a:p>
         </p:txBody>
       </p:sp>
       <p:sp>
         <p:nvSpPr>
           <p:cNvPr id="104" name="Google Shape;104;p10"/>
-          <p:cNvSpPr txBox="1"/>
+          <p:cNvSpPr txBox="1">
+            <a:spLocks noGrp="1"/>
+          </p:cNvSpPr>
           <p:nvPr>
-            <p:ph idx="12" type="sldNum"/>
+            <p:ph type="sldNum" idx="12"/>
           </p:nvPr>
         </p:nvSpPr>
         <p:spPr>
@@ -8504,7 +8440,7 @@
           </a:prstGeom>
         </p:spPr>
         <p:txBody>
-          <a:bodyPr anchorCtr="0" anchor="ctr" bIns="91425" lIns="91425" spcFirstLastPara="1" rIns="91425" wrap="square" tIns="91425">
+          <a:bodyPr spcFirstLastPara="1" wrap="square" lIns="91425" tIns="91425" rIns="91425" bIns="91425" anchor="ctr" anchorCtr="0">
             <a:normAutofit/>
           </a:bodyPr>
           <a:lstStyle>
@@ -8546,7 +8482,7 @@
             </a:lvl9pPr>
           </a:lstStyle>
           <a:p>
-            <a:pPr indent="0" lvl="0" marL="0" rtl="0" algn="r">
+            <a:pPr marL="0" lvl="0" indent="0" algn="r" rtl="0">
               <a:spcBef>
                 <a:spcPts val="0"/>
               </a:spcBef>
@@ -8572,18 +8508,19 @@
 </file>
 
 <file path=ppt/slideMasters/slideMaster1.xml><?xml version="1.0" encoding="utf-8"?>
-<p:sldMaster xmlns:a="http://schemas.openxmlformats.org/drawingml/2006/main" xmlns:r="http://schemas.openxmlformats.org/officeDocument/2006/relationships" xmlns:mc="http://schemas.openxmlformats.org/markup-compatibility/2006" xmlns:mv="urn:schemas-microsoft-com:mac:vml" xmlns:p="http://schemas.openxmlformats.org/presentationml/2006/main" xmlns:c="http://schemas.openxmlformats.org/drawingml/2006/chart" xmlns:dgm="http://schemas.openxmlformats.org/drawingml/2006/diagram" xmlns:o="urn:schemas-microsoft-com:office:office" xmlns:v="urn:schemas-microsoft-com:vml" xmlns:pvml="urn:schemas-microsoft-com:office:powerpoint" xmlns:com="http://schemas.openxmlformats.org/drawingml/2006/compatibility" xmlns:p14="http://schemas.microsoft.com/office/powerpoint/2010/main" xmlns:p15="http://schemas.microsoft.com/office/powerpoint/2012/main" xmlns:ahyp="http://schemas.microsoft.com/office/drawing/2018/hyperlinkcolor">
+<p:sldMaster xmlns:a="http://schemas.openxmlformats.org/drawingml/2006/main" xmlns:r="http://schemas.openxmlformats.org/officeDocument/2006/relationships" xmlns:p="http://schemas.openxmlformats.org/presentationml/2006/main">
   <p:cSld name="focus">
     <p:bg>
       <p:bgPr>
         <a:solidFill>
           <a:schemeClr val="dk1"/>
         </a:solidFill>
+        <a:effectLst/>
       </p:bgPr>
     </p:bg>
     <p:spTree>
       <p:nvGrpSpPr>
-        <p:cNvPr id="5" name="Shape 5"/>
+        <p:cNvPr id="1" name="Shape 5"/>
         <p:cNvGrpSpPr/>
         <p:nvPr/>
       </p:nvGrpSpPr>
@@ -8598,7 +8535,9 @@
       <p:sp>
         <p:nvSpPr>
           <p:cNvPr id="6" name="Google Shape;6;p1"/>
-          <p:cNvSpPr txBox="1"/>
+          <p:cNvSpPr txBox="1">
+            <a:spLocks noGrp="1"/>
+          </p:cNvSpPr>
           <p:nvPr>
             <p:ph type="title"/>
           </p:nvPr>
@@ -8617,7 +8556,7 @@
           </a:ln>
         </p:spPr>
         <p:txBody>
-          <a:bodyPr anchorCtr="0" anchor="t" bIns="91425" lIns="91425" spcFirstLastPara="1" rIns="91425" wrap="square" tIns="91425">
+          <a:bodyPr spcFirstLastPara="1" wrap="square" lIns="91425" tIns="91425" rIns="91425" bIns="91425" anchor="t" anchorCtr="0">
             <a:normAutofit/>
           </a:bodyPr>
           <a:lstStyle>
@@ -8829,15 +8768,19 @@
               </a:defRPr>
             </a:lvl9pPr>
           </a:lstStyle>
-          <a:p/>
+          <a:p>
+            <a:endParaRPr/>
+          </a:p>
         </p:txBody>
       </p:sp>
       <p:sp>
         <p:nvSpPr>
           <p:cNvPr id="7" name="Google Shape;7;p1"/>
-          <p:cNvSpPr txBox="1"/>
+          <p:cNvSpPr txBox="1">
+            <a:spLocks noGrp="1"/>
+          </p:cNvSpPr>
           <p:nvPr>
-            <p:ph idx="1" type="body"/>
+            <p:ph type="body" idx="1"/>
           </p:nvPr>
         </p:nvSpPr>
         <p:spPr>
@@ -8854,11 +8797,11 @@
           </a:ln>
         </p:spPr>
         <p:txBody>
-          <a:bodyPr anchorCtr="0" anchor="t" bIns="91425" lIns="91425" spcFirstLastPara="1" rIns="91425" wrap="square" tIns="91425">
+          <a:bodyPr spcFirstLastPara="1" wrap="square" lIns="91425" tIns="91425" rIns="91425" bIns="91425" anchor="t" anchorCtr="0">
             <a:normAutofit/>
           </a:bodyPr>
           <a:lstStyle>
-            <a:lvl1pPr indent="-311150" lvl="0" marL="457200">
+            <a:lvl1pPr marL="457200" lvl="0" indent="-311150">
               <a:lnSpc>
                 <a:spcPct val="115000"/>
               </a:lnSpc>
@@ -8884,7 +8827,7 @@
                 <a:sym typeface="Lato"/>
               </a:defRPr>
             </a:lvl1pPr>
-            <a:lvl2pPr indent="-298450" lvl="1" marL="914400">
+            <a:lvl2pPr marL="914400" lvl="1" indent="-298450">
               <a:lnSpc>
                 <a:spcPct val="115000"/>
               </a:lnSpc>
@@ -8910,7 +8853,7 @@
                 <a:sym typeface="Lato"/>
               </a:defRPr>
             </a:lvl2pPr>
-            <a:lvl3pPr indent="-298450" lvl="2" marL="1371600">
+            <a:lvl3pPr marL="1371600" lvl="2" indent="-298450">
               <a:lnSpc>
                 <a:spcPct val="115000"/>
               </a:lnSpc>
@@ -8936,7 +8879,7 @@
                 <a:sym typeface="Lato"/>
               </a:defRPr>
             </a:lvl3pPr>
-            <a:lvl4pPr indent="-298450" lvl="3" marL="1828800">
+            <a:lvl4pPr marL="1828800" lvl="3" indent="-298450">
               <a:lnSpc>
                 <a:spcPct val="115000"/>
               </a:lnSpc>
@@ -8962,7 +8905,7 @@
                 <a:sym typeface="Lato"/>
               </a:defRPr>
             </a:lvl4pPr>
-            <a:lvl5pPr indent="-298450" lvl="4" marL="2286000">
+            <a:lvl5pPr marL="2286000" lvl="4" indent="-298450">
               <a:lnSpc>
                 <a:spcPct val="115000"/>
               </a:lnSpc>
@@ -8988,7 +8931,7 @@
                 <a:sym typeface="Lato"/>
               </a:defRPr>
             </a:lvl5pPr>
-            <a:lvl6pPr indent="-298450" lvl="5" marL="2743200">
+            <a:lvl6pPr marL="2743200" lvl="5" indent="-298450">
               <a:lnSpc>
                 <a:spcPct val="115000"/>
               </a:lnSpc>
@@ -9014,7 +8957,7 @@
                 <a:sym typeface="Lato"/>
               </a:defRPr>
             </a:lvl6pPr>
-            <a:lvl7pPr indent="-298450" lvl="6" marL="3200400">
+            <a:lvl7pPr marL="3200400" lvl="6" indent="-298450">
               <a:lnSpc>
                 <a:spcPct val="115000"/>
               </a:lnSpc>
@@ -9040,7 +8983,7 @@
                 <a:sym typeface="Lato"/>
               </a:defRPr>
             </a:lvl7pPr>
-            <a:lvl8pPr indent="-298450" lvl="7" marL="3657600">
+            <a:lvl8pPr marL="3657600" lvl="7" indent="-298450">
               <a:lnSpc>
                 <a:spcPct val="115000"/>
               </a:lnSpc>
@@ -9066,7 +9009,7 @@
                 <a:sym typeface="Lato"/>
               </a:defRPr>
             </a:lvl8pPr>
-            <a:lvl9pPr indent="-298450" lvl="8" marL="4114800">
+            <a:lvl9pPr marL="4114800" lvl="8" indent="-298450">
               <a:lnSpc>
                 <a:spcPct val="115000"/>
               </a:lnSpc>
@@ -9093,15 +9036,19 @@
               </a:defRPr>
             </a:lvl9pPr>
           </a:lstStyle>
-          <a:p/>
+          <a:p>
+            <a:endParaRPr/>
+          </a:p>
         </p:txBody>
       </p:sp>
       <p:sp>
         <p:nvSpPr>
           <p:cNvPr id="8" name="Google Shape;8;p1"/>
-          <p:cNvSpPr txBox="1"/>
+          <p:cNvSpPr txBox="1">
+            <a:spLocks noGrp="1"/>
+          </p:cNvSpPr>
           <p:nvPr>
-            <p:ph idx="12" type="sldNum"/>
+            <p:ph type="sldNum" idx="12"/>
           </p:nvPr>
         </p:nvSpPr>
         <p:spPr>
@@ -9118,7 +9065,7 @@
           </a:ln>
         </p:spPr>
         <p:txBody>
-          <a:bodyPr anchorCtr="0" anchor="ctr" bIns="91425" lIns="91425" spcFirstLastPara="1" rIns="91425" wrap="square" tIns="91425">
+          <a:bodyPr spcFirstLastPara="1" wrap="square" lIns="91425" tIns="91425" rIns="91425" bIns="91425" anchor="ctr" anchorCtr="0">
             <a:normAutofit/>
           </a:bodyPr>
           <a:lstStyle>
@@ -9232,7 +9179,7 @@
             </a:lvl9pPr>
           </a:lstStyle>
           <a:p>
-            <a:pPr indent="0" lvl="0" marL="0" rtl="0" algn="r">
+            <a:pPr marL="0" lvl="0" indent="0" algn="r" rtl="0">
               <a:spcBef>
                 <a:spcPts val="0"/>
               </a:spcBef>
@@ -9251,7 +9198,7 @@
       </p:sp>
     </p:spTree>
   </p:cSld>
-  <p:clrMap accent1="accent1" accent2="accent2" accent3="accent3" accent4="accent4" accent5="accent5" accent6="accent6" bg1="lt1" bg2="dk2" tx1="dk1" tx2="lt2" folHlink="folHlink" hlink="hlink"/>
+  <p:clrMap bg1="lt1" tx1="dk1" bg2="dk2" tx2="lt2" accent1="accent1" accent2="accent2" accent3="accent3" accent4="accent4" accent5="accent5" accent6="accent6" hlink="hlink" folHlink="folHlink"/>
   <p:sldLayoutIdLst>
     <p:sldLayoutId id="2147483648" r:id="rId1"/>
     <p:sldLayoutId id="2147483649" r:id="rId2"/>
@@ -9265,10 +9212,10 @@
     <p:sldLayoutId id="2147483657" r:id="rId10"/>
     <p:sldLayoutId id="2147483658" r:id="rId11"/>
   </p:sldLayoutIdLst>
-  <p:hf dt="0" ftr="0" hdr="0" sldNum="0"/>
+  <p:hf sldNum="0" hdr="0" ftr="0" dt="0"/>
   <p:txStyles>
     <p:titleStyle>
-      <a:defPPr lvl="0" marR="0" rtl="0" algn="l">
+      <a:defPPr marR="0" lvl="0" algn="l" rtl="0">
         <a:lnSpc>
           <a:spcPct val="100000"/>
         </a:lnSpc>
@@ -9279,7 +9226,7 @@
           <a:spcPts val="0"/>
         </a:spcAft>
       </a:defPPr>
-      <a:lvl1pPr lvl="0" marR="0" rtl="0" algn="l">
+      <a:lvl1pPr marR="0" lvl="0" algn="l" rtl="0">
         <a:lnSpc>
           <a:spcPct val="100000"/>
         </a:lnSpc>
@@ -9293,7 +9240,7 @@
           <a:srgbClr val="000000"/>
         </a:buClr>
         <a:buFont typeface="Arial"/>
-        <a:defRPr b="0" i="0" sz="1400" u="none" cap="none" strike="noStrike">
+        <a:defRPr sz="1400" b="0" i="0" u="none" strike="noStrike" cap="none">
           <a:solidFill>
             <a:srgbClr val="000000"/>
           </a:solidFill>
@@ -9303,7 +9250,7 @@
           <a:sym typeface="Arial"/>
         </a:defRPr>
       </a:lvl1pPr>
-      <a:lvl2pPr lvl="1" marR="0" rtl="0" algn="l">
+      <a:lvl2pPr marR="0" lvl="1" algn="l" rtl="0">
         <a:lnSpc>
           <a:spcPct val="100000"/>
         </a:lnSpc>
@@ -9317,7 +9264,7 @@
           <a:srgbClr val="000000"/>
         </a:buClr>
         <a:buFont typeface="Arial"/>
-        <a:defRPr b="0" i="0" sz="1400" u="none" cap="none" strike="noStrike">
+        <a:defRPr sz="1400" b="0" i="0" u="none" strike="noStrike" cap="none">
           <a:solidFill>
             <a:srgbClr val="000000"/>
           </a:solidFill>
@@ -9327,7 +9274,7 @@
           <a:sym typeface="Arial"/>
         </a:defRPr>
       </a:lvl2pPr>
-      <a:lvl3pPr lvl="2" marR="0" rtl="0" algn="l">
+      <a:lvl3pPr marR="0" lvl="2" algn="l" rtl="0">
         <a:lnSpc>
           <a:spcPct val="100000"/>
         </a:lnSpc>
@@ -9341,7 +9288,7 @@
           <a:srgbClr val="000000"/>
         </a:buClr>
         <a:buFont typeface="Arial"/>
-        <a:defRPr b="0" i="0" sz="1400" u="none" cap="none" strike="noStrike">
+        <a:defRPr sz="1400" b="0" i="0" u="none" strike="noStrike" cap="none">
           <a:solidFill>
             <a:srgbClr val="000000"/>
           </a:solidFill>
@@ -9351,7 +9298,7 @@
           <a:sym typeface="Arial"/>
         </a:defRPr>
       </a:lvl3pPr>
-      <a:lvl4pPr lvl="3" marR="0" rtl="0" algn="l">
+      <a:lvl4pPr marR="0" lvl="3" algn="l" rtl="0">
         <a:lnSpc>
           <a:spcPct val="100000"/>
         </a:lnSpc>
@@ -9365,7 +9312,7 @@
           <a:srgbClr val="000000"/>
         </a:buClr>
         <a:buFont typeface="Arial"/>
-        <a:defRPr b="0" i="0" sz="1400" u="none" cap="none" strike="noStrike">
+        <a:defRPr sz="1400" b="0" i="0" u="none" strike="noStrike" cap="none">
           <a:solidFill>
             <a:srgbClr val="000000"/>
           </a:solidFill>
@@ -9375,7 +9322,7 @@
           <a:sym typeface="Arial"/>
         </a:defRPr>
       </a:lvl4pPr>
-      <a:lvl5pPr lvl="4" marR="0" rtl="0" algn="l">
+      <a:lvl5pPr marR="0" lvl="4" algn="l" rtl="0">
         <a:lnSpc>
           <a:spcPct val="100000"/>
         </a:lnSpc>
@@ -9389,7 +9336,7 @@
           <a:srgbClr val="000000"/>
         </a:buClr>
         <a:buFont typeface="Arial"/>
-        <a:defRPr b="0" i="0" sz="1400" u="none" cap="none" strike="noStrike">
+        <a:defRPr sz="1400" b="0" i="0" u="none" strike="noStrike" cap="none">
           <a:solidFill>
             <a:srgbClr val="000000"/>
           </a:solidFill>
@@ -9399,7 +9346,7 @@
           <a:sym typeface="Arial"/>
         </a:defRPr>
       </a:lvl5pPr>
-      <a:lvl6pPr lvl="5" marR="0" rtl="0" algn="l">
+      <a:lvl6pPr marR="0" lvl="5" algn="l" rtl="0">
         <a:lnSpc>
           <a:spcPct val="100000"/>
         </a:lnSpc>
@@ -9413,7 +9360,7 @@
           <a:srgbClr val="000000"/>
         </a:buClr>
         <a:buFont typeface="Arial"/>
-        <a:defRPr b="0" i="0" sz="1400" u="none" cap="none" strike="noStrike">
+        <a:defRPr sz="1400" b="0" i="0" u="none" strike="noStrike" cap="none">
           <a:solidFill>
             <a:srgbClr val="000000"/>
           </a:solidFill>
@@ -9423,7 +9370,7 @@
           <a:sym typeface="Arial"/>
         </a:defRPr>
       </a:lvl6pPr>
-      <a:lvl7pPr lvl="6" marR="0" rtl="0" algn="l">
+      <a:lvl7pPr marR="0" lvl="6" algn="l" rtl="0">
         <a:lnSpc>
           <a:spcPct val="100000"/>
         </a:lnSpc>
@@ -9437,7 +9384,7 @@
           <a:srgbClr val="000000"/>
         </a:buClr>
         <a:buFont typeface="Arial"/>
-        <a:defRPr b="0" i="0" sz="1400" u="none" cap="none" strike="noStrike">
+        <a:defRPr sz="1400" b="0" i="0" u="none" strike="noStrike" cap="none">
           <a:solidFill>
             <a:srgbClr val="000000"/>
           </a:solidFill>
@@ -9447,7 +9394,7 @@
           <a:sym typeface="Arial"/>
         </a:defRPr>
       </a:lvl7pPr>
-      <a:lvl8pPr lvl="7" marR="0" rtl="0" algn="l">
+      <a:lvl8pPr marR="0" lvl="7" algn="l" rtl="0">
         <a:lnSpc>
           <a:spcPct val="100000"/>
         </a:lnSpc>
@@ -9461,7 +9408,7 @@
           <a:srgbClr val="000000"/>
         </a:buClr>
         <a:buFont typeface="Arial"/>
-        <a:defRPr b="0" i="0" sz="1400" u="none" cap="none" strike="noStrike">
+        <a:defRPr sz="1400" b="0" i="0" u="none" strike="noStrike" cap="none">
           <a:solidFill>
             <a:srgbClr val="000000"/>
           </a:solidFill>
@@ -9471,7 +9418,7 @@
           <a:sym typeface="Arial"/>
         </a:defRPr>
       </a:lvl8pPr>
-      <a:lvl9pPr lvl="8" marR="0" rtl="0" algn="l">
+      <a:lvl9pPr marR="0" lvl="8" algn="l" rtl="0">
         <a:lnSpc>
           <a:spcPct val="100000"/>
         </a:lnSpc>
@@ -9485,7 +9432,7 @@
           <a:srgbClr val="000000"/>
         </a:buClr>
         <a:buFont typeface="Arial"/>
-        <a:defRPr b="0" i="0" sz="1400" u="none" cap="none" strike="noStrike">
+        <a:defRPr sz="1400" b="0" i="0" u="none" strike="noStrike" cap="none">
           <a:solidFill>
             <a:srgbClr val="000000"/>
           </a:solidFill>
@@ -9497,7 +9444,7 @@
       </a:lvl9pPr>
     </p:titleStyle>
     <p:bodyStyle>
-      <a:defPPr lvl="0" marR="0" rtl="0" algn="l">
+      <a:defPPr marR="0" lvl="0" algn="l" rtl="0">
         <a:lnSpc>
           <a:spcPct val="100000"/>
         </a:lnSpc>
@@ -9508,7 +9455,7 @@
           <a:spcPts val="0"/>
         </a:spcAft>
       </a:defPPr>
-      <a:lvl1pPr lvl="0" marR="0" rtl="0" algn="l">
+      <a:lvl1pPr marR="0" lvl="0" algn="l" rtl="0">
         <a:lnSpc>
           <a:spcPct val="100000"/>
         </a:lnSpc>
@@ -9522,7 +9469,7 @@
           <a:srgbClr val="000000"/>
         </a:buClr>
         <a:buFont typeface="Arial"/>
-        <a:defRPr b="0" i="0" sz="1400" u="none" cap="none" strike="noStrike">
+        <a:defRPr sz="1400" b="0" i="0" u="none" strike="noStrike" cap="none">
           <a:solidFill>
             <a:srgbClr val="000000"/>
           </a:solidFill>
@@ -9532,7 +9479,7 @@
           <a:sym typeface="Arial"/>
         </a:defRPr>
       </a:lvl1pPr>
-      <a:lvl2pPr lvl="1" marR="0" rtl="0" algn="l">
+      <a:lvl2pPr marR="0" lvl="1" algn="l" rtl="0">
         <a:lnSpc>
           <a:spcPct val="100000"/>
         </a:lnSpc>
@@ -9546,7 +9493,7 @@
           <a:srgbClr val="000000"/>
         </a:buClr>
         <a:buFont typeface="Arial"/>
-        <a:defRPr b="0" i="0" sz="1400" u="none" cap="none" strike="noStrike">
+        <a:defRPr sz="1400" b="0" i="0" u="none" strike="noStrike" cap="none">
           <a:solidFill>
             <a:srgbClr val="000000"/>
           </a:solidFill>
@@ -9556,7 +9503,7 @@
           <a:sym typeface="Arial"/>
         </a:defRPr>
       </a:lvl2pPr>
-      <a:lvl3pPr lvl="2" marR="0" rtl="0" algn="l">
+      <a:lvl3pPr marR="0" lvl="2" algn="l" rtl="0">
         <a:lnSpc>
           <a:spcPct val="100000"/>
         </a:lnSpc>
@@ -9570,7 +9517,7 @@
           <a:srgbClr val="000000"/>
         </a:buClr>
         <a:buFont typeface="Arial"/>
-        <a:defRPr b="0" i="0" sz="1400" u="none" cap="none" strike="noStrike">
+        <a:defRPr sz="1400" b="0" i="0" u="none" strike="noStrike" cap="none">
           <a:solidFill>
             <a:srgbClr val="000000"/>
           </a:solidFill>
@@ -9580,7 +9527,7 @@
           <a:sym typeface="Arial"/>
         </a:defRPr>
       </a:lvl3pPr>
-      <a:lvl4pPr lvl="3" marR="0" rtl="0" algn="l">
+      <a:lvl4pPr marR="0" lvl="3" algn="l" rtl="0">
         <a:lnSpc>
           <a:spcPct val="100000"/>
         </a:lnSpc>
@@ -9594,7 +9541,7 @@
           <a:srgbClr val="000000"/>
         </a:buClr>
         <a:buFont typeface="Arial"/>
-        <a:defRPr b="0" i="0" sz="1400" u="none" cap="none" strike="noStrike">
+        <a:defRPr sz="1400" b="0" i="0" u="none" strike="noStrike" cap="none">
           <a:solidFill>
             <a:srgbClr val="000000"/>
           </a:solidFill>
@@ -9604,7 +9551,7 @@
           <a:sym typeface="Arial"/>
         </a:defRPr>
       </a:lvl4pPr>
-      <a:lvl5pPr lvl="4" marR="0" rtl="0" algn="l">
+      <a:lvl5pPr marR="0" lvl="4" algn="l" rtl="0">
         <a:lnSpc>
           <a:spcPct val="100000"/>
         </a:lnSpc>
@@ -9618,7 +9565,7 @@
           <a:srgbClr val="000000"/>
         </a:buClr>
         <a:buFont typeface="Arial"/>
-        <a:defRPr b="0" i="0" sz="1400" u="none" cap="none" strike="noStrike">
+        <a:defRPr sz="1400" b="0" i="0" u="none" strike="noStrike" cap="none">
           <a:solidFill>
             <a:srgbClr val="000000"/>
           </a:solidFill>
@@ -9628,7 +9575,7 @@
           <a:sym typeface="Arial"/>
         </a:defRPr>
       </a:lvl5pPr>
-      <a:lvl6pPr lvl="5" marR="0" rtl="0" algn="l">
+      <a:lvl6pPr marR="0" lvl="5" algn="l" rtl="0">
         <a:lnSpc>
           <a:spcPct val="100000"/>
         </a:lnSpc>
@@ -9642,7 +9589,7 @@
           <a:srgbClr val="000000"/>
         </a:buClr>
         <a:buFont typeface="Arial"/>
-        <a:defRPr b="0" i="0" sz="1400" u="none" cap="none" strike="noStrike">
+        <a:defRPr sz="1400" b="0" i="0" u="none" strike="noStrike" cap="none">
           <a:solidFill>
             <a:srgbClr val="000000"/>
           </a:solidFill>
@@ -9652,7 +9599,7 @@
           <a:sym typeface="Arial"/>
         </a:defRPr>
       </a:lvl6pPr>
-      <a:lvl7pPr lvl="6" marR="0" rtl="0" algn="l">
+      <a:lvl7pPr marR="0" lvl="6" algn="l" rtl="0">
         <a:lnSpc>
           <a:spcPct val="100000"/>
         </a:lnSpc>
@@ -9666,7 +9613,7 @@
           <a:srgbClr val="000000"/>
         </a:buClr>
         <a:buFont typeface="Arial"/>
-        <a:defRPr b="0" i="0" sz="1400" u="none" cap="none" strike="noStrike">
+        <a:defRPr sz="1400" b="0" i="0" u="none" strike="noStrike" cap="none">
           <a:solidFill>
             <a:srgbClr val="000000"/>
           </a:solidFill>
@@ -9676,7 +9623,7 @@
           <a:sym typeface="Arial"/>
         </a:defRPr>
       </a:lvl7pPr>
-      <a:lvl8pPr lvl="7" marR="0" rtl="0" algn="l">
+      <a:lvl8pPr marR="0" lvl="7" algn="l" rtl="0">
         <a:lnSpc>
           <a:spcPct val="100000"/>
         </a:lnSpc>
@@ -9690,7 +9637,7 @@
           <a:srgbClr val="000000"/>
         </a:buClr>
         <a:buFont typeface="Arial"/>
-        <a:defRPr b="0" i="0" sz="1400" u="none" cap="none" strike="noStrike">
+        <a:defRPr sz="1400" b="0" i="0" u="none" strike="noStrike" cap="none">
           <a:solidFill>
             <a:srgbClr val="000000"/>
           </a:solidFill>
@@ -9700,7 +9647,7 @@
           <a:sym typeface="Arial"/>
         </a:defRPr>
       </a:lvl8pPr>
-      <a:lvl9pPr lvl="8" marR="0" rtl="0" algn="l">
+      <a:lvl9pPr marR="0" lvl="8" algn="l" rtl="0">
         <a:lnSpc>
           <a:spcPct val="100000"/>
         </a:lnSpc>
@@ -9714,7 +9661,7 @@
           <a:srgbClr val="000000"/>
         </a:buClr>
         <a:buFont typeface="Arial"/>
-        <a:defRPr b="0" i="0" sz="1400" u="none" cap="none" strike="noStrike">
+        <a:defRPr sz="1400" b="0" i="0" u="none" strike="noStrike" cap="none">
           <a:solidFill>
             <a:srgbClr val="000000"/>
           </a:solidFill>
@@ -9726,7 +9673,7 @@
       </a:lvl9pPr>
     </p:bodyStyle>
     <p:otherStyle>
-      <a:defPPr lvl="0" marR="0" rtl="0" algn="l">
+      <a:defPPr marR="0" lvl="0" algn="l" rtl="0">
         <a:lnSpc>
           <a:spcPct val="100000"/>
         </a:lnSpc>
@@ -9737,7 +9684,7 @@
           <a:spcPts val="0"/>
         </a:spcAft>
       </a:defPPr>
-      <a:lvl1pPr lvl="0" marR="0" rtl="0" algn="l">
+      <a:lvl1pPr marR="0" lvl="0" algn="l" rtl="0">
         <a:lnSpc>
           <a:spcPct val="100000"/>
         </a:lnSpc>
@@ -9751,7 +9698,7 @@
           <a:srgbClr val="000000"/>
         </a:buClr>
         <a:buFont typeface="Arial"/>
-        <a:defRPr b="0" i="0" sz="1400" u="none" cap="none" strike="noStrike">
+        <a:defRPr sz="1400" b="0" i="0" u="none" strike="noStrike" cap="none">
           <a:solidFill>
             <a:srgbClr val="000000"/>
           </a:solidFill>
@@ -9761,7 +9708,7 @@
           <a:sym typeface="Arial"/>
         </a:defRPr>
       </a:lvl1pPr>
-      <a:lvl2pPr lvl="1" marR="0" rtl="0" algn="l">
+      <a:lvl2pPr marR="0" lvl="1" algn="l" rtl="0">
         <a:lnSpc>
           <a:spcPct val="100000"/>
         </a:lnSpc>
@@ -9775,7 +9722,7 @@
           <a:srgbClr val="000000"/>
         </a:buClr>
         <a:buFont typeface="Arial"/>
-        <a:defRPr b="0" i="0" sz="1400" u="none" cap="none" strike="noStrike">
+        <a:defRPr sz="1400" b="0" i="0" u="none" strike="noStrike" cap="none">
           <a:solidFill>
             <a:srgbClr val="000000"/>
           </a:solidFill>
@@ -9785,7 +9732,7 @@
           <a:sym typeface="Arial"/>
         </a:defRPr>
       </a:lvl2pPr>
-      <a:lvl3pPr lvl="2" marR="0" rtl="0" algn="l">
+      <a:lvl3pPr marR="0" lvl="2" algn="l" rtl="0">
         <a:lnSpc>
           <a:spcPct val="100000"/>
         </a:lnSpc>
@@ -9799,7 +9746,7 @@
           <a:srgbClr val="000000"/>
         </a:buClr>
         <a:buFont typeface="Arial"/>
-        <a:defRPr b="0" i="0" sz="1400" u="none" cap="none" strike="noStrike">
+        <a:defRPr sz="1400" b="0" i="0" u="none" strike="noStrike" cap="none">
           <a:solidFill>
             <a:srgbClr val="000000"/>
           </a:solidFill>
@@ -9809,7 +9756,7 @@
           <a:sym typeface="Arial"/>
         </a:defRPr>
       </a:lvl3pPr>
-      <a:lvl4pPr lvl="3" marR="0" rtl="0" algn="l">
+      <a:lvl4pPr marR="0" lvl="3" algn="l" rtl="0">
         <a:lnSpc>
           <a:spcPct val="100000"/>
         </a:lnSpc>
@@ -9823,7 +9770,7 @@
           <a:srgbClr val="000000"/>
         </a:buClr>
         <a:buFont typeface="Arial"/>
-        <a:defRPr b="0" i="0" sz="1400" u="none" cap="none" strike="noStrike">
+        <a:defRPr sz="1400" b="0" i="0" u="none" strike="noStrike" cap="none">
           <a:solidFill>
             <a:srgbClr val="000000"/>
           </a:solidFill>
@@ -9833,7 +9780,7 @@
           <a:sym typeface="Arial"/>
         </a:defRPr>
       </a:lvl4pPr>
-      <a:lvl5pPr lvl="4" marR="0" rtl="0" algn="l">
+      <a:lvl5pPr marR="0" lvl="4" algn="l" rtl="0">
         <a:lnSpc>
           <a:spcPct val="100000"/>
         </a:lnSpc>
@@ -9847,7 +9794,7 @@
           <a:srgbClr val="000000"/>
         </a:buClr>
         <a:buFont typeface="Arial"/>
-        <a:defRPr b="0" i="0" sz="1400" u="none" cap="none" strike="noStrike">
+        <a:defRPr sz="1400" b="0" i="0" u="none" strike="noStrike" cap="none">
           <a:solidFill>
             <a:srgbClr val="000000"/>
           </a:solidFill>
@@ -9857,7 +9804,7 @@
           <a:sym typeface="Arial"/>
         </a:defRPr>
       </a:lvl5pPr>
-      <a:lvl6pPr lvl="5" marR="0" rtl="0" algn="l">
+      <a:lvl6pPr marR="0" lvl="5" algn="l" rtl="0">
         <a:lnSpc>
           <a:spcPct val="100000"/>
         </a:lnSpc>
@@ -9871,7 +9818,7 @@
           <a:srgbClr val="000000"/>
         </a:buClr>
         <a:buFont typeface="Arial"/>
-        <a:defRPr b="0" i="0" sz="1400" u="none" cap="none" strike="noStrike">
+        <a:defRPr sz="1400" b="0" i="0" u="none" strike="noStrike" cap="none">
           <a:solidFill>
             <a:srgbClr val="000000"/>
           </a:solidFill>
@@ -9881,7 +9828,7 @@
           <a:sym typeface="Arial"/>
         </a:defRPr>
       </a:lvl6pPr>
-      <a:lvl7pPr lvl="6" marR="0" rtl="0" algn="l">
+      <a:lvl7pPr marR="0" lvl="6" algn="l" rtl="0">
         <a:lnSpc>
           <a:spcPct val="100000"/>
         </a:lnSpc>
@@ -9895,7 +9842,7 @@
           <a:srgbClr val="000000"/>
         </a:buClr>
         <a:buFont typeface="Arial"/>
-        <a:defRPr b="0" i="0" sz="1400" u="none" cap="none" strike="noStrike">
+        <a:defRPr sz="1400" b="0" i="0" u="none" strike="noStrike" cap="none">
           <a:solidFill>
             <a:srgbClr val="000000"/>
           </a:solidFill>
@@ -9905,7 +9852,7 @@
           <a:sym typeface="Arial"/>
         </a:defRPr>
       </a:lvl7pPr>
-      <a:lvl8pPr lvl="7" marR="0" rtl="0" algn="l">
+      <a:lvl8pPr marR="0" lvl="7" algn="l" rtl="0">
         <a:lnSpc>
           <a:spcPct val="100000"/>
         </a:lnSpc>
@@ -9919,7 +9866,7 @@
           <a:srgbClr val="000000"/>
         </a:buClr>
         <a:buFont typeface="Arial"/>
-        <a:defRPr b="0" i="0" sz="1400" u="none" cap="none" strike="noStrike">
+        <a:defRPr sz="1400" b="0" i="0" u="none" strike="noStrike" cap="none">
           <a:solidFill>
             <a:srgbClr val="000000"/>
           </a:solidFill>
@@ -9929,7 +9876,7 @@
           <a:sym typeface="Arial"/>
         </a:defRPr>
       </a:lvl8pPr>
-      <a:lvl9pPr lvl="8" marR="0" rtl="0" algn="l">
+      <a:lvl9pPr marR="0" lvl="8" algn="l" rtl="0">
         <a:lnSpc>
           <a:spcPct val="100000"/>
         </a:lnSpc>
@@ -9943,7 +9890,7 @@
           <a:srgbClr val="000000"/>
         </a:buClr>
         <a:buFont typeface="Arial"/>
-        <a:defRPr b="0" i="0" sz="1400" u="none" cap="none" strike="noStrike">
+        <a:defRPr sz="1400" b="0" i="0" u="none" strike="noStrike" cap="none">
           <a:solidFill>
             <a:srgbClr val="000000"/>
           </a:solidFill>
@@ -9959,11 +9906,11 @@
 </file>
 
 <file path=ppt/slides/slide1.xml><?xml version="1.0" encoding="utf-8"?>
-<p:sld xmlns:a="http://schemas.openxmlformats.org/drawingml/2006/main" xmlns:r="http://schemas.openxmlformats.org/officeDocument/2006/relationships" xmlns:mc="http://schemas.openxmlformats.org/markup-compatibility/2006" xmlns:mv="urn:schemas-microsoft-com:mac:vml" xmlns:p="http://schemas.openxmlformats.org/presentationml/2006/main" xmlns:c="http://schemas.openxmlformats.org/drawingml/2006/chart" xmlns:dgm="http://schemas.openxmlformats.org/drawingml/2006/diagram" xmlns:o="urn:schemas-microsoft-com:office:office" xmlns:v="urn:schemas-microsoft-com:vml" xmlns:pvml="urn:schemas-microsoft-com:office:powerpoint" xmlns:com="http://schemas.openxmlformats.org/drawingml/2006/compatibility" xmlns:p14="http://schemas.microsoft.com/office/powerpoint/2010/main" xmlns:p15="http://schemas.microsoft.com/office/powerpoint/2012/main" xmlns:ahyp="http://schemas.microsoft.com/office/drawing/2018/hyperlinkcolor">
+<p:sld xmlns:a="http://schemas.openxmlformats.org/drawingml/2006/main" xmlns:r="http://schemas.openxmlformats.org/officeDocument/2006/relationships" xmlns:p="http://schemas.openxmlformats.org/presentationml/2006/main">
   <p:cSld>
     <p:spTree>
       <p:nvGrpSpPr>
-        <p:cNvPr id="133" name="Shape 133"/>
+        <p:cNvPr id="1" name="Shape 133"/>
         <p:cNvGrpSpPr/>
         <p:nvPr/>
       </p:nvGrpSpPr>
@@ -9978,7 +9925,9 @@
       <p:sp>
         <p:nvSpPr>
           <p:cNvPr id="134" name="Google Shape;134;p13"/>
-          <p:cNvSpPr txBox="1"/>
+          <p:cNvSpPr txBox="1">
+            <a:spLocks noGrp="1"/>
+          </p:cNvSpPr>
           <p:nvPr>
             <p:ph type="ctrTitle"/>
           </p:nvPr>
@@ -9993,12 +9942,12 @@
           </a:prstGeom>
         </p:spPr>
         <p:txBody>
-          <a:bodyPr anchorCtr="0" anchor="t" bIns="91425" lIns="91425" spcFirstLastPara="1" rIns="91425" wrap="square" tIns="91425">
+          <a:bodyPr spcFirstLastPara="1" wrap="square" lIns="91425" tIns="91425" rIns="91425" bIns="91425" anchor="t" anchorCtr="0">
             <a:normAutofit fontScale="90000"/>
           </a:bodyPr>
           <a:lstStyle/>
           <a:p>
-            <a:pPr indent="0" lvl="0" marL="0" rtl="0" algn="l">
+            <a:pPr marL="0" lvl="0" indent="0" algn="l" rtl="0">
               <a:spcBef>
                 <a:spcPts val="0"/>
               </a:spcBef>
@@ -10018,9 +9967,11 @@
       <p:sp>
         <p:nvSpPr>
           <p:cNvPr id="135" name="Google Shape;135;p13"/>
-          <p:cNvSpPr txBox="1"/>
+          <p:cNvSpPr txBox="1">
+            <a:spLocks noGrp="1"/>
+          </p:cNvSpPr>
           <p:nvPr>
-            <p:ph idx="1" type="subTitle"/>
+            <p:ph type="subTitle" idx="1"/>
           </p:nvPr>
         </p:nvSpPr>
         <p:spPr>
@@ -10033,12 +9984,12 @@
           </a:prstGeom>
         </p:spPr>
         <p:txBody>
-          <a:bodyPr anchorCtr="0" anchor="t" bIns="91425" lIns="91425" spcFirstLastPara="1" rIns="91425" wrap="square" tIns="91425">
+          <a:bodyPr spcFirstLastPara="1" wrap="square" lIns="91425" tIns="91425" rIns="91425" bIns="91425" anchor="t" anchorCtr="0">
             <a:noAutofit/>
           </a:bodyPr>
           <a:lstStyle/>
           <a:p>
-            <a:pPr indent="0" lvl="0" marL="0" rtl="0" algn="l">
+            <a:pPr marL="0" lvl="0" indent="0" algn="l" rtl="0">
               <a:spcBef>
                 <a:spcPts val="0"/>
               </a:spcBef>
@@ -10055,7 +10006,7 @@
             <a:endParaRPr sz="817"/>
           </a:p>
           <a:p>
-            <a:pPr indent="0" lvl="0" marL="0" rtl="0" algn="l">
+            <a:pPr marL="0" lvl="0" indent="0" algn="l" rtl="0">
               <a:spcBef>
                 <a:spcPts val="0"/>
               </a:spcBef>
@@ -10065,13 +10016,10 @@
               <a:buSzPts val="523"/>
               <a:buNone/>
             </a:pPr>
-            <a:r>
-              <a:t/>
-            </a:r>
             <a:endParaRPr sz="817"/>
           </a:p>
           <a:p>
-            <a:pPr indent="0" lvl="0" marL="0" rtl="0" algn="l">
+            <a:pPr marL="0" lvl="0" indent="0" algn="l" rtl="0">
               <a:spcBef>
                 <a:spcPts val="0"/>
               </a:spcBef>
@@ -10081,9 +10029,6 @@
               <a:buSzPts val="523"/>
               <a:buNone/>
             </a:pPr>
-            <a:r>
-              <a:t/>
-            </a:r>
             <a:endParaRPr sz="817"/>
           </a:p>
         </p:txBody>
@@ -10097,11 +10042,11 @@
 </file>
 
 <file path=ppt/slides/slide2.xml><?xml version="1.0" encoding="utf-8"?>
-<p:sld xmlns:a="http://schemas.openxmlformats.org/drawingml/2006/main" xmlns:r="http://schemas.openxmlformats.org/officeDocument/2006/relationships" xmlns:mc="http://schemas.openxmlformats.org/markup-compatibility/2006" xmlns:mv="urn:schemas-microsoft-com:mac:vml" xmlns:p="http://schemas.openxmlformats.org/presentationml/2006/main" xmlns:c="http://schemas.openxmlformats.org/drawingml/2006/chart" xmlns:dgm="http://schemas.openxmlformats.org/drawingml/2006/diagram" xmlns:o="urn:schemas-microsoft-com:office:office" xmlns:v="urn:schemas-microsoft-com:vml" xmlns:pvml="urn:schemas-microsoft-com:office:powerpoint" xmlns:com="http://schemas.openxmlformats.org/drawingml/2006/compatibility" xmlns:p14="http://schemas.microsoft.com/office/powerpoint/2010/main" xmlns:p15="http://schemas.microsoft.com/office/powerpoint/2012/main" xmlns:ahyp="http://schemas.microsoft.com/office/drawing/2018/hyperlinkcolor">
+<p:sld xmlns:a="http://schemas.openxmlformats.org/drawingml/2006/main" xmlns:r="http://schemas.openxmlformats.org/officeDocument/2006/relationships" xmlns:p="http://schemas.openxmlformats.org/presentationml/2006/main">
   <p:cSld>
     <p:spTree>
       <p:nvGrpSpPr>
-        <p:cNvPr id="139" name="Shape 139"/>
+        <p:cNvPr id="1" name="Shape 139"/>
         <p:cNvGrpSpPr/>
         <p:nvPr/>
       </p:nvGrpSpPr>
@@ -10116,7 +10061,9 @@
       <p:sp>
         <p:nvSpPr>
           <p:cNvPr id="140" name="Google Shape;140;p14"/>
-          <p:cNvSpPr txBox="1"/>
+          <p:cNvSpPr txBox="1">
+            <a:spLocks noGrp="1"/>
+          </p:cNvSpPr>
           <p:nvPr>
             <p:ph type="title"/>
           </p:nvPr>
@@ -10131,12 +10078,12 @@
           </a:prstGeom>
         </p:spPr>
         <p:txBody>
-          <a:bodyPr anchorCtr="0" anchor="t" bIns="91425" lIns="91425" spcFirstLastPara="1" rIns="91425" wrap="square" tIns="91425">
+          <a:bodyPr spcFirstLastPara="1" wrap="square" lIns="91425" tIns="91425" rIns="91425" bIns="91425" anchor="t" anchorCtr="0">
             <a:normAutofit fontScale="90000"/>
           </a:bodyPr>
           <a:lstStyle/>
           <a:p>
-            <a:pPr indent="0" lvl="0" marL="0" rtl="0" algn="ctr">
+            <a:pPr marL="0" lvl="0" indent="0" algn="ctr" rtl="0">
               <a:spcBef>
                 <a:spcPts val="0"/>
               </a:spcBef>
@@ -10152,7 +10099,7 @@
             <a:endParaRPr/>
           </a:p>
           <a:p>
-            <a:pPr indent="0" lvl="0" marL="0" rtl="0" algn="l">
+            <a:pPr marL="0" lvl="0" indent="0" algn="l" rtl="0">
               <a:spcBef>
                 <a:spcPts val="0"/>
               </a:spcBef>
@@ -10161,9 +10108,6 @@
               </a:spcAft>
               <a:buNone/>
             </a:pPr>
-            <a:r>
-              <a:t/>
-            </a:r>
             <a:endParaRPr/>
           </a:p>
         </p:txBody>
@@ -10171,9 +10115,11 @@
       <p:sp>
         <p:nvSpPr>
           <p:cNvPr id="141" name="Google Shape;141;p14"/>
-          <p:cNvSpPr txBox="1"/>
+          <p:cNvSpPr txBox="1">
+            <a:spLocks noGrp="1"/>
+          </p:cNvSpPr>
           <p:nvPr>
-            <p:ph idx="1" type="body"/>
+            <p:ph type="body" idx="1"/>
           </p:nvPr>
         </p:nvSpPr>
         <p:spPr>
@@ -10186,12 +10132,12 @@
           </a:prstGeom>
         </p:spPr>
         <p:txBody>
-          <a:bodyPr anchorCtr="0" anchor="t" bIns="91425" lIns="91425" spcFirstLastPara="1" rIns="91425" wrap="square" tIns="91425">
+          <a:bodyPr spcFirstLastPara="1" wrap="square" lIns="91425" tIns="91425" rIns="91425" bIns="91425" anchor="t" anchorCtr="0">
             <a:normAutofit/>
           </a:bodyPr>
           <a:lstStyle/>
           <a:p>
-            <a:pPr indent="-311150" lvl="0" marL="457200" rtl="0" algn="l">
+            <a:pPr marL="457200" lvl="0" indent="-311150" algn="l" rtl="0">
               <a:spcBef>
                 <a:spcPts val="0"/>
               </a:spcBef>
@@ -10218,7 +10164,7 @@
             </a:endParaRPr>
           </a:p>
           <a:p>
-            <a:pPr indent="-298450" lvl="0" marL="457200" rtl="0" algn="l">
+            <a:pPr marL="457200" lvl="0" indent="-298450" algn="l" rtl="0">
               <a:spcBef>
                 <a:spcPts val="0"/>
               </a:spcBef>
@@ -10246,7 +10192,7 @@
             </a:endParaRPr>
           </a:p>
           <a:p>
-            <a:pPr indent="-298450" lvl="1" marL="914400" rtl="0" algn="l">
+            <a:pPr marL="914400" lvl="1" indent="-298450" algn="l" rtl="0">
               <a:spcBef>
                 <a:spcPts val="0"/>
               </a:spcBef>
@@ -10274,7 +10220,7 @@
             </a:endParaRPr>
           </a:p>
           <a:p>
-            <a:pPr indent="-298450" lvl="1" marL="914400" rtl="0" algn="l">
+            <a:pPr marL="914400" lvl="1" indent="-298450" algn="l" rtl="0">
               <a:spcBef>
                 <a:spcPts val="0"/>
               </a:spcBef>
@@ -10302,7 +10248,7 @@
             </a:endParaRPr>
           </a:p>
           <a:p>
-            <a:pPr indent="-298450" lvl="1" marL="914400" rtl="0" algn="l">
+            <a:pPr marL="914400" lvl="1" indent="-298450" algn="l" rtl="0">
               <a:spcBef>
                 <a:spcPts val="0"/>
               </a:spcBef>
@@ -10330,7 +10276,7 @@
             </a:endParaRPr>
           </a:p>
           <a:p>
-            <a:pPr indent="-298450" lvl="1" marL="914400" rtl="0" algn="l">
+            <a:pPr marL="914400" lvl="1" indent="-298450" algn="l" rtl="0">
               <a:spcBef>
                 <a:spcPts val="0"/>
               </a:spcBef>
@@ -10368,11 +10314,11 @@
 </file>
 
 <file path=ppt/slides/slide3.xml><?xml version="1.0" encoding="utf-8"?>
-<p:sld xmlns:a="http://schemas.openxmlformats.org/drawingml/2006/main" xmlns:r="http://schemas.openxmlformats.org/officeDocument/2006/relationships" xmlns:mc="http://schemas.openxmlformats.org/markup-compatibility/2006" xmlns:mv="urn:schemas-microsoft-com:mac:vml" xmlns:p="http://schemas.openxmlformats.org/presentationml/2006/main" xmlns:c="http://schemas.openxmlformats.org/drawingml/2006/chart" xmlns:dgm="http://schemas.openxmlformats.org/drawingml/2006/diagram" xmlns:o="urn:schemas-microsoft-com:office:office" xmlns:v="urn:schemas-microsoft-com:vml" xmlns:pvml="urn:schemas-microsoft-com:office:powerpoint" xmlns:com="http://schemas.openxmlformats.org/drawingml/2006/compatibility" xmlns:p14="http://schemas.microsoft.com/office/powerpoint/2010/main" xmlns:p15="http://schemas.microsoft.com/office/powerpoint/2012/main" xmlns:ahyp="http://schemas.microsoft.com/office/drawing/2018/hyperlinkcolor">
+<p:sld xmlns:a="http://schemas.openxmlformats.org/drawingml/2006/main" xmlns:r="http://schemas.openxmlformats.org/officeDocument/2006/relationships" xmlns:p="http://schemas.openxmlformats.org/presentationml/2006/main">
   <p:cSld>
     <p:spTree>
       <p:nvGrpSpPr>
-        <p:cNvPr id="145" name="Shape 145"/>
+        <p:cNvPr id="1" name="Shape 145"/>
         <p:cNvGrpSpPr/>
         <p:nvPr/>
       </p:nvGrpSpPr>
@@ -10387,7 +10333,9 @@
       <p:sp>
         <p:nvSpPr>
           <p:cNvPr id="146" name="Google Shape;146;p15"/>
-          <p:cNvSpPr txBox="1"/>
+          <p:cNvSpPr txBox="1">
+            <a:spLocks noGrp="1"/>
+          </p:cNvSpPr>
           <p:nvPr>
             <p:ph type="title"/>
           </p:nvPr>
@@ -10402,12 +10350,12 @@
           </a:prstGeom>
         </p:spPr>
         <p:txBody>
-          <a:bodyPr anchorCtr="0" anchor="t" bIns="91425" lIns="91425" spcFirstLastPara="1" rIns="91425" wrap="square" tIns="91425">
+          <a:bodyPr spcFirstLastPara="1" wrap="square" lIns="91425" tIns="91425" rIns="91425" bIns="91425" anchor="t" anchorCtr="0">
             <a:normAutofit/>
           </a:bodyPr>
           <a:lstStyle/>
           <a:p>
-            <a:pPr indent="0" lvl="0" marL="0" rtl="0" algn="ctr">
+            <a:pPr marL="0" lvl="0" indent="0" algn="ctr" rtl="0">
               <a:spcBef>
                 <a:spcPts val="0"/>
               </a:spcBef>
@@ -10427,9 +10375,11 @@
       <p:sp>
         <p:nvSpPr>
           <p:cNvPr id="147" name="Google Shape;147;p15"/>
-          <p:cNvSpPr txBox="1"/>
+          <p:cNvSpPr txBox="1">
+            <a:spLocks noGrp="1"/>
+          </p:cNvSpPr>
           <p:nvPr>
-            <p:ph idx="1" type="body"/>
+            <p:ph type="body" idx="1"/>
           </p:nvPr>
         </p:nvSpPr>
         <p:spPr>
@@ -10442,12 +10392,12 @@
           </a:prstGeom>
         </p:spPr>
         <p:txBody>
-          <a:bodyPr anchorCtr="0" anchor="t" bIns="91425" lIns="91425" spcFirstLastPara="1" rIns="91425" wrap="square" tIns="91425">
+          <a:bodyPr spcFirstLastPara="1" wrap="square" lIns="91425" tIns="91425" rIns="91425" bIns="91425" anchor="t" anchorCtr="0">
             <a:normAutofit/>
           </a:bodyPr>
           <a:lstStyle/>
           <a:p>
-            <a:pPr indent="-311150" lvl="0" marL="457200" rtl="0" algn="l">
+            <a:pPr marL="457200" lvl="0" indent="-311150" algn="l" rtl="0">
               <a:spcBef>
                 <a:spcPts val="0"/>
               </a:spcBef>
@@ -10475,7 +10425,7 @@
             </a:endParaRPr>
           </a:p>
           <a:p>
-            <a:pPr indent="-298450" lvl="1" marL="914400" rtl="0" algn="l">
+            <a:pPr marL="914400" lvl="1" indent="-298450" algn="l" rtl="0">
               <a:spcBef>
                 <a:spcPts val="0"/>
               </a:spcBef>
@@ -10503,7 +10453,7 @@
             </a:endParaRPr>
           </a:p>
           <a:p>
-            <a:pPr indent="-298450" lvl="1" marL="914400" rtl="0" algn="l">
+            <a:pPr marL="914400" lvl="1" indent="-298450" algn="l" rtl="0">
               <a:spcBef>
                 <a:spcPts val="0"/>
               </a:spcBef>
@@ -10531,7 +10481,7 @@
             </a:endParaRPr>
           </a:p>
           <a:p>
-            <a:pPr indent="-298450" lvl="1" marL="914400" rtl="0" algn="l">
+            <a:pPr marL="914400" lvl="1" indent="-298450" algn="l" rtl="0">
               <a:spcBef>
                 <a:spcPts val="0"/>
               </a:spcBef>
@@ -10559,7 +10509,7 @@
             </a:endParaRPr>
           </a:p>
           <a:p>
-            <a:pPr indent="-298450" lvl="1" marL="914400" rtl="0" algn="l">
+            <a:pPr marL="914400" lvl="1" indent="-298450" algn="l" rtl="0">
               <a:spcBef>
                 <a:spcPts val="0"/>
               </a:spcBef>
@@ -10587,7 +10537,7 @@
             </a:endParaRPr>
           </a:p>
           <a:p>
-            <a:pPr indent="-311150" lvl="0" marL="457200" rtl="0" algn="l">
+            <a:pPr marL="457200" lvl="0" indent="-311150" algn="l" rtl="0">
               <a:spcBef>
                 <a:spcPts val="0"/>
               </a:spcBef>
@@ -10615,7 +10565,7 @@
             </a:endParaRPr>
           </a:p>
           <a:p>
-            <a:pPr indent="-298450" lvl="1" marL="914400" rtl="0" algn="l">
+            <a:pPr marL="914400" lvl="1" indent="-298450" algn="l" rtl="0">
               <a:spcBef>
                 <a:spcPts val="0"/>
               </a:spcBef>
@@ -10643,7 +10593,7 @@
             </a:endParaRPr>
           </a:p>
           <a:p>
-            <a:pPr indent="-298450" lvl="1" marL="914400" rtl="0" algn="l">
+            <a:pPr marL="914400" lvl="1" indent="-298450" algn="l" rtl="0">
               <a:spcBef>
                 <a:spcPts val="0"/>
               </a:spcBef>
@@ -10671,7 +10621,7 @@
             </a:endParaRPr>
           </a:p>
           <a:p>
-            <a:pPr indent="-298450" lvl="1" marL="914400" rtl="0" algn="l">
+            <a:pPr marL="914400" lvl="1" indent="-298450" algn="l" rtl="0">
               <a:spcBef>
                 <a:spcPts val="0"/>
               </a:spcBef>
@@ -10709,11 +10659,11 @@
 </file>
 
 <file path=ppt/slides/slide4.xml><?xml version="1.0" encoding="utf-8"?>
-<p:sld xmlns:a="http://schemas.openxmlformats.org/drawingml/2006/main" xmlns:r="http://schemas.openxmlformats.org/officeDocument/2006/relationships" xmlns:mc="http://schemas.openxmlformats.org/markup-compatibility/2006" xmlns:mv="urn:schemas-microsoft-com:mac:vml" xmlns:p="http://schemas.openxmlformats.org/presentationml/2006/main" xmlns:c="http://schemas.openxmlformats.org/drawingml/2006/chart" xmlns:dgm="http://schemas.openxmlformats.org/drawingml/2006/diagram" xmlns:o="urn:schemas-microsoft-com:office:office" xmlns:v="urn:schemas-microsoft-com:vml" xmlns:pvml="urn:schemas-microsoft-com:office:powerpoint" xmlns:com="http://schemas.openxmlformats.org/drawingml/2006/compatibility" xmlns:p14="http://schemas.microsoft.com/office/powerpoint/2010/main" xmlns:p15="http://schemas.microsoft.com/office/powerpoint/2012/main" xmlns:ahyp="http://schemas.microsoft.com/office/drawing/2018/hyperlinkcolor">
+<p:sld xmlns:a="http://schemas.openxmlformats.org/drawingml/2006/main" xmlns:r="http://schemas.openxmlformats.org/officeDocument/2006/relationships" xmlns:p="http://schemas.openxmlformats.org/presentationml/2006/main">
   <p:cSld>
     <p:spTree>
       <p:nvGrpSpPr>
-        <p:cNvPr id="151" name="Shape 151"/>
+        <p:cNvPr id="1" name="Shape 151"/>
         <p:cNvGrpSpPr/>
         <p:nvPr/>
       </p:nvGrpSpPr>
@@ -10728,7 +10678,9 @@
       <p:sp>
         <p:nvSpPr>
           <p:cNvPr id="152" name="Google Shape;152;p16"/>
-          <p:cNvSpPr txBox="1"/>
+          <p:cNvSpPr txBox="1">
+            <a:spLocks noGrp="1"/>
+          </p:cNvSpPr>
           <p:nvPr>
             <p:ph type="title"/>
           </p:nvPr>
@@ -10743,12 +10695,12 @@
           </a:prstGeom>
         </p:spPr>
         <p:txBody>
-          <a:bodyPr anchorCtr="0" anchor="t" bIns="91425" lIns="91425" spcFirstLastPara="1" rIns="91425" wrap="square" tIns="91425">
+          <a:bodyPr spcFirstLastPara="1" wrap="square" lIns="91425" tIns="91425" rIns="91425" bIns="91425" anchor="t" anchorCtr="0">
             <a:normAutofit/>
           </a:bodyPr>
           <a:lstStyle/>
           <a:p>
-            <a:pPr indent="0" lvl="0" marL="0" rtl="0" algn="ctr">
+            <a:pPr marL="0" lvl="0" indent="0" algn="ctr" rtl="0">
               <a:spcBef>
                 <a:spcPts val="0"/>
               </a:spcBef>
@@ -10768,9 +10720,11 @@
       <p:sp>
         <p:nvSpPr>
           <p:cNvPr id="153" name="Google Shape;153;p16"/>
-          <p:cNvSpPr txBox="1"/>
+          <p:cNvSpPr txBox="1">
+            <a:spLocks noGrp="1"/>
+          </p:cNvSpPr>
           <p:nvPr>
-            <p:ph idx="1" type="body"/>
+            <p:ph type="body" idx="1"/>
           </p:nvPr>
         </p:nvSpPr>
         <p:spPr>
@@ -10783,12 +10737,12 @@
           </a:prstGeom>
         </p:spPr>
         <p:txBody>
-          <a:bodyPr anchorCtr="0" anchor="t" bIns="91425" lIns="91425" spcFirstLastPara="1" rIns="91425" wrap="square" tIns="91425">
+          <a:bodyPr spcFirstLastPara="1" wrap="square" lIns="91425" tIns="91425" rIns="91425" bIns="91425" anchor="t" anchorCtr="0">
             <a:normAutofit/>
           </a:bodyPr>
           <a:lstStyle/>
           <a:p>
-            <a:pPr indent="0" lvl="0" marL="0" rtl="0" algn="l">
+            <a:pPr marL="0" lvl="0" indent="0" algn="l" rtl="0">
               <a:spcBef>
                 <a:spcPts val="0"/>
               </a:spcBef>
@@ -10798,9 +10752,62 @@
               <a:buNone/>
             </a:pPr>
             <a:r>
-              <a:t/>
+              <a:rPr lang="en-US" dirty="0"/>
+              <a:t>Weather:</a:t>
             </a:r>
-            <a:endParaRPr/>
+          </a:p>
+          <a:p>
+            <a:pPr marL="285750" indent="-285750">
+              <a:spcAft>
+                <a:spcPts val="1200"/>
+              </a:spcAft>
+            </a:pPr>
+            <a:r>
+              <a:rPr lang="en-US" dirty="0"/>
+              <a:t>Found/created Covid csv</a:t>
+            </a:r>
+          </a:p>
+          <a:p>
+            <a:pPr marL="285750" indent="-285750">
+              <a:spcAft>
+                <a:spcPts val="1200"/>
+              </a:spcAft>
+            </a:pPr>
+            <a:r>
+              <a:rPr lang="en-US" dirty="0"/>
+              <a:t>Made list of random counties, merged latitude</a:t>
+            </a:r>
+          </a:p>
+          <a:p>
+            <a:pPr marL="285750" indent="-285750">
+              <a:spcAft>
+                <a:spcPts val="1200"/>
+              </a:spcAft>
+            </a:pPr>
+            <a:r>
+              <a:rPr lang="en-US" dirty="0"/>
+              <a:t>Made call for past “” days from oikolab.com Weather API per county and merged all data</a:t>
+            </a:r>
+          </a:p>
+          <a:p>
+            <a:pPr marL="285750" indent="-285750">
+              <a:spcAft>
+                <a:spcPts val="1200"/>
+              </a:spcAft>
+            </a:pPr>
+            <a:r>
+              <a:rPr lang="en-US" dirty="0"/>
+              <a:t>Graphed result</a:t>
+            </a:r>
+          </a:p>
+          <a:p>
+            <a:pPr marL="0" indent="0">
+              <a:spcAft>
+                <a:spcPts val="1200"/>
+              </a:spcAft>
+              <a:buNone/>
+            </a:pPr>
+            <a:endParaRPr lang="en-US" dirty="0"/>
           </a:p>
         </p:txBody>
       </p:sp>
@@ -10813,11 +10820,11 @@
 </file>
 
 <file path=ppt/slides/slide5.xml><?xml version="1.0" encoding="utf-8"?>
-<p:sld xmlns:a="http://schemas.openxmlformats.org/drawingml/2006/main" xmlns:r="http://schemas.openxmlformats.org/officeDocument/2006/relationships" xmlns:mc="http://schemas.openxmlformats.org/markup-compatibility/2006" xmlns:mv="urn:schemas-microsoft-com:mac:vml" xmlns:p="http://schemas.openxmlformats.org/presentationml/2006/main" xmlns:c="http://schemas.openxmlformats.org/drawingml/2006/chart" xmlns:dgm="http://schemas.openxmlformats.org/drawingml/2006/diagram" xmlns:o="urn:schemas-microsoft-com:office:office" xmlns:v="urn:schemas-microsoft-com:vml" xmlns:pvml="urn:schemas-microsoft-com:office:powerpoint" xmlns:com="http://schemas.openxmlformats.org/drawingml/2006/compatibility" xmlns:p14="http://schemas.microsoft.com/office/powerpoint/2010/main" xmlns:p15="http://schemas.microsoft.com/office/powerpoint/2012/main" xmlns:ahyp="http://schemas.microsoft.com/office/drawing/2018/hyperlinkcolor">
+<p:sld xmlns:a="http://schemas.openxmlformats.org/drawingml/2006/main" xmlns:r="http://schemas.openxmlformats.org/officeDocument/2006/relationships" xmlns:p="http://schemas.openxmlformats.org/presentationml/2006/main">
   <p:cSld>
     <p:spTree>
       <p:nvGrpSpPr>
-        <p:cNvPr id="157" name="Shape 157"/>
+        <p:cNvPr id="1" name="Shape 157"/>
         <p:cNvGrpSpPr/>
         <p:nvPr/>
       </p:nvGrpSpPr>
@@ -10832,7 +10839,9 @@
       <p:sp>
         <p:nvSpPr>
           <p:cNvPr id="158" name="Google Shape;158;p17"/>
-          <p:cNvSpPr txBox="1"/>
+          <p:cNvSpPr txBox="1">
+            <a:spLocks noGrp="1"/>
+          </p:cNvSpPr>
           <p:nvPr>
             <p:ph type="title"/>
           </p:nvPr>
@@ -10847,12 +10856,12 @@
           </a:prstGeom>
         </p:spPr>
         <p:txBody>
-          <a:bodyPr anchorCtr="0" anchor="t" bIns="91425" lIns="91425" spcFirstLastPara="1" rIns="91425" wrap="square" tIns="91425">
+          <a:bodyPr spcFirstLastPara="1" wrap="square" lIns="91425" tIns="91425" rIns="91425" bIns="91425" anchor="t" anchorCtr="0">
             <a:normAutofit/>
           </a:bodyPr>
           <a:lstStyle/>
           <a:p>
-            <a:pPr indent="0" lvl="0" marL="0" rtl="0" algn="ctr">
+            <a:pPr marL="0" lvl="0" indent="0" algn="ctr" rtl="0">
               <a:spcBef>
                 <a:spcPts val="0"/>
               </a:spcBef>
@@ -10872,9 +10881,11 @@
       <p:sp>
         <p:nvSpPr>
           <p:cNvPr id="159" name="Google Shape;159;p17"/>
-          <p:cNvSpPr txBox="1"/>
+          <p:cNvSpPr txBox="1">
+            <a:spLocks noGrp="1"/>
+          </p:cNvSpPr>
           <p:nvPr>
-            <p:ph idx="1" type="body"/>
+            <p:ph type="body" idx="1"/>
           </p:nvPr>
         </p:nvSpPr>
         <p:spPr>
@@ -10887,12 +10898,12 @@
           </a:prstGeom>
         </p:spPr>
         <p:txBody>
-          <a:bodyPr anchorCtr="0" anchor="t" bIns="91425" lIns="91425" spcFirstLastPara="1" rIns="91425" wrap="square" tIns="91425">
+          <a:bodyPr spcFirstLastPara="1" wrap="square" lIns="91425" tIns="91425" rIns="91425" bIns="91425" anchor="t" anchorCtr="0">
             <a:normAutofit/>
           </a:bodyPr>
           <a:lstStyle/>
           <a:p>
-            <a:pPr indent="0" lvl="0" marL="0" rtl="0" algn="l">
+            <a:pPr marL="0" lvl="0" indent="0" algn="l" rtl="0">
               <a:spcBef>
                 <a:spcPts val="0"/>
               </a:spcBef>
@@ -10901,10 +10912,7 @@
               </a:spcAft>
               <a:buNone/>
             </a:pPr>
-            <a:r>
-              <a:t/>
-            </a:r>
-            <a:endParaRPr/>
+            <a:endParaRPr dirty="0"/>
           </a:p>
         </p:txBody>
       </p:sp>
@@ -10917,11 +10925,11 @@
 </file>
 
 <file path=ppt/slides/slide6.xml><?xml version="1.0" encoding="utf-8"?>
-<p:sld xmlns:a="http://schemas.openxmlformats.org/drawingml/2006/main" xmlns:r="http://schemas.openxmlformats.org/officeDocument/2006/relationships" xmlns:mc="http://schemas.openxmlformats.org/markup-compatibility/2006" xmlns:mv="urn:schemas-microsoft-com:mac:vml" xmlns:p="http://schemas.openxmlformats.org/presentationml/2006/main" xmlns:c="http://schemas.openxmlformats.org/drawingml/2006/chart" xmlns:dgm="http://schemas.openxmlformats.org/drawingml/2006/diagram" xmlns:o="urn:schemas-microsoft-com:office:office" xmlns:v="urn:schemas-microsoft-com:vml" xmlns:pvml="urn:schemas-microsoft-com:office:powerpoint" xmlns:com="http://schemas.openxmlformats.org/drawingml/2006/compatibility" xmlns:p14="http://schemas.microsoft.com/office/powerpoint/2010/main" xmlns:p15="http://schemas.microsoft.com/office/powerpoint/2012/main" xmlns:ahyp="http://schemas.microsoft.com/office/drawing/2018/hyperlinkcolor">
+<p:sld xmlns:a="http://schemas.openxmlformats.org/drawingml/2006/main" xmlns:r="http://schemas.openxmlformats.org/officeDocument/2006/relationships" xmlns:p="http://schemas.openxmlformats.org/presentationml/2006/main">
   <p:cSld>
     <p:spTree>
       <p:nvGrpSpPr>
-        <p:cNvPr id="163" name="Shape 163"/>
+        <p:cNvPr id="1" name="Shape 163"/>
         <p:cNvGrpSpPr/>
         <p:nvPr/>
       </p:nvGrpSpPr>
@@ -10936,7 +10944,9 @@
       <p:sp>
         <p:nvSpPr>
           <p:cNvPr id="164" name="Google Shape;164;p18"/>
-          <p:cNvSpPr txBox="1"/>
+          <p:cNvSpPr txBox="1">
+            <a:spLocks noGrp="1"/>
+          </p:cNvSpPr>
           <p:nvPr>
             <p:ph type="title"/>
           </p:nvPr>
@@ -10951,12 +10961,12 @@
           </a:prstGeom>
         </p:spPr>
         <p:txBody>
-          <a:bodyPr anchorCtr="0" anchor="t" bIns="91425" lIns="91425" spcFirstLastPara="1" rIns="91425" wrap="square" tIns="91425">
+          <a:bodyPr spcFirstLastPara="1" wrap="square" lIns="91425" tIns="91425" rIns="91425" bIns="91425" anchor="t" anchorCtr="0">
             <a:normAutofit/>
           </a:bodyPr>
           <a:lstStyle/>
           <a:p>
-            <a:pPr indent="0" lvl="0" marL="0" rtl="0" algn="ctr">
+            <a:pPr marL="0" lvl="0" indent="0" algn="ctr" rtl="0">
               <a:spcBef>
                 <a:spcPts val="0"/>
               </a:spcBef>
@@ -10976,9 +10986,11 @@
       <p:sp>
         <p:nvSpPr>
           <p:cNvPr id="165" name="Google Shape;165;p18"/>
-          <p:cNvSpPr txBox="1"/>
+          <p:cNvSpPr txBox="1">
+            <a:spLocks noGrp="1"/>
+          </p:cNvSpPr>
           <p:nvPr>
-            <p:ph idx="1" type="body"/>
+            <p:ph type="body" idx="1"/>
           </p:nvPr>
         </p:nvSpPr>
         <p:spPr>
@@ -10991,12 +11003,12 @@
           </a:prstGeom>
         </p:spPr>
         <p:txBody>
-          <a:bodyPr anchorCtr="0" anchor="t" bIns="91425" lIns="91425" spcFirstLastPara="1" rIns="91425" wrap="square" tIns="91425">
+          <a:bodyPr spcFirstLastPara="1" wrap="square" lIns="91425" tIns="91425" rIns="91425" bIns="91425" anchor="t" anchorCtr="0">
             <a:normAutofit/>
           </a:bodyPr>
           <a:lstStyle/>
           <a:p>
-            <a:pPr indent="-311150" lvl="0" marL="457200" rtl="0" algn="l">
+            <a:pPr marL="457200" lvl="0" indent="-311150" algn="l" rtl="0">
               <a:spcBef>
                 <a:spcPts val="0"/>
               </a:spcBef>
@@ -11013,7 +11025,7 @@
             <a:endParaRPr/>
           </a:p>
           <a:p>
-            <a:pPr indent="-298450" lvl="1" marL="914400" rtl="0" algn="l">
+            <a:pPr marL="914400" lvl="1" indent="-298450" algn="l" rtl="0">
               <a:spcBef>
                 <a:spcPts val="0"/>
               </a:spcBef>
@@ -11030,7 +11042,7 @@
             <a:endParaRPr/>
           </a:p>
           <a:p>
-            <a:pPr indent="-298450" lvl="1" marL="914400" rtl="0" algn="l">
+            <a:pPr marL="914400" lvl="1" indent="-298450" algn="l" rtl="0">
               <a:spcBef>
                 <a:spcPts val="0"/>
               </a:spcBef>
@@ -11047,7 +11059,7 @@
             <a:endParaRPr/>
           </a:p>
           <a:p>
-            <a:pPr indent="-298450" lvl="1" marL="914400" rtl="0" algn="l">
+            <a:pPr marL="914400" lvl="1" indent="-298450" algn="l" rtl="0">
               <a:spcBef>
                 <a:spcPts val="0"/>
               </a:spcBef>
@@ -11064,7 +11076,7 @@
             <a:endParaRPr/>
           </a:p>
           <a:p>
-            <a:pPr indent="-298450" lvl="1" marL="914400" rtl="0" algn="l">
+            <a:pPr marL="914400" lvl="1" indent="-298450" algn="l" rtl="0">
               <a:spcBef>
                 <a:spcPts val="0"/>
               </a:spcBef>
@@ -11091,11 +11103,11 @@
 </file>
 
 <file path=ppt/slides/slide7.xml><?xml version="1.0" encoding="utf-8"?>
-<p:sld xmlns:a="http://schemas.openxmlformats.org/drawingml/2006/main" xmlns:r="http://schemas.openxmlformats.org/officeDocument/2006/relationships" xmlns:mc="http://schemas.openxmlformats.org/markup-compatibility/2006" xmlns:mv="urn:schemas-microsoft-com:mac:vml" xmlns:p="http://schemas.openxmlformats.org/presentationml/2006/main" xmlns:c="http://schemas.openxmlformats.org/drawingml/2006/chart" xmlns:dgm="http://schemas.openxmlformats.org/drawingml/2006/diagram" xmlns:o="urn:schemas-microsoft-com:office:office" xmlns:v="urn:schemas-microsoft-com:vml" xmlns:pvml="urn:schemas-microsoft-com:office:powerpoint" xmlns:com="http://schemas.openxmlformats.org/drawingml/2006/compatibility" xmlns:p14="http://schemas.microsoft.com/office/powerpoint/2010/main" xmlns:p15="http://schemas.microsoft.com/office/powerpoint/2012/main" xmlns:ahyp="http://schemas.microsoft.com/office/drawing/2018/hyperlinkcolor">
+<p:sld xmlns:a="http://schemas.openxmlformats.org/drawingml/2006/main" xmlns:r="http://schemas.openxmlformats.org/officeDocument/2006/relationships" xmlns:p="http://schemas.openxmlformats.org/presentationml/2006/main">
   <p:cSld>
     <p:spTree>
       <p:nvGrpSpPr>
-        <p:cNvPr id="169" name="Shape 169"/>
+        <p:cNvPr id="1" name="Shape 169"/>
         <p:cNvGrpSpPr/>
         <p:nvPr/>
       </p:nvGrpSpPr>
@@ -11110,7 +11122,9 @@
       <p:sp>
         <p:nvSpPr>
           <p:cNvPr id="170" name="Google Shape;170;p19"/>
-          <p:cNvSpPr txBox="1"/>
+          <p:cNvSpPr txBox="1">
+            <a:spLocks noGrp="1"/>
+          </p:cNvSpPr>
           <p:nvPr>
             <p:ph type="title"/>
           </p:nvPr>
@@ -11125,12 +11139,12 @@
           </a:prstGeom>
         </p:spPr>
         <p:txBody>
-          <a:bodyPr anchorCtr="0" anchor="t" bIns="91425" lIns="91425" spcFirstLastPara="1" rIns="91425" wrap="square" tIns="91425">
+          <a:bodyPr spcFirstLastPara="1" wrap="square" lIns="91425" tIns="91425" rIns="91425" bIns="91425" anchor="t" anchorCtr="0">
             <a:normAutofit/>
           </a:bodyPr>
           <a:lstStyle/>
           <a:p>
-            <a:pPr indent="0" lvl="0" marL="0" rtl="0" algn="ctr">
+            <a:pPr marL="0" lvl="0" indent="0" algn="ctr" rtl="0">
               <a:spcBef>
                 <a:spcPts val="0"/>
               </a:spcBef>
@@ -11150,9 +11164,11 @@
       <p:sp>
         <p:nvSpPr>
           <p:cNvPr id="171" name="Google Shape;171;p19"/>
-          <p:cNvSpPr txBox="1"/>
+          <p:cNvSpPr txBox="1">
+            <a:spLocks noGrp="1"/>
+          </p:cNvSpPr>
           <p:nvPr>
-            <p:ph idx="1" type="body"/>
+            <p:ph type="body" idx="1"/>
           </p:nvPr>
         </p:nvSpPr>
         <p:spPr>
@@ -11165,12 +11181,12 @@
           </a:prstGeom>
         </p:spPr>
         <p:txBody>
-          <a:bodyPr anchorCtr="0" anchor="t" bIns="91425" lIns="91425" spcFirstLastPara="1" rIns="91425" wrap="square" tIns="91425">
+          <a:bodyPr spcFirstLastPara="1" wrap="square" lIns="91425" tIns="91425" rIns="91425" bIns="91425" anchor="t" anchorCtr="0">
             <a:normAutofit/>
           </a:bodyPr>
           <a:lstStyle/>
           <a:p>
-            <a:pPr indent="-311150" lvl="0" marL="457200" rtl="0" algn="l">
+            <a:pPr marL="457200" lvl="0" indent="-311150" algn="l" rtl="0">
               <a:spcBef>
                 <a:spcPts val="0"/>
               </a:spcBef>
@@ -11181,13 +11197,13 @@
               <a:buChar char="●"/>
             </a:pPr>
             <a:r>
-              <a:rPr lang="en"/>
+              <a:rPr lang="en" dirty="0"/>
               <a:t>Difficulties </a:t>
             </a:r>
-            <a:endParaRPr/>
+            <a:endParaRPr dirty="0"/>
           </a:p>
           <a:p>
-            <a:pPr indent="-298450" lvl="1" marL="914400" rtl="0" algn="l">
+            <a:pPr marL="914400" lvl="1" indent="-298450" algn="l" rtl="0">
               <a:spcBef>
                 <a:spcPts val="0"/>
               </a:spcBef>
@@ -11198,13 +11214,13 @@
               <a:buChar char="○"/>
             </a:pPr>
             <a:r>
-              <a:rPr lang="en"/>
+              <a:rPr lang="en" dirty="0"/>
               <a:t>Finding datasets to use, we applicable to the questions we were asking </a:t>
             </a:r>
-            <a:endParaRPr/>
+            <a:endParaRPr dirty="0"/>
           </a:p>
           <a:p>
-            <a:pPr indent="-311150" lvl="0" marL="457200" rtl="0" algn="l">
+            <a:pPr marL="457200" lvl="0" indent="-311150" algn="l" rtl="0">
               <a:spcBef>
                 <a:spcPts val="0"/>
               </a:spcBef>
@@ -11215,10 +11231,10 @@
               <a:buChar char="●"/>
             </a:pPr>
             <a:r>
-              <a:rPr lang="en"/>
+              <a:rPr lang="en" dirty="0"/>
               <a:t>Additional Questions? </a:t>
             </a:r>
-            <a:endParaRPr/>
+            <a:endParaRPr dirty="0"/>
           </a:p>
         </p:txBody>
       </p:sp>
@@ -11231,11 +11247,11 @@
 </file>
 
 <file path=ppt/slides/slide8.xml><?xml version="1.0" encoding="utf-8"?>
-<p:sld xmlns:a="http://schemas.openxmlformats.org/drawingml/2006/main" xmlns:r="http://schemas.openxmlformats.org/officeDocument/2006/relationships" xmlns:mc="http://schemas.openxmlformats.org/markup-compatibility/2006" xmlns:mv="urn:schemas-microsoft-com:mac:vml" xmlns:p="http://schemas.openxmlformats.org/presentationml/2006/main" xmlns:c="http://schemas.openxmlformats.org/drawingml/2006/chart" xmlns:dgm="http://schemas.openxmlformats.org/drawingml/2006/diagram" xmlns:o="urn:schemas-microsoft-com:office:office" xmlns:v="urn:schemas-microsoft-com:vml" xmlns:pvml="urn:schemas-microsoft-com:office:powerpoint" xmlns:com="http://schemas.openxmlformats.org/drawingml/2006/compatibility" xmlns:p14="http://schemas.microsoft.com/office/powerpoint/2010/main" xmlns:p15="http://schemas.microsoft.com/office/powerpoint/2012/main" xmlns:ahyp="http://schemas.microsoft.com/office/drawing/2018/hyperlinkcolor">
+<p:sld xmlns:a="http://schemas.openxmlformats.org/drawingml/2006/main" xmlns:r="http://schemas.openxmlformats.org/officeDocument/2006/relationships" xmlns:p="http://schemas.openxmlformats.org/presentationml/2006/main">
   <p:cSld>
     <p:spTree>
       <p:nvGrpSpPr>
-        <p:cNvPr id="175" name="Shape 175"/>
+        <p:cNvPr id="1" name="Shape 175"/>
         <p:cNvGrpSpPr/>
         <p:nvPr/>
       </p:nvGrpSpPr>
@@ -11250,7 +11266,9 @@
       <p:sp>
         <p:nvSpPr>
           <p:cNvPr id="176" name="Google Shape;176;p20"/>
-          <p:cNvSpPr txBox="1"/>
+          <p:cNvSpPr txBox="1">
+            <a:spLocks noGrp="1"/>
+          </p:cNvSpPr>
           <p:nvPr>
             <p:ph type="title"/>
           </p:nvPr>
@@ -11265,12 +11283,12 @@
           </a:prstGeom>
         </p:spPr>
         <p:txBody>
-          <a:bodyPr anchorCtr="0" anchor="t" bIns="91425" lIns="91425" spcFirstLastPara="1" rIns="91425" wrap="square" tIns="91425">
+          <a:bodyPr spcFirstLastPara="1" wrap="square" lIns="91425" tIns="91425" rIns="91425" bIns="91425" anchor="t" anchorCtr="0">
             <a:normAutofit fontScale="90000"/>
           </a:bodyPr>
           <a:lstStyle/>
           <a:p>
-            <a:pPr indent="0" lvl="0" marL="0" rtl="0" algn="ctr">
+            <a:pPr marL="0" lvl="0" indent="0" algn="ctr" rtl="0">
               <a:lnSpc>
                 <a:spcPct val="115000"/>
               </a:lnSpc>
@@ -11289,7 +11307,7 @@
             <a:endParaRPr/>
           </a:p>
           <a:p>
-            <a:pPr indent="0" lvl="0" marL="0" rtl="0" algn="l">
+            <a:pPr marL="0" lvl="0" indent="0" algn="l" rtl="0">
               <a:spcBef>
                 <a:spcPts val="1200"/>
               </a:spcBef>
@@ -11298,9 +11316,6 @@
               </a:spcAft>
               <a:buNone/>
             </a:pPr>
-            <a:r>
-              <a:t/>
-            </a:r>
             <a:endParaRPr/>
           </a:p>
         </p:txBody>
@@ -11342,7 +11357,7 @@
 </file>
 
 <file path=ppt/theme/theme1.xml><?xml version="1.0" encoding="utf-8"?>
-<a:theme xmlns:a="http://schemas.openxmlformats.org/drawingml/2006/main" xmlns:r="http://schemas.openxmlformats.org/officeDocument/2006/relationships" name="Focus">
+<a:theme xmlns:a="http://schemas.openxmlformats.org/drawingml/2006/main" name="Focus">
   <a:themeElements>
     <a:clrScheme name="Focus">
       <a:dk1>
@@ -11617,11 +11632,13 @@
       </a:bgFillStyleLst>
     </a:fmtScheme>
   </a:themeElements>
+  <a:objectDefaults/>
+  <a:extraClrSchemeLst/>
 </a:theme>
 </file>
 
 <file path=ppt/theme/theme2.xml><?xml version="1.0" encoding="utf-8"?>
-<a:theme xmlns:a="http://schemas.openxmlformats.org/drawingml/2006/main" xmlns:r="http://schemas.openxmlformats.org/officeDocument/2006/relationships">
+<a:theme xmlns:a="http://schemas.openxmlformats.org/drawingml/2006/main">
   <a:themeElements>
     <a:clrScheme name="Default">
       <a:dk1>
@@ -11896,5 +11913,7 @@
       </a:bgFillStyleLst>
     </a:fmtScheme>
   </a:themeElements>
+  <a:objectDefaults/>
+  <a:extraClrSchemeLst/>
 </a:theme>
 </file>